--- a/documentations/CSC755M_FernandezPoblete_Symposium_v2.pptx
+++ b/documentations/CSC755M_FernandezPoblete_Symposium_v2.pptx
@@ -292,7 +292,7 @@
           <a:p>
             <a:fld id="{D5749C02-E44A-486D-A2C2-B042BAA345EF}" type="datetimeFigureOut">
               <a:rPr lang="en-US" smtClean="0"/>
-              <a:t>8/24/16</a:t>
+              <a:t>8/25/2016</a:t>
             </a:fld>
             <a:endParaRPr lang="en-US"/>
           </a:p>
@@ -462,7 +462,7 @@
           <a:p>
             <a:fld id="{D5749C02-E44A-486D-A2C2-B042BAA345EF}" type="datetimeFigureOut">
               <a:rPr lang="en-US" smtClean="0"/>
-              <a:t>8/24/16</a:t>
+              <a:t>8/25/2016</a:t>
             </a:fld>
             <a:endParaRPr lang="en-US"/>
           </a:p>
@@ -642,7 +642,7 @@
           <a:p>
             <a:fld id="{D5749C02-E44A-486D-A2C2-B042BAA345EF}" type="datetimeFigureOut">
               <a:rPr lang="en-US" smtClean="0"/>
-              <a:t>8/24/16</a:t>
+              <a:t>8/25/2016</a:t>
             </a:fld>
             <a:endParaRPr lang="en-US"/>
           </a:p>
@@ -812,7 +812,7 @@
           <a:p>
             <a:fld id="{D5749C02-E44A-486D-A2C2-B042BAA345EF}" type="datetimeFigureOut">
               <a:rPr lang="en-US" smtClean="0"/>
-              <a:t>8/24/16</a:t>
+              <a:t>8/25/2016</a:t>
             </a:fld>
             <a:endParaRPr lang="en-US"/>
           </a:p>
@@ -1072,7 +1072,7 @@
           <a:p>
             <a:fld id="{D5749C02-E44A-486D-A2C2-B042BAA345EF}" type="datetimeFigureOut">
               <a:rPr lang="en-US" smtClean="0"/>
-              <a:t>8/24/16</a:t>
+              <a:t>8/25/2016</a:t>
             </a:fld>
             <a:endParaRPr lang="en-US"/>
           </a:p>
@@ -1304,7 +1304,7 @@
           <a:p>
             <a:fld id="{D5749C02-E44A-486D-A2C2-B042BAA345EF}" type="datetimeFigureOut">
               <a:rPr lang="en-US" smtClean="0"/>
-              <a:t>8/24/16</a:t>
+              <a:t>8/25/2016</a:t>
             </a:fld>
             <a:endParaRPr lang="en-US"/>
           </a:p>
@@ -1659,7 +1659,7 @@
           <a:p>
             <a:fld id="{D5749C02-E44A-486D-A2C2-B042BAA345EF}" type="datetimeFigureOut">
               <a:rPr lang="en-US" smtClean="0"/>
-              <a:t>8/24/16</a:t>
+              <a:t>8/25/2016</a:t>
             </a:fld>
             <a:endParaRPr lang="en-US"/>
           </a:p>
@@ -1800,7 +1800,7 @@
           <a:p>
             <a:fld id="{D5749C02-E44A-486D-A2C2-B042BAA345EF}" type="datetimeFigureOut">
               <a:rPr lang="en-US" smtClean="0"/>
-              <a:t>8/24/16</a:t>
+              <a:t>8/25/2016</a:t>
             </a:fld>
             <a:endParaRPr lang="en-US"/>
           </a:p>
@@ -1895,7 +1895,7 @@
           <a:p>
             <a:fld id="{D5749C02-E44A-486D-A2C2-B042BAA345EF}" type="datetimeFigureOut">
               <a:rPr lang="en-US" smtClean="0"/>
-              <a:t>8/24/16</a:t>
+              <a:t>8/25/2016</a:t>
             </a:fld>
             <a:endParaRPr lang="en-US"/>
           </a:p>
@@ -2252,7 +2252,7 @@
           <a:p>
             <a:fld id="{D5749C02-E44A-486D-A2C2-B042BAA345EF}" type="datetimeFigureOut">
               <a:rPr lang="en-US" smtClean="0"/>
-              <a:t>8/24/16</a:t>
+              <a:t>8/25/2016</a:t>
             </a:fld>
             <a:endParaRPr lang="en-US"/>
           </a:p>
@@ -2570,7 +2570,7 @@
           <a:p>
             <a:fld id="{D5749C02-E44A-486D-A2C2-B042BAA345EF}" type="datetimeFigureOut">
               <a:rPr lang="en-US" smtClean="0"/>
-              <a:t>8/24/16</a:t>
+              <a:t>8/25/2016</a:t>
             </a:fld>
             <a:endParaRPr lang="en-US"/>
           </a:p>
@@ -2814,7 +2814,7 @@
           <a:p>
             <a:fld id="{D5749C02-E44A-486D-A2C2-B042BAA345EF}" type="datetimeFigureOut">
               <a:rPr lang="en-US" smtClean="0"/>
-              <a:t>8/24/16</a:t>
+              <a:t>8/25/2016</a:t>
             </a:fld>
             <a:endParaRPr lang="en-US"/>
           </a:p>
@@ -3410,19 +3410,7 @@
             </a:pPr>
             <a:r>
               <a:rPr lang="en-US" sz="3200" dirty="0" smtClean="0"/>
-              <a:t>Must have clear distinct </a:t>
-            </a:r>
-            <a:r>
-              <a:rPr lang="en-US" sz="3200" dirty="0" smtClean="0"/>
-              <a:t>parts e.g</a:t>
-            </a:r>
-            <a:r>
-              <a:rPr lang="en-US" sz="3200" dirty="0" smtClean="0"/>
-              <a:t>. </a:t>
-            </a:r>
-            <a:r>
-              <a:rPr lang="en-US" sz="3200" dirty="0" smtClean="0"/>
-              <a:t>bits, </a:t>
+              <a:t>Must have clear distinct parts e.g. bits, </a:t>
             </a:r>
             <a:r>
               <a:rPr lang="en-US" sz="3200" dirty="0" err="1" smtClean="0"/>
@@ -3446,15 +3434,7 @@
             </a:r>
             <a:r>
               <a:rPr lang="en-US" sz="2400" b="1" dirty="0" smtClean="0"/>
-              <a:t>.g</a:t>
-            </a:r>
-            <a:r>
-              <a:rPr lang="en-US" sz="2400" b="1" dirty="0" smtClean="0"/>
-              <a:t>. </a:t>
-            </a:r>
-            <a:r>
-              <a:rPr lang="en-US" sz="2400" b="1" dirty="0" smtClean="0"/>
-              <a:t>n-queens problem</a:t>
+              <a:t>.g. n-queens problem</a:t>
             </a:r>
           </a:p>
           <a:p>
@@ -3463,11 +3443,7 @@
             </a:pPr>
             <a:r>
               <a:rPr lang="en-US" sz="2400" dirty="0" smtClean="0"/>
-              <a:t>a </a:t>
-            </a:r>
-            <a:r>
-              <a:rPr lang="en-US" sz="2400" dirty="0" smtClean="0"/>
-              <a:t>chromosome could look like the row of each queen on each column (1 4 3 2)</a:t>
+              <a:t>a chromosome could look like the row of each queen on each column (1 4 3 2)</a:t>
             </a:r>
           </a:p>
         </p:txBody>
@@ -3549,22 +3525,14 @@
             </a:r>
             <a:r>
               <a:rPr lang="en-US" sz="3200" dirty="0" smtClean="0"/>
-              <a:t>breeding </a:t>
-            </a:r>
-            <a:r>
-              <a:rPr lang="en-US" sz="3200" dirty="0" smtClean="0"/>
-              <a:t>of solutions</a:t>
+              <a:t>breeding of solutions</a:t>
             </a:r>
           </a:p>
           <a:p>
             <a:pPr lvl="2"/>
             <a:r>
               <a:rPr lang="en-US" sz="3000" dirty="0" smtClean="0"/>
-              <a:t>Crossover </a:t>
-            </a:r>
-            <a:r>
-              <a:rPr lang="en-US" sz="3000" dirty="0" smtClean="0"/>
-              <a:t>point</a:t>
+              <a:t>Crossover point</a:t>
             </a:r>
           </a:p>
           <a:p>
@@ -3583,15 +3551,7 @@
             </a:r>
             <a:r>
               <a:rPr lang="en-US" sz="2400" b="1" dirty="0" smtClean="0"/>
-              <a:t>.g</a:t>
-            </a:r>
-            <a:r>
-              <a:rPr lang="en-US" sz="2400" b="1" dirty="0" smtClean="0"/>
-              <a:t>. </a:t>
-            </a:r>
-            <a:r>
-              <a:rPr lang="en-US" sz="2400" b="1" dirty="0" smtClean="0"/>
-              <a:t>n-queens problem</a:t>
+              <a:t>.g. n-queens problem</a:t>
             </a:r>
           </a:p>
           <a:p>
@@ -3600,11 +3560,7 @@
             </a:pPr>
             <a:r>
               <a:rPr lang="en-US" sz="2400" dirty="0" smtClean="0"/>
-              <a:t>breed </a:t>
-            </a:r>
-            <a:r>
-              <a:rPr lang="en-US" sz="2400" dirty="0" smtClean="0"/>
-              <a:t>n-queens solutions </a:t>
+              <a:t>breed n-queens solutions </a:t>
             </a:r>
             <a:r>
               <a:rPr lang="en-US" sz="2400" dirty="0" smtClean="0">
@@ -3638,11 +3594,7 @@
             </a:r>
             <a:r>
               <a:rPr lang="en-US" sz="2400" dirty="0" smtClean="0"/>
-              <a:t>esult </a:t>
-            </a:r>
-            <a:r>
-              <a:rPr lang="en-US" sz="2400" dirty="0" smtClean="0"/>
-              <a:t>in </a:t>
+              <a:t>esult in </a:t>
             </a:r>
             <a:r>
               <a:rPr lang="en-US" sz="2400" dirty="0" smtClean="0">
@@ -3768,17 +3720,8 @@
             </a:r>
             <a:r>
               <a:rPr lang="en-US" sz="3200" dirty="0" smtClean="0"/>
-              <a:t>introducing </a:t>
-            </a:r>
-            <a:r>
-              <a:rPr lang="en-US" sz="3200" dirty="0" smtClean="0"/>
-              <a:t>randomness to </a:t>
-            </a:r>
-            <a:r>
-              <a:rPr lang="en-US" sz="3200" dirty="0" smtClean="0"/>
-              <a:t>a solution</a:t>
-            </a:r>
-            <a:endParaRPr lang="en-US" sz="3200" dirty="0" smtClean="0"/>
+              <a:t>introducing randomness to a solution</a:t>
+            </a:r>
           </a:p>
           <a:p>
             <a:pPr marL="0" indent="0">
@@ -3796,15 +3739,7 @@
             </a:r>
             <a:r>
               <a:rPr lang="en-US" sz="2400" b="1" dirty="0" smtClean="0"/>
-              <a:t>.g</a:t>
-            </a:r>
-            <a:r>
-              <a:rPr lang="en-US" sz="2400" b="1" dirty="0" smtClean="0"/>
-              <a:t>. </a:t>
-            </a:r>
-            <a:r>
-              <a:rPr lang="en-US" sz="2400" b="1" dirty="0" smtClean="0"/>
-              <a:t>n-queens problem</a:t>
+              <a:t>.g. n-queens problem</a:t>
             </a:r>
           </a:p>
           <a:p>
@@ -3813,11 +3748,7 @@
             </a:pPr>
             <a:r>
               <a:rPr lang="en-US" sz="2400" dirty="0" smtClean="0"/>
-              <a:t>mutate </a:t>
-            </a:r>
-            <a:r>
-              <a:rPr lang="en-US" sz="2400" dirty="0" smtClean="0"/>
-              <a:t>n-queens solution by randomly swapping two queens</a:t>
+              <a:t>mutate n-queens solution by randomly swapping two queens</a:t>
             </a:r>
             <a:endParaRPr lang="en-US" sz="2400" dirty="0"/>
           </a:p>
@@ -3924,23 +3855,7 @@
                 <a:ea typeface="Consolas" charset="0"/>
                 <a:cs typeface="Consolas" charset="0"/>
               </a:rPr>
-              <a:t>opulation </a:t>
-            </a:r>
-            <a:r>
-              <a:rPr lang="en-US" sz="3000" dirty="0" smtClean="0">
-                <a:latin typeface="Consolas" charset="0"/>
-                <a:ea typeface="Consolas" charset="0"/>
-                <a:cs typeface="Consolas" charset="0"/>
-              </a:rPr>
-              <a:t>= randomize </a:t>
-            </a:r>
-            <a:r>
-              <a:rPr lang="en-US" sz="3000" dirty="0" smtClean="0">
-                <a:latin typeface="Consolas" charset="0"/>
-                <a:ea typeface="Consolas" charset="0"/>
-                <a:cs typeface="Consolas" charset="0"/>
-              </a:rPr>
-              <a:t>population</a:t>
+              <a:t>opulation = randomize population</a:t>
             </a:r>
           </a:p>
           <a:p>
@@ -3963,15 +3878,7 @@
                 <a:ea typeface="Consolas" charset="0"/>
                 <a:cs typeface="Consolas" charset="0"/>
               </a:rPr>
-              <a:t>while !termination </a:t>
-            </a:r>
-            <a:r>
-              <a:rPr lang="en-US" sz="3000" dirty="0" smtClean="0">
-                <a:latin typeface="Consolas" charset="0"/>
-                <a:ea typeface="Consolas" charset="0"/>
-                <a:cs typeface="Consolas" charset="0"/>
-              </a:rPr>
-              <a:t>condition</a:t>
+              <a:t>while !termination condition</a:t>
             </a:r>
           </a:p>
           <a:p>
@@ -3992,23 +3899,7 @@
                 <a:ea typeface="Consolas" charset="0"/>
                 <a:cs typeface="Consolas" charset="0"/>
               </a:rPr>
-              <a:t>Create </a:t>
-            </a:r>
-            <a:r>
-              <a:rPr lang="en-US" sz="2600" dirty="0" smtClean="0">
-                <a:latin typeface="Consolas" charset="0"/>
-                <a:ea typeface="Consolas" charset="0"/>
-                <a:cs typeface="Consolas" charset="0"/>
-              </a:rPr>
-              <a:t>new empty </a:t>
-            </a:r>
-            <a:r>
-              <a:rPr lang="en-US" sz="2600" dirty="0" smtClean="0">
-                <a:latin typeface="Consolas" charset="0"/>
-                <a:ea typeface="Consolas" charset="0"/>
-                <a:cs typeface="Consolas" charset="0"/>
-              </a:rPr>
-              <a:t>population</a:t>
+              <a:t>Create new empty population</a:t>
             </a:r>
           </a:p>
           <a:p>
@@ -4029,23 +3920,7 @@
                 <a:ea typeface="Consolas" charset="0"/>
                 <a:cs typeface="Consolas" charset="0"/>
               </a:rPr>
-              <a:t>Carry </a:t>
-            </a:r>
-            <a:r>
-              <a:rPr lang="en-US" sz="2600" dirty="0" smtClean="0">
-                <a:latin typeface="Consolas" charset="0"/>
-                <a:ea typeface="Consolas" charset="0"/>
-                <a:cs typeface="Consolas" charset="0"/>
-              </a:rPr>
-              <a:t>over elite clones from old </a:t>
-            </a:r>
-            <a:r>
-              <a:rPr lang="en-US" sz="2600" dirty="0" smtClean="0">
-                <a:latin typeface="Consolas" charset="0"/>
-                <a:ea typeface="Consolas" charset="0"/>
-                <a:cs typeface="Consolas" charset="0"/>
-              </a:rPr>
-              <a:t>population</a:t>
+              <a:t>Carry over elite clones from old population</a:t>
             </a:r>
           </a:p>
           <a:p>
@@ -4066,23 +3941,7 @@
                 <a:ea typeface="Consolas" charset="0"/>
                 <a:cs typeface="Consolas" charset="0"/>
               </a:rPr>
-              <a:t>Breed </a:t>
-            </a:r>
-            <a:r>
-              <a:rPr lang="en-US" sz="2600" dirty="0" smtClean="0">
-                <a:latin typeface="Consolas" charset="0"/>
-                <a:ea typeface="Consolas" charset="0"/>
-                <a:cs typeface="Consolas" charset="0"/>
-              </a:rPr>
-              <a:t>the remainder of the </a:t>
-            </a:r>
-            <a:r>
-              <a:rPr lang="en-US" sz="2600" dirty="0" smtClean="0">
-                <a:latin typeface="Consolas" charset="0"/>
-                <a:ea typeface="Consolas" charset="0"/>
-                <a:cs typeface="Consolas" charset="0"/>
-              </a:rPr>
-              <a:t>population</a:t>
+              <a:t>Breed the remainder of the population</a:t>
             </a:r>
           </a:p>
           <a:p>
@@ -4103,23 +3962,7 @@
                 <a:ea typeface="Consolas" charset="0"/>
                 <a:cs typeface="Consolas" charset="0"/>
               </a:rPr>
-              <a:t>Mutate </a:t>
-            </a:r>
-            <a:r>
-              <a:rPr lang="en-US" sz="2600" dirty="0" smtClean="0">
-                <a:latin typeface="Consolas" charset="0"/>
-                <a:ea typeface="Consolas" charset="0"/>
-                <a:cs typeface="Consolas" charset="0"/>
-              </a:rPr>
-              <a:t>random members of the </a:t>
-            </a:r>
-            <a:r>
-              <a:rPr lang="en-US" sz="2600" dirty="0" smtClean="0">
-                <a:latin typeface="Consolas" charset="0"/>
-                <a:ea typeface="Consolas" charset="0"/>
-                <a:cs typeface="Consolas" charset="0"/>
-              </a:rPr>
-              <a:t>population</a:t>
+              <a:t>Mutate random members of the population</a:t>
             </a:r>
           </a:p>
           <a:p>
@@ -4140,15 +3983,7 @@
                 <a:ea typeface="Consolas" charset="0"/>
                 <a:cs typeface="Consolas" charset="0"/>
               </a:rPr>
-              <a:t>Get </a:t>
-            </a:r>
-            <a:r>
-              <a:rPr lang="en-US" sz="2600" dirty="0" smtClean="0">
-                <a:latin typeface="Consolas" charset="0"/>
-                <a:ea typeface="Consolas" charset="0"/>
-                <a:cs typeface="Consolas" charset="0"/>
-              </a:rPr>
-              <a:t>best chromosome</a:t>
+              <a:t>Get best chromosome</a:t>
             </a:r>
             <a:endParaRPr lang="en-US" dirty="0" smtClean="0">
               <a:latin typeface="Consolas" charset="0"/>
@@ -4309,8 +4144,8 @@
           </a:p>
         </p:txBody>
       </p:sp>
-      <mc:AlternateContent xmlns:mc="http://schemas.openxmlformats.org/markup-compatibility/2006">
-        <mc:Choice xmlns:a14="http://schemas.microsoft.com/office/drawing/2010/main" Requires="a14">
+      <mc:AlternateContent xmlns:mc="http://schemas.openxmlformats.org/markup-compatibility/2006" xmlns:a14="http://schemas.microsoft.com/office/drawing/2010/main">
+        <mc:Choice Requires="a14">
           <p:sp>
             <p:nvSpPr>
               <p:cNvPr id="3" name="Content Placeholder 2"/>
@@ -4345,7 +4180,7 @@
                       <m:fPr>
                         <m:ctrlPr>
                           <a:rPr lang="en-US" sz="2400" i="1">
-                            <a:latin typeface="Cambria Math" charset="0"/>
+                            <a:latin typeface="Cambria Math" panose="02040503050406030204" pitchFamily="18" charset="0"/>
                           </a:rPr>
                         </m:ctrlPr>
                       </m:fPr>
@@ -4354,7 +4189,7 @@
                           <m:sSubPr>
                             <m:ctrlPr>
                               <a:rPr lang="en-US" sz="2400" i="1">
-                                <a:latin typeface="Cambria Math" charset="0"/>
+                                <a:latin typeface="Cambria Math" panose="02040503050406030204" pitchFamily="18" charset="0"/>
                               </a:rPr>
                             </m:ctrlPr>
                           </m:sSubPr>
@@ -4384,7 +4219,7 @@
                             <m:supHide m:val="on"/>
                             <m:ctrlPr>
                               <a:rPr lang="en-US" sz="2400" i="1">
-                                <a:latin typeface="Cambria Math" charset="0"/>
+                                <a:latin typeface="Cambria Math" panose="02040503050406030204" pitchFamily="18" charset="0"/>
                               </a:rPr>
                             </m:ctrlPr>
                           </m:naryPr>
@@ -4414,7 +4249,7 @@
                               <m:sSubPr>
                                 <m:ctrlPr>
                                   <a:rPr lang="en-US" sz="2400" i="1">
-                                    <a:latin typeface="Cambria Math" charset="0"/>
+                                    <a:latin typeface="Cambria Math" panose="02040503050406030204" pitchFamily="18" charset="0"/>
                                   </a:rPr>
                                 </m:ctrlPr>
                               </m:sSubPr>
@@ -4465,7 +4300,7 @@
             </p:txBody>
           </p:sp>
         </mc:Choice>
-        <mc:Fallback>
+        <mc:Fallback xmlns="">
           <p:sp>
             <p:nvSpPr>
               <p:cNvPr id="3" name="Content Placeholder 2"/>
@@ -4765,11 +4600,7 @@
             </a:r>
             <a:r>
               <a:rPr lang="en-US" dirty="0" smtClean="0"/>
-              <a:t> = 1 </a:t>
-            </a:r>
-            <a:r>
-              <a:rPr lang="en-US" dirty="0" smtClean="0"/>
-              <a:t>/ (punishment + 1)</a:t>
+              <a:t> = 1 / (punishment + 1)</a:t>
             </a:r>
           </a:p>
           <a:p>
@@ -4817,11 +4648,7 @@
           <a:p>
             <a:r>
               <a:rPr lang="en-US" dirty="0" smtClean="0"/>
-              <a:t>Punishment stacks </a:t>
-            </a:r>
-            <a:r>
-              <a:rPr lang="en-US" dirty="0" smtClean="0"/>
-              <a:t>up</a:t>
+              <a:t>Punishment stacks up</a:t>
             </a:r>
             <a:endParaRPr lang="en-US" dirty="0"/>
           </a:p>
@@ -6832,11 +6659,7 @@
             <a:pPr lvl="1"/>
             <a:r>
               <a:rPr lang="en-US" sz="2800" dirty="0" smtClean="0"/>
-              <a:t>Choose a random </a:t>
-            </a:r>
-            <a:r>
-              <a:rPr lang="en-US" sz="2800" dirty="0" smtClean="0"/>
-              <a:t>timeslot</a:t>
+              <a:t>Choose a random timeslot</a:t>
             </a:r>
             <a:endParaRPr lang="en-US" sz="2900" dirty="0" smtClean="0"/>
           </a:p>
@@ -6920,46 +6743,28 @@
             </a:pPr>
             <a:r>
               <a:rPr lang="en-US" sz="2900" b="1" dirty="0" smtClean="0"/>
-              <a:t>Algorithm </a:t>
-            </a:r>
-            <a:r>
-              <a:rPr lang="en-US" sz="2900" b="1" dirty="0" smtClean="0"/>
-              <a:t>Parameters</a:t>
+              <a:t>Algorithm Parameters</a:t>
             </a:r>
           </a:p>
           <a:p>
             <a:pPr lvl="1"/>
             <a:r>
               <a:rPr lang="en-US" sz="2900" dirty="0" smtClean="0"/>
-              <a:t>Population </a:t>
-            </a:r>
+              <a:t>Population Size:	50</a:t>
+            </a:r>
+          </a:p>
+          <a:p>
+            <a:pPr lvl="1"/>
             <a:r>
               <a:rPr lang="en-US" sz="2900" dirty="0" smtClean="0"/>
-              <a:t>Size:	50</a:t>
-            </a:r>
-            <a:endParaRPr lang="en-US" sz="2900" dirty="0" smtClean="0"/>
+              <a:t>Fitness Threshold: 0.14</a:t>
+            </a:r>
           </a:p>
           <a:p>
             <a:pPr lvl="1"/>
             <a:r>
               <a:rPr lang="en-US" sz="2900" dirty="0" smtClean="0"/>
-              <a:t>Fitness </a:t>
-            </a:r>
-            <a:r>
-              <a:rPr lang="en-US" sz="2900" dirty="0" smtClean="0"/>
-              <a:t>Threshold: 0.14</a:t>
-            </a:r>
-            <a:endParaRPr lang="en-US" sz="2900" dirty="0" smtClean="0"/>
-          </a:p>
-          <a:p>
-            <a:pPr lvl="1"/>
-            <a:r>
-              <a:rPr lang="en-US" sz="2900" dirty="0" smtClean="0"/>
-              <a:t>Elitism </a:t>
-            </a:r>
-            <a:r>
-              <a:rPr lang="en-US" sz="2900" dirty="0" smtClean="0"/>
-              <a:t>Rate:</a:t>
+              <a:t>Elitism Rate:</a:t>
             </a:r>
             <a:r>
               <a:rPr lang="en-US" sz="2900" dirty="0"/>
@@ -6969,17 +6774,12 @@
               <a:rPr lang="en-US" sz="2900" dirty="0" smtClean="0"/>
               <a:t>0.2</a:t>
             </a:r>
-            <a:endParaRPr lang="en-US" sz="2900" dirty="0" smtClean="0"/>
           </a:p>
           <a:p>
             <a:pPr lvl="1"/>
             <a:r>
               <a:rPr lang="en-US" sz="2900" dirty="0" smtClean="0"/>
-              <a:t>Mutation </a:t>
-            </a:r>
-            <a:r>
-              <a:rPr lang="en-US" sz="2900" dirty="0" smtClean="0"/>
-              <a:t>Rate:</a:t>
+              <a:t>Mutation Rate:</a:t>
             </a:r>
             <a:r>
               <a:rPr lang="en-US" sz="2900" dirty="0"/>
@@ -6989,7 +6789,6 @@
               <a:rPr lang="en-US" sz="2900" dirty="0" smtClean="0"/>
               <a:t>0.4</a:t>
             </a:r>
-            <a:endParaRPr lang="en-US" sz="2900" dirty="0" smtClean="0"/>
           </a:p>
           <a:p>
             <a:pPr lvl="1"/>
@@ -7176,24 +6975,14 @@
           <a:p>
             <a:r>
               <a:rPr lang="en-US" sz="2800" dirty="0" smtClean="0"/>
-              <a:t>Implementation of the data model, algorithm, and system were </a:t>
-            </a:r>
+              <a:t>Implementation of the data model, algorithm, and system were successful</a:t>
+            </a:r>
+          </a:p>
+          <a:p>
             <a:r>
               <a:rPr lang="en-US" sz="2800" dirty="0" smtClean="0"/>
-              <a:t>successful</a:t>
-            </a:r>
-            <a:endParaRPr lang="en-US" sz="2800" dirty="0" smtClean="0"/>
-          </a:p>
-          <a:p>
-            <a:r>
-              <a:rPr lang="en-US" sz="2800" dirty="0" smtClean="0"/>
-              <a:t>It is recommended to add more capabilities and constraints to the data model to better represent real life situations in </a:t>
-            </a:r>
-            <a:r>
-              <a:rPr lang="en-US" sz="2800" dirty="0" smtClean="0"/>
-              <a:t>scheduling</a:t>
-            </a:r>
-            <a:endParaRPr lang="en-US" sz="2800" dirty="0" smtClean="0"/>
+              <a:t>It is recommended to add more capabilities and constraints to the data model to better represent real life situations in scheduling</a:t>
+            </a:r>
           </a:p>
         </p:txBody>
       </p:sp>
@@ -8011,53 +7800,8 @@
                 <a:ea typeface="Calibri" panose="020F0502020204030204" pitchFamily="34" charset="0"/>
                 <a:cs typeface="Times New Roman" panose="02020603050405020304" pitchFamily="18" charset="0"/>
               </a:rPr>
-              <a:t>, M. (2008). Making a Class Schedule Using a Genetic Algorithm. Retrieved July 4, 2016, from Code Project: http://www.codeproject.com/Articles/23111/Making</a:t>
-            </a:r>
-            <a:endParaRPr kumimoji="0" lang="en-US" altLang="en-US" sz="1400" b="0" i="0" u="none" strike="noStrike" cap="none" normalizeH="0" baseline="0" dirty="0" smtClean="0">
-              <a:ln>
-                <a:noFill/>
-              </a:ln>
-              <a:solidFill>
-                <a:schemeClr val="tx1"/>
-              </a:solidFill>
-              <a:effectLst/>
-              <a:latin typeface="+mn-lt"/>
-            </a:endParaRPr>
-          </a:p>
-          <a:p>
-            <a:pPr marL="914400" marR="0" lvl="0" indent="-914400" algn="l" defTabSz="914400" rtl="0" eaLnBrk="0" fontAlgn="base" latinLnBrk="0" hangingPunct="0">
-              <a:lnSpc>
-                <a:spcPct val="100000"/>
-              </a:lnSpc>
-              <a:spcBef>
-                <a:spcPct val="0"/>
-              </a:spcBef>
-              <a:spcAft>
-                <a:spcPct val="0"/>
-              </a:spcAft>
-              <a:buClrTx/>
-              <a:buSzTx/>
-              <a:buFontTx/>
-              <a:buNone/>
-              <a:tabLst>
-                <a:tab pos="581025" algn="l"/>
-                <a:tab pos="1163638" algn="l"/>
-                <a:tab pos="1744663" algn="l"/>
-                <a:tab pos="2327275" algn="l"/>
-                <a:tab pos="2908300" algn="l"/>
-                <a:tab pos="3489325" algn="l"/>
-                <a:tab pos="4071938" algn="l"/>
-                <a:tab pos="4652963" algn="l"/>
-                <a:tab pos="5235575" algn="l"/>
-                <a:tab pos="5816600" algn="l"/>
-                <a:tab pos="6397625" algn="l"/>
-                <a:tab pos="6980238" algn="l"/>
-                <a:tab pos="7561263" algn="l"/>
-                <a:tab pos="8143875" algn="l"/>
-                <a:tab pos="8724900" algn="l"/>
-                <a:tab pos="9305925" algn="l"/>
-              </a:tabLst>
-            </a:pPr>
+              <a:t>, M. (2008). Making a Class Schedule Using a Genetic Algorithm. Retrieved July 4, 2016, from Code Project: http://</a:t>
+            </a:r>
             <a:r>
               <a:rPr kumimoji="0" lang="en-US" altLang="en-US" sz="1400" b="0" i="0" u="none" strike="noStrike" cap="none" normalizeH="0" baseline="0" dirty="0" smtClean="0">
                 <a:ln>
@@ -8071,7 +7815,22 @@
                 <a:ea typeface="Calibri" panose="020F0502020204030204" pitchFamily="34" charset="0"/>
                 <a:cs typeface="Times New Roman" panose="02020603050405020304" pitchFamily="18" charset="0"/>
               </a:rPr>
-              <a:t>-a-Class- Schedule-Using-a-Genetic-Algorithm</a:t>
+              <a:t>www.codeproject.com/Articles/23111/Making-a-Class- </a:t>
+            </a:r>
+            <a:r>
+              <a:rPr kumimoji="0" lang="en-US" altLang="en-US" sz="1400" b="0" i="0" u="none" strike="noStrike" cap="none" normalizeH="0" baseline="0" dirty="0" smtClean="0">
+                <a:ln>
+                  <a:noFill/>
+                </a:ln>
+                <a:solidFill>
+                  <a:schemeClr val="tx1"/>
+                </a:solidFill>
+                <a:effectLst/>
+                <a:latin typeface="+mn-lt"/>
+                <a:ea typeface="Calibri" panose="020F0502020204030204" pitchFamily="34" charset="0"/>
+                <a:cs typeface="Times New Roman" panose="02020603050405020304" pitchFamily="18" charset="0"/>
+              </a:rPr>
+              <a:t>Schedule-Using-a-Genetic-Algorithm</a:t>
             </a:r>
             <a:endParaRPr kumimoji="0" lang="en-US" altLang="en-US" sz="1400" b="0" i="0" u="none" strike="noStrike" cap="none" normalizeH="0" baseline="0" dirty="0" smtClean="0">
               <a:ln>
@@ -9520,11 +9279,7 @@
             </a:pPr>
             <a:r>
               <a:rPr lang="en-US" sz="3200" dirty="0" smtClean="0"/>
-              <a:t>How </a:t>
-            </a:r>
-            <a:r>
-              <a:rPr lang="en-US" sz="3200" dirty="0" smtClean="0"/>
-              <a:t>desirable a solution is</a:t>
+              <a:t>How desirable a solution is</a:t>
             </a:r>
           </a:p>
           <a:p>
@@ -9539,17 +9294,8 @@
             </a:pPr>
             <a:r>
               <a:rPr lang="en-US" sz="2400" b="1" dirty="0" smtClean="0"/>
-              <a:t>e.g</a:t>
-            </a:r>
-            <a:r>
-              <a:rPr lang="en-US" sz="2400" b="1" dirty="0" smtClean="0"/>
-              <a:t>. n-queens </a:t>
-            </a:r>
-            <a:r>
-              <a:rPr lang="en-US" sz="2400" b="1" dirty="0" smtClean="0"/>
-              <a:t>problem</a:t>
-            </a:r>
-            <a:endParaRPr lang="en-US" sz="2400" b="1" dirty="0" smtClean="0"/>
+              <a:t>e.g. n-queens problem</a:t>
+            </a:r>
           </a:p>
           <a:p>
             <a:pPr marL="0" indent="0">

--- a/documentations/CSC755M_FernandezPoblete_Symposium_v2.pptx
+++ b/documentations/CSC755M_FernandezPoblete_Symposium_v2.pptx
@@ -4,6 +4,9 @@
   <p:sldMasterIdLst>
     <p:sldMasterId id="2147483696" r:id="rId1"/>
   </p:sldMasterIdLst>
+  <p:notesMasterIdLst>
+    <p:notesMasterId r:id="rId32"/>
+  </p:notesMasterIdLst>
   <p:sldIdLst>
     <p:sldId id="256" r:id="rId2"/>
     <p:sldId id="258" r:id="rId3"/>
@@ -15,22 +18,26 @@
     <p:sldId id="263" r:id="rId9"/>
     <p:sldId id="264" r:id="rId10"/>
     <p:sldId id="265" r:id="rId11"/>
-    <p:sldId id="266" r:id="rId12"/>
-    <p:sldId id="267" r:id="rId13"/>
-    <p:sldId id="268" r:id="rId14"/>
-    <p:sldId id="277" r:id="rId15"/>
-    <p:sldId id="269" r:id="rId16"/>
-    <p:sldId id="270" r:id="rId17"/>
-    <p:sldId id="271" r:id="rId18"/>
-    <p:sldId id="272" r:id="rId19"/>
-    <p:sldId id="273" r:id="rId20"/>
-    <p:sldId id="281" r:id="rId21"/>
-    <p:sldId id="282" r:id="rId22"/>
-    <p:sldId id="276" r:id="rId23"/>
-    <p:sldId id="283" r:id="rId24"/>
-    <p:sldId id="278" r:id="rId25"/>
-    <p:sldId id="279" r:id="rId26"/>
-    <p:sldId id="280" r:id="rId27"/>
+    <p:sldId id="284" r:id="rId12"/>
+    <p:sldId id="266" r:id="rId13"/>
+    <p:sldId id="285" r:id="rId14"/>
+    <p:sldId id="267" r:id="rId15"/>
+    <p:sldId id="286" r:id="rId16"/>
+    <p:sldId id="268" r:id="rId17"/>
+    <p:sldId id="277" r:id="rId18"/>
+    <p:sldId id="269" r:id="rId19"/>
+    <p:sldId id="270" r:id="rId20"/>
+    <p:sldId id="271" r:id="rId21"/>
+    <p:sldId id="272" r:id="rId22"/>
+    <p:sldId id="273" r:id="rId23"/>
+    <p:sldId id="281" r:id="rId24"/>
+    <p:sldId id="282" r:id="rId25"/>
+    <p:sldId id="276" r:id="rId26"/>
+    <p:sldId id="283" r:id="rId27"/>
+    <p:sldId id="278" r:id="rId28"/>
+    <p:sldId id="279" r:id="rId29"/>
+    <p:sldId id="280" r:id="rId30"/>
+    <p:sldId id="287" r:id="rId31"/>
   </p:sldIdLst>
   <p:sldSz cx="12192000" cy="6858000"/>
   <p:notesSz cx="6858000" cy="9144000"/>
@@ -135,6 +142,524 @@
     </p:ext>
   </p:extLst>
 </p:presentation>
+</file>
+
+<file path=ppt/notesMasters/notesMaster1.xml><?xml version="1.0" encoding="utf-8"?>
+<p:notesMaster xmlns:a="http://schemas.openxmlformats.org/drawingml/2006/main" xmlns:r="http://schemas.openxmlformats.org/officeDocument/2006/relationships" xmlns:p="http://schemas.openxmlformats.org/presentationml/2006/main">
+  <p:cSld>
+    <p:bg>
+      <p:bgRef idx="1001">
+        <a:schemeClr val="bg1"/>
+      </p:bgRef>
+    </p:bg>
+    <p:spTree>
+      <p:nvGrpSpPr>
+        <p:cNvPr id="1" name=""/>
+        <p:cNvGrpSpPr/>
+        <p:nvPr/>
+      </p:nvGrpSpPr>
+      <p:grpSpPr>
+        <a:xfrm>
+          <a:off x="0" y="0"/>
+          <a:ext cx="0" cy="0"/>
+          <a:chOff x="0" y="0"/>
+          <a:chExt cx="0" cy="0"/>
+        </a:xfrm>
+      </p:grpSpPr>
+      <p:sp>
+        <p:nvSpPr>
+          <p:cNvPr id="2" name="Header Placeholder 1"/>
+          <p:cNvSpPr>
+            <a:spLocks noGrp="1"/>
+          </p:cNvSpPr>
+          <p:nvPr>
+            <p:ph type="hdr" sz="quarter"/>
+          </p:nvPr>
+        </p:nvSpPr>
+        <p:spPr>
+          <a:xfrm>
+            <a:off x="0" y="0"/>
+            <a:ext cx="2971800" cy="458788"/>
+          </a:xfrm>
+          <a:prstGeom prst="rect">
+            <a:avLst/>
+          </a:prstGeom>
+        </p:spPr>
+        <p:txBody>
+          <a:bodyPr vert="horz" lIns="91440" tIns="45720" rIns="91440" bIns="45720" rtlCol="0"/>
+          <a:lstStyle>
+            <a:lvl1pPr algn="l">
+              <a:defRPr sz="1200"/>
+            </a:lvl1pPr>
+          </a:lstStyle>
+          <a:p>
+            <a:endParaRPr lang="en-US"/>
+          </a:p>
+        </p:txBody>
+      </p:sp>
+      <p:sp>
+        <p:nvSpPr>
+          <p:cNvPr id="3" name="Date Placeholder 2"/>
+          <p:cNvSpPr>
+            <a:spLocks noGrp="1"/>
+          </p:cNvSpPr>
+          <p:nvPr>
+            <p:ph type="dt" idx="1"/>
+          </p:nvPr>
+        </p:nvSpPr>
+        <p:spPr>
+          <a:xfrm>
+            <a:off x="3884613" y="0"/>
+            <a:ext cx="2971800" cy="458788"/>
+          </a:xfrm>
+          <a:prstGeom prst="rect">
+            <a:avLst/>
+          </a:prstGeom>
+        </p:spPr>
+        <p:txBody>
+          <a:bodyPr vert="horz" lIns="91440" tIns="45720" rIns="91440" bIns="45720" rtlCol="0"/>
+          <a:lstStyle>
+            <a:lvl1pPr algn="r">
+              <a:defRPr sz="1200"/>
+            </a:lvl1pPr>
+          </a:lstStyle>
+          <a:p>
+            <a:fld id="{61BF0DAE-9B24-0B45-BFEE-A2E70ECCF1FB}" type="datetimeFigureOut">
+              <a:rPr lang="en-US" smtClean="0"/>
+              <a:t>8/25/2016</a:t>
+            </a:fld>
+            <a:endParaRPr lang="en-US"/>
+          </a:p>
+        </p:txBody>
+      </p:sp>
+      <p:sp>
+        <p:nvSpPr>
+          <p:cNvPr id="4" name="Slide Image Placeholder 3"/>
+          <p:cNvSpPr>
+            <a:spLocks noGrp="1" noRot="1" noChangeAspect="1"/>
+          </p:cNvSpPr>
+          <p:nvPr>
+            <p:ph type="sldImg" idx="2"/>
+          </p:nvPr>
+        </p:nvSpPr>
+        <p:spPr>
+          <a:xfrm>
+            <a:off x="685800" y="1143000"/>
+            <a:ext cx="5486400" cy="3086100"/>
+          </a:xfrm>
+          <a:prstGeom prst="rect">
+            <a:avLst/>
+          </a:prstGeom>
+          <a:noFill/>
+          <a:ln w="12700">
+            <a:solidFill>
+              <a:prstClr val="black"/>
+            </a:solidFill>
+          </a:ln>
+        </p:spPr>
+        <p:txBody>
+          <a:bodyPr vert="horz" lIns="91440" tIns="45720" rIns="91440" bIns="45720" rtlCol="0" anchor="ctr"/>
+          <a:lstStyle/>
+          <a:p>
+            <a:endParaRPr lang="en-US"/>
+          </a:p>
+        </p:txBody>
+      </p:sp>
+      <p:sp>
+        <p:nvSpPr>
+          <p:cNvPr id="5" name="Notes Placeholder 4"/>
+          <p:cNvSpPr>
+            <a:spLocks noGrp="1"/>
+          </p:cNvSpPr>
+          <p:nvPr>
+            <p:ph type="body" sz="quarter" idx="3"/>
+          </p:nvPr>
+        </p:nvSpPr>
+        <p:spPr>
+          <a:xfrm>
+            <a:off x="685800" y="4400550"/>
+            <a:ext cx="5486400" cy="3600450"/>
+          </a:xfrm>
+          <a:prstGeom prst="rect">
+            <a:avLst/>
+          </a:prstGeom>
+        </p:spPr>
+        <p:txBody>
+          <a:bodyPr vert="horz" lIns="91440" tIns="45720" rIns="91440" bIns="45720" rtlCol="0"/>
+          <a:lstStyle/>
+          <a:p>
+            <a:pPr lvl="0"/>
+            <a:r>
+              <a:rPr lang="en-US" smtClean="0"/>
+              <a:t>Click to edit Master text styles</a:t>
+            </a:r>
+          </a:p>
+          <a:p>
+            <a:pPr lvl="1"/>
+            <a:r>
+              <a:rPr lang="en-US" smtClean="0"/>
+              <a:t>Second level</a:t>
+            </a:r>
+          </a:p>
+          <a:p>
+            <a:pPr lvl="2"/>
+            <a:r>
+              <a:rPr lang="en-US" smtClean="0"/>
+              <a:t>Third level</a:t>
+            </a:r>
+          </a:p>
+          <a:p>
+            <a:pPr lvl="3"/>
+            <a:r>
+              <a:rPr lang="en-US" smtClean="0"/>
+              <a:t>Fourth level</a:t>
+            </a:r>
+          </a:p>
+          <a:p>
+            <a:pPr lvl="4"/>
+            <a:r>
+              <a:rPr lang="en-US" smtClean="0"/>
+              <a:t>Fifth level</a:t>
+            </a:r>
+            <a:endParaRPr lang="en-US"/>
+          </a:p>
+        </p:txBody>
+      </p:sp>
+      <p:sp>
+        <p:nvSpPr>
+          <p:cNvPr id="6" name="Footer Placeholder 5"/>
+          <p:cNvSpPr>
+            <a:spLocks noGrp="1"/>
+          </p:cNvSpPr>
+          <p:nvPr>
+            <p:ph type="ftr" sz="quarter" idx="4"/>
+          </p:nvPr>
+        </p:nvSpPr>
+        <p:spPr>
+          <a:xfrm>
+            <a:off x="0" y="8685213"/>
+            <a:ext cx="2971800" cy="458787"/>
+          </a:xfrm>
+          <a:prstGeom prst="rect">
+            <a:avLst/>
+          </a:prstGeom>
+        </p:spPr>
+        <p:txBody>
+          <a:bodyPr vert="horz" lIns="91440" tIns="45720" rIns="91440" bIns="45720" rtlCol="0" anchor="b"/>
+          <a:lstStyle>
+            <a:lvl1pPr algn="l">
+              <a:defRPr sz="1200"/>
+            </a:lvl1pPr>
+          </a:lstStyle>
+          <a:p>
+            <a:endParaRPr lang="en-US"/>
+          </a:p>
+        </p:txBody>
+      </p:sp>
+      <p:sp>
+        <p:nvSpPr>
+          <p:cNvPr id="7" name="Slide Number Placeholder 6"/>
+          <p:cNvSpPr>
+            <a:spLocks noGrp="1"/>
+          </p:cNvSpPr>
+          <p:nvPr>
+            <p:ph type="sldNum" sz="quarter" idx="5"/>
+          </p:nvPr>
+        </p:nvSpPr>
+        <p:spPr>
+          <a:xfrm>
+            <a:off x="3884613" y="8685213"/>
+            <a:ext cx="2971800" cy="458787"/>
+          </a:xfrm>
+          <a:prstGeom prst="rect">
+            <a:avLst/>
+          </a:prstGeom>
+        </p:spPr>
+        <p:txBody>
+          <a:bodyPr vert="horz" lIns="91440" tIns="45720" rIns="91440" bIns="45720" rtlCol="0" anchor="b"/>
+          <a:lstStyle>
+            <a:lvl1pPr algn="r">
+              <a:defRPr sz="1200"/>
+            </a:lvl1pPr>
+          </a:lstStyle>
+          <a:p>
+            <a:fld id="{A7093604-3D0C-FE41-AC9A-29E9ED4D0E04}" type="slidenum">
+              <a:rPr lang="en-US" smtClean="0"/>
+              <a:t>‹#›</a:t>
+            </a:fld>
+            <a:endParaRPr lang="en-US"/>
+          </a:p>
+        </p:txBody>
+      </p:sp>
+    </p:spTree>
+    <p:extLst>
+      <p:ext uri="{BB962C8B-B14F-4D97-AF65-F5344CB8AC3E}">
+        <p14:creationId xmlns:p14="http://schemas.microsoft.com/office/powerpoint/2010/main" val="1446894371"/>
+      </p:ext>
+    </p:extLst>
+  </p:cSld>
+  <p:clrMap bg1="lt1" tx1="dk1" bg2="lt2" tx2="dk2" accent1="accent1" accent2="accent2" accent3="accent3" accent4="accent4" accent5="accent5" accent6="accent6" hlink="hlink" folHlink="folHlink"/>
+  <p:notesStyle>
+    <a:lvl1pPr marL="0" algn="l" defTabSz="914400" rtl="0" eaLnBrk="1" latinLnBrk="0" hangingPunct="1">
+      <a:defRPr sz="1200" kern="1200">
+        <a:solidFill>
+          <a:schemeClr val="tx1"/>
+        </a:solidFill>
+        <a:latin typeface="+mn-lt"/>
+        <a:ea typeface="+mn-ea"/>
+        <a:cs typeface="+mn-cs"/>
+      </a:defRPr>
+    </a:lvl1pPr>
+    <a:lvl2pPr marL="457200" algn="l" defTabSz="914400" rtl="0" eaLnBrk="1" latinLnBrk="0" hangingPunct="1">
+      <a:defRPr sz="1200" kern="1200">
+        <a:solidFill>
+          <a:schemeClr val="tx1"/>
+        </a:solidFill>
+        <a:latin typeface="+mn-lt"/>
+        <a:ea typeface="+mn-ea"/>
+        <a:cs typeface="+mn-cs"/>
+      </a:defRPr>
+    </a:lvl2pPr>
+    <a:lvl3pPr marL="914400" algn="l" defTabSz="914400" rtl="0" eaLnBrk="1" latinLnBrk="0" hangingPunct="1">
+      <a:defRPr sz="1200" kern="1200">
+        <a:solidFill>
+          <a:schemeClr val="tx1"/>
+        </a:solidFill>
+        <a:latin typeface="+mn-lt"/>
+        <a:ea typeface="+mn-ea"/>
+        <a:cs typeface="+mn-cs"/>
+      </a:defRPr>
+    </a:lvl3pPr>
+    <a:lvl4pPr marL="1371600" algn="l" defTabSz="914400" rtl="0" eaLnBrk="1" latinLnBrk="0" hangingPunct="1">
+      <a:defRPr sz="1200" kern="1200">
+        <a:solidFill>
+          <a:schemeClr val="tx1"/>
+        </a:solidFill>
+        <a:latin typeface="+mn-lt"/>
+        <a:ea typeface="+mn-ea"/>
+        <a:cs typeface="+mn-cs"/>
+      </a:defRPr>
+    </a:lvl4pPr>
+    <a:lvl5pPr marL="1828800" algn="l" defTabSz="914400" rtl="0" eaLnBrk="1" latinLnBrk="0" hangingPunct="1">
+      <a:defRPr sz="1200" kern="1200">
+        <a:solidFill>
+          <a:schemeClr val="tx1"/>
+        </a:solidFill>
+        <a:latin typeface="+mn-lt"/>
+        <a:ea typeface="+mn-ea"/>
+        <a:cs typeface="+mn-cs"/>
+      </a:defRPr>
+    </a:lvl5pPr>
+    <a:lvl6pPr marL="2286000" algn="l" defTabSz="914400" rtl="0" eaLnBrk="1" latinLnBrk="0" hangingPunct="1">
+      <a:defRPr sz="1200" kern="1200">
+        <a:solidFill>
+          <a:schemeClr val="tx1"/>
+        </a:solidFill>
+        <a:latin typeface="+mn-lt"/>
+        <a:ea typeface="+mn-ea"/>
+        <a:cs typeface="+mn-cs"/>
+      </a:defRPr>
+    </a:lvl6pPr>
+    <a:lvl7pPr marL="2743200" algn="l" defTabSz="914400" rtl="0" eaLnBrk="1" latinLnBrk="0" hangingPunct="1">
+      <a:defRPr sz="1200" kern="1200">
+        <a:solidFill>
+          <a:schemeClr val="tx1"/>
+        </a:solidFill>
+        <a:latin typeface="+mn-lt"/>
+        <a:ea typeface="+mn-ea"/>
+        <a:cs typeface="+mn-cs"/>
+      </a:defRPr>
+    </a:lvl7pPr>
+    <a:lvl8pPr marL="3200400" algn="l" defTabSz="914400" rtl="0" eaLnBrk="1" latinLnBrk="0" hangingPunct="1">
+      <a:defRPr sz="1200" kern="1200">
+        <a:solidFill>
+          <a:schemeClr val="tx1"/>
+        </a:solidFill>
+        <a:latin typeface="+mn-lt"/>
+        <a:ea typeface="+mn-ea"/>
+        <a:cs typeface="+mn-cs"/>
+      </a:defRPr>
+    </a:lvl8pPr>
+    <a:lvl9pPr marL="3657600" algn="l" defTabSz="914400" rtl="0" eaLnBrk="1" latinLnBrk="0" hangingPunct="1">
+      <a:defRPr sz="1200" kern="1200">
+        <a:solidFill>
+          <a:schemeClr val="tx1"/>
+        </a:solidFill>
+        <a:latin typeface="+mn-lt"/>
+        <a:ea typeface="+mn-ea"/>
+        <a:cs typeface="+mn-cs"/>
+      </a:defRPr>
+    </a:lvl9pPr>
+  </p:notesStyle>
+</p:notesMaster>
+</file>
+
+<file path=ppt/notesSlides/notesSlide1.xml><?xml version="1.0" encoding="utf-8"?>
+<p:notes xmlns:a="http://schemas.openxmlformats.org/drawingml/2006/main" xmlns:r="http://schemas.openxmlformats.org/officeDocument/2006/relationships" xmlns:p="http://schemas.openxmlformats.org/presentationml/2006/main">
+  <p:cSld>
+    <p:spTree>
+      <p:nvGrpSpPr>
+        <p:cNvPr id="1" name=""/>
+        <p:cNvGrpSpPr/>
+        <p:nvPr/>
+      </p:nvGrpSpPr>
+      <p:grpSpPr>
+        <a:xfrm>
+          <a:off x="0" y="0"/>
+          <a:ext cx="0" cy="0"/>
+          <a:chOff x="0" y="0"/>
+          <a:chExt cx="0" cy="0"/>
+        </a:xfrm>
+      </p:grpSpPr>
+      <p:sp>
+        <p:nvSpPr>
+          <p:cNvPr id="2" name="Slide Image Placeholder 1"/>
+          <p:cNvSpPr>
+            <a:spLocks noGrp="1" noRot="1" noChangeAspect="1"/>
+          </p:cNvSpPr>
+          <p:nvPr>
+            <p:ph type="sldImg"/>
+          </p:nvPr>
+        </p:nvSpPr>
+        <p:spPr/>
+      </p:sp>
+      <p:sp>
+        <p:nvSpPr>
+          <p:cNvPr id="3" name="Notes Placeholder 2"/>
+          <p:cNvSpPr>
+            <a:spLocks noGrp="1"/>
+          </p:cNvSpPr>
+          <p:nvPr>
+            <p:ph type="body" idx="1"/>
+          </p:nvPr>
+        </p:nvSpPr>
+        <p:spPr/>
+        <p:txBody>
+          <a:bodyPr/>
+          <a:lstStyle/>
+          <a:p>
+            <a:endParaRPr lang="en-US" dirty="0"/>
+          </a:p>
+        </p:txBody>
+      </p:sp>
+      <p:sp>
+        <p:nvSpPr>
+          <p:cNvPr id="4" name="Slide Number Placeholder 3"/>
+          <p:cNvSpPr>
+            <a:spLocks noGrp="1"/>
+          </p:cNvSpPr>
+          <p:nvPr>
+            <p:ph type="sldNum" sz="quarter" idx="10"/>
+          </p:nvPr>
+        </p:nvSpPr>
+        <p:spPr/>
+        <p:txBody>
+          <a:bodyPr/>
+          <a:lstStyle/>
+          <a:p>
+            <a:fld id="{A7093604-3D0C-FE41-AC9A-29E9ED4D0E04}" type="slidenum">
+              <a:rPr lang="en-US" smtClean="0"/>
+              <a:t>3</a:t>
+            </a:fld>
+            <a:endParaRPr lang="en-US"/>
+          </a:p>
+        </p:txBody>
+      </p:sp>
+    </p:spTree>
+    <p:extLst>
+      <p:ext uri="{BB962C8B-B14F-4D97-AF65-F5344CB8AC3E}">
+        <p14:creationId xmlns:p14="http://schemas.microsoft.com/office/powerpoint/2010/main" val="1996358416"/>
+      </p:ext>
+    </p:extLst>
+  </p:cSld>
+  <p:clrMapOvr>
+    <a:masterClrMapping/>
+  </p:clrMapOvr>
+</p:notes>
+</file>
+
+<file path=ppt/notesSlides/notesSlide2.xml><?xml version="1.0" encoding="utf-8"?>
+<p:notes xmlns:a="http://schemas.openxmlformats.org/drawingml/2006/main" xmlns:r="http://schemas.openxmlformats.org/officeDocument/2006/relationships" xmlns:p="http://schemas.openxmlformats.org/presentationml/2006/main">
+  <p:cSld>
+    <p:spTree>
+      <p:nvGrpSpPr>
+        <p:cNvPr id="1" name=""/>
+        <p:cNvGrpSpPr/>
+        <p:nvPr/>
+      </p:nvGrpSpPr>
+      <p:grpSpPr>
+        <a:xfrm>
+          <a:off x="0" y="0"/>
+          <a:ext cx="0" cy="0"/>
+          <a:chOff x="0" y="0"/>
+          <a:chExt cx="0" cy="0"/>
+        </a:xfrm>
+      </p:grpSpPr>
+      <p:sp>
+        <p:nvSpPr>
+          <p:cNvPr id="2" name="Slide Image Placeholder 1"/>
+          <p:cNvSpPr>
+            <a:spLocks noGrp="1" noRot="1" noChangeAspect="1"/>
+          </p:cNvSpPr>
+          <p:nvPr>
+            <p:ph type="sldImg"/>
+          </p:nvPr>
+        </p:nvSpPr>
+        <p:spPr/>
+      </p:sp>
+      <p:sp>
+        <p:nvSpPr>
+          <p:cNvPr id="3" name="Notes Placeholder 2"/>
+          <p:cNvSpPr>
+            <a:spLocks noGrp="1"/>
+          </p:cNvSpPr>
+          <p:nvPr>
+            <p:ph type="body" idx="1"/>
+          </p:nvPr>
+        </p:nvSpPr>
+        <p:spPr/>
+        <p:txBody>
+          <a:bodyPr/>
+          <a:lstStyle/>
+          <a:p>
+            <a:endParaRPr lang="en-US" dirty="0"/>
+          </a:p>
+        </p:txBody>
+      </p:sp>
+      <p:sp>
+        <p:nvSpPr>
+          <p:cNvPr id="4" name="Slide Number Placeholder 3"/>
+          <p:cNvSpPr>
+            <a:spLocks noGrp="1"/>
+          </p:cNvSpPr>
+          <p:nvPr>
+            <p:ph type="sldNum" sz="quarter" idx="10"/>
+          </p:nvPr>
+        </p:nvSpPr>
+        <p:spPr/>
+        <p:txBody>
+          <a:bodyPr/>
+          <a:lstStyle/>
+          <a:p>
+            <a:fld id="{A7093604-3D0C-FE41-AC9A-29E9ED4D0E04}" type="slidenum">
+              <a:rPr lang="en-US" smtClean="0"/>
+              <a:t>7</a:t>
+            </a:fld>
+            <a:endParaRPr lang="en-US"/>
+          </a:p>
+        </p:txBody>
+      </p:sp>
+    </p:spTree>
+    <p:extLst>
+      <p:ext uri="{BB962C8B-B14F-4D97-AF65-F5344CB8AC3E}">
+        <p14:creationId xmlns:p14="http://schemas.microsoft.com/office/powerpoint/2010/main" val="1740277491"/>
+      </p:ext>
+    </p:extLst>
+  </p:cSld>
+  <p:clrMapOvr>
+    <a:masterClrMapping/>
+  </p:clrMapOvr>
+</p:notes>
 </file>
 
 <file path=ppt/slideLayouts/slideLayout1.xml><?xml version="1.0" encoding="utf-8"?>
@@ -3478,175 +4003,323 @@
           <a:chExt cx="0" cy="0"/>
         </a:xfrm>
       </p:grpSpPr>
-      <p:sp>
-        <p:nvSpPr>
-          <p:cNvPr id="2" name="Title 1"/>
-          <p:cNvSpPr>
-            <a:spLocks noGrp="1"/>
-          </p:cNvSpPr>
-          <p:nvPr>
-            <p:ph type="title"/>
-          </p:nvPr>
-        </p:nvSpPr>
-        <p:spPr/>
-        <p:txBody>
-          <a:bodyPr/>
-          <a:lstStyle/>
-          <a:p>
-            <a:r>
-              <a:rPr lang="en-US" dirty="0" smtClean="0"/>
-              <a:t>Chromosome</a:t>
-            </a:r>
-            <a:endParaRPr lang="en-US" dirty="0"/>
-          </a:p>
-        </p:txBody>
-      </p:sp>
-      <p:sp>
-        <p:nvSpPr>
-          <p:cNvPr id="3" name="Content Placeholder 2"/>
-          <p:cNvSpPr>
-            <a:spLocks noGrp="1"/>
-          </p:cNvSpPr>
-          <p:nvPr>
-            <p:ph idx="1"/>
-          </p:nvPr>
-        </p:nvSpPr>
-        <p:spPr/>
-        <p:txBody>
-          <a:bodyPr/>
-          <a:lstStyle/>
-          <a:p>
-            <a:pPr marL="0" indent="0">
-              <a:buNone/>
-            </a:pPr>
-            <a:r>
-              <a:rPr lang="en-US" sz="3200" b="1" dirty="0" smtClean="0"/>
-              <a:t>Crossover: </a:t>
-            </a:r>
-            <a:r>
-              <a:rPr lang="en-US" sz="3200" dirty="0" smtClean="0"/>
-              <a:t>breeding of solutions</a:t>
-            </a:r>
-          </a:p>
-          <a:p>
-            <a:pPr lvl="2"/>
-            <a:r>
-              <a:rPr lang="en-US" sz="3000" dirty="0" smtClean="0"/>
-              <a:t>Crossover point</a:t>
-            </a:r>
-          </a:p>
-          <a:p>
-            <a:pPr marL="0" indent="0">
-              <a:buNone/>
-            </a:pPr>
-            <a:endParaRPr lang="en-US" dirty="0"/>
-          </a:p>
-          <a:p>
-            <a:pPr marL="0" indent="0">
-              <a:buNone/>
-            </a:pPr>
-            <a:r>
-              <a:rPr lang="en-US" sz="2400" b="1" dirty="0"/>
-              <a:t>e</a:t>
-            </a:r>
-            <a:r>
-              <a:rPr lang="en-US" sz="2400" b="1" dirty="0" smtClean="0"/>
-              <a:t>.g. n-queens problem</a:t>
-            </a:r>
-          </a:p>
-          <a:p>
-            <a:pPr marL="0" indent="0">
-              <a:buNone/>
-            </a:pPr>
-            <a:r>
-              <a:rPr lang="en-US" sz="2400" dirty="0" smtClean="0"/>
-              <a:t>breed n-queens solutions </a:t>
-            </a:r>
-            <a:r>
-              <a:rPr lang="en-US" sz="2400" dirty="0" smtClean="0">
-                <a:solidFill>
-                  <a:srgbClr val="00B050"/>
-                </a:solidFill>
-              </a:rPr>
-              <a:t>4 1 3 2 </a:t>
-            </a:r>
-            <a:r>
-              <a:rPr lang="en-US" sz="2400" dirty="0" smtClean="0"/>
-              <a:t>and </a:t>
-            </a:r>
-            <a:r>
-              <a:rPr lang="en-US" sz="2400" dirty="0" smtClean="0">
-                <a:solidFill>
-                  <a:srgbClr val="FF0000"/>
-                </a:solidFill>
-              </a:rPr>
-              <a:t>2 4 3 1</a:t>
-            </a:r>
-            <a:endParaRPr lang="en-US" sz="2400" dirty="0"/>
-          </a:p>
-          <a:p>
-            <a:pPr marL="0" indent="0">
-              <a:buNone/>
-            </a:pPr>
-            <a:r>
-              <a:rPr lang="en-US" sz="2400" dirty="0"/>
-              <a:t>r</a:t>
-            </a:r>
-            <a:r>
-              <a:rPr lang="en-US" sz="2400" dirty="0" smtClean="0"/>
-              <a:t>esult in </a:t>
-            </a:r>
-            <a:r>
-              <a:rPr lang="en-US" sz="2400" dirty="0" smtClean="0">
-                <a:solidFill>
-                  <a:srgbClr val="00B050"/>
-                </a:solidFill>
-              </a:rPr>
-              <a:t>4 1</a:t>
-            </a:r>
-            <a:r>
-              <a:rPr lang="en-US" sz="2400" dirty="0" smtClean="0"/>
-              <a:t> </a:t>
-            </a:r>
-            <a:r>
-              <a:rPr lang="en-US" sz="2400" dirty="0" smtClean="0">
-                <a:solidFill>
-                  <a:srgbClr val="FF0000"/>
-                </a:solidFill>
-              </a:rPr>
-              <a:t>3 1</a:t>
-            </a:r>
-            <a:r>
-              <a:rPr lang="en-US" sz="2400" dirty="0" smtClean="0"/>
-              <a:t> and </a:t>
-            </a:r>
-            <a:r>
-              <a:rPr lang="en-US" sz="2400" dirty="0" smtClean="0">
-                <a:solidFill>
-                  <a:srgbClr val="FF0000"/>
-                </a:solidFill>
-              </a:rPr>
-              <a:t>2 4</a:t>
-            </a:r>
-            <a:r>
-              <a:rPr lang="en-US" sz="2400" dirty="0" smtClean="0"/>
-              <a:t> </a:t>
-            </a:r>
-            <a:r>
-              <a:rPr lang="en-US" sz="2400" dirty="0" smtClean="0">
-                <a:solidFill>
-                  <a:srgbClr val="00B050"/>
-                </a:solidFill>
-              </a:rPr>
-              <a:t>3 2</a:t>
-            </a:r>
-          </a:p>
-        </p:txBody>
-      </p:sp>
+      <p:graphicFrame>
+        <p:nvGraphicFramePr>
+          <p:cNvPr id="4" name="Table 3"/>
+          <p:cNvGraphicFramePr>
+            <a:graphicFrameLocks noGrp="1"/>
+          </p:cNvGraphicFramePr>
+          <p:nvPr>
+            <p:extLst>
+              <p:ext uri="{D42A27DB-BD31-4B8C-83A1-F6EECF244321}">
+                <p14:modId xmlns:p14="http://schemas.microsoft.com/office/powerpoint/2010/main" val="601222422"/>
+              </p:ext>
+            </p:extLst>
+          </p:nvPr>
+        </p:nvGraphicFramePr>
+        <p:xfrm>
+          <a:off x="3269129" y="699346"/>
+          <a:ext cx="5486400" cy="5486400"/>
+        </p:xfrm>
+        <a:graphic>
+          <a:graphicData uri="http://schemas.openxmlformats.org/drawingml/2006/table">
+            <a:tbl>
+              <a:tblPr firstRow="1" bandRow="1">
+                <a:tableStyleId>{16D9F66E-5EB9-4882-86FB-DCBF35E3C3E4}</a:tableStyleId>
+              </a:tblPr>
+              <a:tblGrid>
+                <a:gridCol w="1371600"/>
+                <a:gridCol w="1371600"/>
+                <a:gridCol w="1371600"/>
+                <a:gridCol w="1371600"/>
+              </a:tblGrid>
+              <a:tr h="1371600">
+                <a:tc>
+                  <a:txBody>
+                    <a:bodyPr/>
+                    <a:lstStyle/>
+                    <a:p>
+                      <a:pPr marL="0" marR="0" indent="0" algn="ctr" defTabSz="914400" rtl="0" eaLnBrk="1" fontAlgn="auto" latinLnBrk="0" hangingPunct="1">
+                        <a:lnSpc>
+                          <a:spcPct val="100000"/>
+                        </a:lnSpc>
+                        <a:spcBef>
+                          <a:spcPts val="0"/>
+                        </a:spcBef>
+                        <a:spcAft>
+                          <a:spcPts val="0"/>
+                        </a:spcAft>
+                        <a:buClrTx/>
+                        <a:buSzTx/>
+                        <a:buFontTx/>
+                        <a:buNone/>
+                        <a:tabLst/>
+                        <a:defRPr/>
+                      </a:pPr>
+                      <a:r>
+                        <a:rPr lang="en-US" sz="8000" b="0" dirty="0" smtClean="0"/>
+                        <a:t>♛</a:t>
+                      </a:r>
+                    </a:p>
+                  </a:txBody>
+                  <a:tcPr anchor="ctr">
+                    <a:solidFill>
+                      <a:schemeClr val="bg1"/>
+                    </a:solidFill>
+                  </a:tcPr>
+                </a:tc>
+                <a:tc>
+                  <a:txBody>
+                    <a:bodyPr/>
+                    <a:lstStyle/>
+                    <a:p>
+                      <a:pPr algn="ctr"/>
+                      <a:endParaRPr lang="en-US" sz="8000" b="0"/>
+                    </a:p>
+                  </a:txBody>
+                  <a:tcPr anchor="ctr">
+                    <a:solidFill>
+                      <a:schemeClr val="bg1"/>
+                    </a:solidFill>
+                  </a:tcPr>
+                </a:tc>
+                <a:tc>
+                  <a:txBody>
+                    <a:bodyPr/>
+                    <a:lstStyle/>
+                    <a:p>
+                      <a:pPr algn="ctr"/>
+                      <a:endParaRPr lang="en-US" sz="8000" b="0"/>
+                    </a:p>
+                  </a:txBody>
+                  <a:tcPr anchor="ctr">
+                    <a:solidFill>
+                      <a:schemeClr val="bg1"/>
+                    </a:solidFill>
+                  </a:tcPr>
+                </a:tc>
+                <a:tc>
+                  <a:txBody>
+                    <a:bodyPr/>
+                    <a:lstStyle/>
+                    <a:p>
+                      <a:pPr algn="ctr"/>
+                      <a:endParaRPr lang="en-US" sz="8000" b="0"/>
+                    </a:p>
+                  </a:txBody>
+                  <a:tcPr anchor="ctr">
+                    <a:solidFill>
+                      <a:schemeClr val="bg1"/>
+                    </a:solidFill>
+                  </a:tcPr>
+                </a:tc>
+              </a:tr>
+              <a:tr h="1371600">
+                <a:tc>
+                  <a:txBody>
+                    <a:bodyPr/>
+                    <a:lstStyle/>
+                    <a:p>
+                      <a:pPr algn="ctr"/>
+                      <a:endParaRPr lang="en-US" sz="8000" b="0" dirty="0"/>
+                    </a:p>
+                  </a:txBody>
+                  <a:tcPr anchor="ctr">
+                    <a:solidFill>
+                      <a:schemeClr val="bg1"/>
+                    </a:solidFill>
+                  </a:tcPr>
+                </a:tc>
+                <a:tc>
+                  <a:txBody>
+                    <a:bodyPr/>
+                    <a:lstStyle/>
+                    <a:p>
+                      <a:pPr algn="ctr"/>
+                      <a:endParaRPr lang="en-US" sz="8000" b="0"/>
+                    </a:p>
+                  </a:txBody>
+                  <a:tcPr anchor="ctr">
+                    <a:solidFill>
+                      <a:schemeClr val="bg1"/>
+                    </a:solidFill>
+                  </a:tcPr>
+                </a:tc>
+                <a:tc>
+                  <a:txBody>
+                    <a:bodyPr/>
+                    <a:lstStyle/>
+                    <a:p>
+                      <a:pPr algn="ctr"/>
+                      <a:endParaRPr lang="en-US" sz="8000" b="0" dirty="0"/>
+                    </a:p>
+                  </a:txBody>
+                  <a:tcPr anchor="ctr">
+                    <a:solidFill>
+                      <a:schemeClr val="bg1"/>
+                    </a:solidFill>
+                  </a:tcPr>
+                </a:tc>
+                <a:tc>
+                  <a:txBody>
+                    <a:bodyPr/>
+                    <a:lstStyle/>
+                    <a:p>
+                      <a:pPr algn="ctr"/>
+                      <a:r>
+                        <a:rPr lang="en-US" sz="8000" b="0" dirty="0" smtClean="0"/>
+                        <a:t>♛</a:t>
+                      </a:r>
+                      <a:endParaRPr lang="en-US" sz="8000" b="0" dirty="0"/>
+                    </a:p>
+                  </a:txBody>
+                  <a:tcPr anchor="ctr">
+                    <a:solidFill>
+                      <a:schemeClr val="bg1"/>
+                    </a:solidFill>
+                  </a:tcPr>
+                </a:tc>
+              </a:tr>
+              <a:tr h="1371600">
+                <a:tc>
+                  <a:txBody>
+                    <a:bodyPr/>
+                    <a:lstStyle/>
+                    <a:p>
+                      <a:pPr algn="ctr"/>
+                      <a:endParaRPr lang="en-US" sz="8000" b="0"/>
+                    </a:p>
+                  </a:txBody>
+                  <a:tcPr anchor="ctr">
+                    <a:solidFill>
+                      <a:schemeClr val="bg1"/>
+                    </a:solidFill>
+                  </a:tcPr>
+                </a:tc>
+                <a:tc>
+                  <a:txBody>
+                    <a:bodyPr/>
+                    <a:lstStyle/>
+                    <a:p>
+                      <a:pPr algn="ctr"/>
+                      <a:endParaRPr lang="en-US" sz="8000" b="0"/>
+                    </a:p>
+                  </a:txBody>
+                  <a:tcPr anchor="ctr">
+                    <a:solidFill>
+                      <a:schemeClr val="bg1"/>
+                    </a:solidFill>
+                  </a:tcPr>
+                </a:tc>
+                <a:tc>
+                  <a:txBody>
+                    <a:bodyPr/>
+                    <a:lstStyle/>
+                    <a:p>
+                      <a:pPr algn="ctr"/>
+                      <a:r>
+                        <a:rPr lang="en-US" sz="8000" b="0" dirty="0" smtClean="0"/>
+                        <a:t>♛</a:t>
+                      </a:r>
+                      <a:endParaRPr lang="en-US" sz="8000" b="0" dirty="0"/>
+                    </a:p>
+                  </a:txBody>
+                  <a:tcPr anchor="ctr">
+                    <a:solidFill>
+                      <a:schemeClr val="bg1"/>
+                    </a:solidFill>
+                  </a:tcPr>
+                </a:tc>
+                <a:tc>
+                  <a:txBody>
+                    <a:bodyPr/>
+                    <a:lstStyle/>
+                    <a:p>
+                      <a:pPr algn="ctr"/>
+                      <a:endParaRPr lang="en-US" sz="8000" b="0"/>
+                    </a:p>
+                  </a:txBody>
+                  <a:tcPr anchor="ctr">
+                    <a:solidFill>
+                      <a:schemeClr val="bg1"/>
+                    </a:solidFill>
+                  </a:tcPr>
+                </a:tc>
+              </a:tr>
+              <a:tr h="1371600">
+                <a:tc>
+                  <a:txBody>
+                    <a:bodyPr/>
+                    <a:lstStyle/>
+                    <a:p>
+                      <a:pPr algn="ctr"/>
+                      <a:endParaRPr lang="en-US" sz="8000" b="0"/>
+                    </a:p>
+                  </a:txBody>
+                  <a:tcPr anchor="ctr">
+                    <a:solidFill>
+                      <a:schemeClr val="bg1"/>
+                    </a:solidFill>
+                  </a:tcPr>
+                </a:tc>
+                <a:tc>
+                  <a:txBody>
+                    <a:bodyPr/>
+                    <a:lstStyle/>
+                    <a:p>
+                      <a:pPr algn="ctr"/>
+                      <a:r>
+                        <a:rPr lang="en-US" sz="8000" b="0" dirty="0" smtClean="0"/>
+                        <a:t>♛</a:t>
+                      </a:r>
+                      <a:endParaRPr lang="en-US" sz="8000" b="0" dirty="0"/>
+                    </a:p>
+                  </a:txBody>
+                  <a:tcPr anchor="ctr">
+                    <a:solidFill>
+                      <a:schemeClr val="bg1"/>
+                    </a:solidFill>
+                  </a:tcPr>
+                </a:tc>
+                <a:tc>
+                  <a:txBody>
+                    <a:bodyPr/>
+                    <a:lstStyle/>
+                    <a:p>
+                      <a:pPr algn="ctr"/>
+                      <a:endParaRPr lang="en-US" sz="8000" b="0" dirty="0"/>
+                    </a:p>
+                  </a:txBody>
+                  <a:tcPr anchor="ctr">
+                    <a:solidFill>
+                      <a:schemeClr val="bg1"/>
+                    </a:solidFill>
+                  </a:tcPr>
+                </a:tc>
+                <a:tc>
+                  <a:txBody>
+                    <a:bodyPr/>
+                    <a:lstStyle/>
+                    <a:p>
+                      <a:pPr algn="ctr"/>
+                      <a:endParaRPr lang="en-US" sz="8000" b="0" dirty="0"/>
+                    </a:p>
+                  </a:txBody>
+                  <a:tcPr anchor="ctr">
+                    <a:solidFill>
+                      <a:schemeClr val="bg1"/>
+                    </a:solidFill>
+                  </a:tcPr>
+                </a:tc>
+              </a:tr>
+            </a:tbl>
+          </a:graphicData>
+        </a:graphic>
+      </p:graphicFrame>
     </p:spTree>
     <p:extLst>
       <p:ext uri="{BB962C8B-B14F-4D97-AF65-F5344CB8AC3E}">
-        <p14:creationId xmlns:p14="http://schemas.microsoft.com/office/powerpoint/2010/main" val="1458320987"/>
+        <p14:creationId xmlns:p14="http://schemas.microsoft.com/office/powerpoint/2010/main" val="896087467"/>
       </p:ext>
     </p:extLst>
   </p:cSld>
@@ -3716,11 +4389,18 @@
             </a:pPr>
             <a:r>
               <a:rPr lang="en-US" sz="3200" b="1" dirty="0" smtClean="0"/>
-              <a:t>Mutation: </a:t>
+              <a:t>Crossover: </a:t>
             </a:r>
             <a:r>
               <a:rPr lang="en-US" sz="3200" dirty="0" smtClean="0"/>
-              <a:t>introducing randomness to a solution</a:t>
+              <a:t>breeding of solutions</a:t>
+            </a:r>
+          </a:p>
+          <a:p>
+            <a:pPr lvl="2"/>
+            <a:r>
+              <a:rPr lang="en-US" sz="3000" dirty="0" smtClean="0"/>
+              <a:t>Crossover point</a:t>
             </a:r>
           </a:p>
           <a:p>
@@ -3748,7 +4428,27 @@
             </a:pPr>
             <a:r>
               <a:rPr lang="en-US" sz="2400" dirty="0" smtClean="0"/>
-              <a:t>mutate n-queens solution by randomly swapping two queens</a:t>
+              <a:t>breed n-queens solutions </a:t>
+            </a:r>
+            <a:r>
+              <a:rPr lang="en-US" sz="2400" dirty="0" smtClean="0">
+                <a:solidFill>
+                  <a:srgbClr val="00B050"/>
+                </a:solidFill>
+              </a:rPr>
+              <a:t>4 1 3 2 </a:t>
+            </a:r>
+            <a:r>
+              <a:rPr lang="en-US" sz="2400" dirty="0" smtClean="0"/>
+              <a:t>and </a:t>
+            </a:r>
+            <a:r>
+              <a:rPr lang="en-US" sz="2400" dirty="0" smtClean="0">
+                <a:solidFill>
+                  <a:srgbClr val="FF0000"/>
+                </a:solidFill>
+              </a:rPr>
+              <a:t>2 4 3 1</a:t>
             </a:r>
             <a:endParaRPr lang="en-US" sz="2400" dirty="0"/>
           </a:p>
@@ -3757,21 +4457,64 @@
               <a:buNone/>
             </a:pPr>
             <a:r>
+              <a:rPr lang="en-US" sz="2400" dirty="0"/>
+              <a:t>r</a:t>
+            </a:r>
+            <a:r>
               <a:rPr lang="en-US" sz="2400" dirty="0" smtClean="0"/>
-              <a:t>4 1 3 2 can mutate to 4 2 3 1</a:t>
-            </a:r>
-            <a:endParaRPr lang="en-US" sz="2400" dirty="0" smtClean="0">
-              <a:solidFill>
-                <a:srgbClr val="00B050"/>
-              </a:solidFill>
-            </a:endParaRPr>
+              <a:t>esult in </a:t>
+            </a:r>
+            <a:r>
+              <a:rPr lang="en-US" sz="2400" dirty="0" smtClean="0">
+                <a:solidFill>
+                  <a:srgbClr val="00B050"/>
+                </a:solidFill>
+              </a:rPr>
+              <a:t>4 1</a:t>
+            </a:r>
+            <a:r>
+              <a:rPr lang="en-US" sz="2400" dirty="0" smtClean="0"/>
+              <a:t> </a:t>
+            </a:r>
+            <a:r>
+              <a:rPr lang="en-US" sz="2400" dirty="0" smtClean="0">
+                <a:solidFill>
+                  <a:srgbClr val="FF0000"/>
+                </a:solidFill>
+              </a:rPr>
+              <a:t>3 1</a:t>
+            </a:r>
+            <a:r>
+              <a:rPr lang="en-US" sz="2400" dirty="0" smtClean="0"/>
+              <a:t> and </a:t>
+            </a:r>
+            <a:r>
+              <a:rPr lang="en-US" sz="2400" dirty="0" smtClean="0">
+                <a:solidFill>
+                  <a:srgbClr val="FF0000"/>
+                </a:solidFill>
+              </a:rPr>
+              <a:t>2 4</a:t>
+            </a:r>
+            <a:r>
+              <a:rPr lang="en-US" sz="2400" dirty="0" smtClean="0"/>
+              <a:t> </a:t>
+            </a:r>
+            <a:r>
+              <a:rPr lang="en-US" sz="2400" dirty="0" smtClean="0">
+                <a:solidFill>
+                  <a:srgbClr val="00B050"/>
+                </a:solidFill>
+              </a:rPr>
+              <a:t>3 2</a:t>
+            </a:r>
           </a:p>
         </p:txBody>
       </p:sp>
     </p:spTree>
     <p:extLst>
       <p:ext uri="{BB962C8B-B14F-4D97-AF65-F5344CB8AC3E}">
-        <p14:creationId xmlns:p14="http://schemas.microsoft.com/office/powerpoint/2010/main" val="1022979540"/>
+        <p14:creationId xmlns:p14="http://schemas.microsoft.com/office/powerpoint/2010/main" val="1458320987"/>
       </p:ext>
     </p:extLst>
   </p:cSld>
@@ -3798,205 +4541,1732 @@
           <a:chExt cx="0" cy="0"/>
         </a:xfrm>
       </p:grpSpPr>
+      <p:graphicFrame>
+        <p:nvGraphicFramePr>
+          <p:cNvPr id="4" name="Table 3"/>
+          <p:cNvGraphicFramePr>
+            <a:graphicFrameLocks noGrp="1"/>
+          </p:cNvGraphicFramePr>
+          <p:nvPr>
+            <p:extLst>
+              <p:ext uri="{D42A27DB-BD31-4B8C-83A1-F6EECF244321}">
+                <p14:modId xmlns:p14="http://schemas.microsoft.com/office/powerpoint/2010/main" val="1534490450"/>
+              </p:ext>
+            </p:extLst>
+          </p:nvPr>
+        </p:nvGraphicFramePr>
+        <p:xfrm>
+          <a:off x="485588" y="443852"/>
+          <a:ext cx="2743200" cy="2804160"/>
+        </p:xfrm>
+        <a:graphic>
+          <a:graphicData uri="http://schemas.openxmlformats.org/drawingml/2006/table">
+            <a:tbl>
+              <a:tblPr firstRow="1" bandRow="1">
+                <a:tableStyleId>{16D9F66E-5EB9-4882-86FB-DCBF35E3C3E4}</a:tableStyleId>
+              </a:tblPr>
+              <a:tblGrid>
+                <a:gridCol w="685800"/>
+                <a:gridCol w="685800"/>
+                <a:gridCol w="685800"/>
+                <a:gridCol w="685800"/>
+              </a:tblGrid>
+              <a:tr h="685800">
+                <a:tc>
+                  <a:txBody>
+                    <a:bodyPr/>
+                    <a:lstStyle/>
+                    <a:p>
+                      <a:pPr marL="0" marR="0" indent="0" algn="ctr" defTabSz="914400" rtl="0" eaLnBrk="1" fontAlgn="auto" latinLnBrk="0" hangingPunct="1">
+                        <a:lnSpc>
+                          <a:spcPct val="100000"/>
+                        </a:lnSpc>
+                        <a:spcBef>
+                          <a:spcPts val="0"/>
+                        </a:spcBef>
+                        <a:spcAft>
+                          <a:spcPts val="0"/>
+                        </a:spcAft>
+                        <a:buClrTx/>
+                        <a:buSzTx/>
+                        <a:buFontTx/>
+                        <a:buNone/>
+                        <a:tabLst/>
+                        <a:defRPr/>
+                      </a:pPr>
+                      <a:r>
+                        <a:rPr lang="en-US" sz="4000" b="0" dirty="0" smtClean="0">
+                          <a:solidFill>
+                            <a:srgbClr val="00B050"/>
+                          </a:solidFill>
+                        </a:rPr>
+                        <a:t>♛</a:t>
+                      </a:r>
+                    </a:p>
+                  </a:txBody>
+                  <a:tcPr anchor="ctr">
+                    <a:solidFill>
+                      <a:schemeClr val="bg1"/>
+                    </a:solidFill>
+                  </a:tcPr>
+                </a:tc>
+                <a:tc>
+                  <a:txBody>
+                    <a:bodyPr/>
+                    <a:lstStyle/>
+                    <a:p>
+                      <a:pPr algn="ctr"/>
+                      <a:endParaRPr lang="en-US" sz="4000" b="0">
+                        <a:solidFill>
+                          <a:srgbClr val="00B050"/>
+                        </a:solidFill>
+                      </a:endParaRPr>
+                    </a:p>
+                  </a:txBody>
+                  <a:tcPr anchor="ctr">
+                    <a:solidFill>
+                      <a:schemeClr val="bg1"/>
+                    </a:solidFill>
+                  </a:tcPr>
+                </a:tc>
+                <a:tc>
+                  <a:txBody>
+                    <a:bodyPr/>
+                    <a:lstStyle/>
+                    <a:p>
+                      <a:pPr algn="ctr"/>
+                      <a:endParaRPr lang="en-US" sz="4000" b="0">
+                        <a:solidFill>
+                          <a:srgbClr val="00B050"/>
+                        </a:solidFill>
+                      </a:endParaRPr>
+                    </a:p>
+                  </a:txBody>
+                  <a:tcPr anchor="ctr">
+                    <a:solidFill>
+                      <a:schemeClr val="bg1"/>
+                    </a:solidFill>
+                  </a:tcPr>
+                </a:tc>
+                <a:tc>
+                  <a:txBody>
+                    <a:bodyPr/>
+                    <a:lstStyle/>
+                    <a:p>
+                      <a:pPr algn="ctr"/>
+                      <a:endParaRPr lang="en-US" sz="4000" b="0">
+                        <a:solidFill>
+                          <a:srgbClr val="00B050"/>
+                        </a:solidFill>
+                      </a:endParaRPr>
+                    </a:p>
+                  </a:txBody>
+                  <a:tcPr anchor="ctr">
+                    <a:solidFill>
+                      <a:schemeClr val="bg1"/>
+                    </a:solidFill>
+                  </a:tcPr>
+                </a:tc>
+              </a:tr>
+              <a:tr h="685800">
+                <a:tc>
+                  <a:txBody>
+                    <a:bodyPr/>
+                    <a:lstStyle/>
+                    <a:p>
+                      <a:pPr algn="ctr"/>
+                      <a:endParaRPr lang="en-US" sz="4000" b="0" dirty="0">
+                        <a:solidFill>
+                          <a:srgbClr val="00B050"/>
+                        </a:solidFill>
+                      </a:endParaRPr>
+                    </a:p>
+                  </a:txBody>
+                  <a:tcPr anchor="ctr">
+                    <a:solidFill>
+                      <a:schemeClr val="bg1"/>
+                    </a:solidFill>
+                  </a:tcPr>
+                </a:tc>
+                <a:tc>
+                  <a:txBody>
+                    <a:bodyPr/>
+                    <a:lstStyle/>
+                    <a:p>
+                      <a:pPr algn="ctr"/>
+                      <a:endParaRPr lang="en-US" sz="4000" b="0">
+                        <a:solidFill>
+                          <a:srgbClr val="00B050"/>
+                        </a:solidFill>
+                      </a:endParaRPr>
+                    </a:p>
+                  </a:txBody>
+                  <a:tcPr anchor="ctr">
+                    <a:solidFill>
+                      <a:schemeClr val="bg1"/>
+                    </a:solidFill>
+                  </a:tcPr>
+                </a:tc>
+                <a:tc>
+                  <a:txBody>
+                    <a:bodyPr/>
+                    <a:lstStyle/>
+                    <a:p>
+                      <a:pPr algn="ctr"/>
+                      <a:endParaRPr lang="en-US" sz="4000" b="0" dirty="0">
+                        <a:solidFill>
+                          <a:srgbClr val="00B050"/>
+                        </a:solidFill>
+                      </a:endParaRPr>
+                    </a:p>
+                  </a:txBody>
+                  <a:tcPr anchor="ctr">
+                    <a:solidFill>
+                      <a:schemeClr val="bg1"/>
+                    </a:solidFill>
+                  </a:tcPr>
+                </a:tc>
+                <a:tc>
+                  <a:txBody>
+                    <a:bodyPr/>
+                    <a:lstStyle/>
+                    <a:p>
+                      <a:pPr algn="ctr"/>
+                      <a:r>
+                        <a:rPr lang="en-US" sz="4000" b="0" dirty="0" smtClean="0">
+                          <a:solidFill>
+                            <a:srgbClr val="00B050"/>
+                          </a:solidFill>
+                        </a:rPr>
+                        <a:t>♛</a:t>
+                      </a:r>
+                      <a:endParaRPr lang="en-US" sz="4000" b="0" dirty="0">
+                        <a:solidFill>
+                          <a:srgbClr val="00B050"/>
+                        </a:solidFill>
+                      </a:endParaRPr>
+                    </a:p>
+                  </a:txBody>
+                  <a:tcPr anchor="ctr">
+                    <a:solidFill>
+                      <a:schemeClr val="bg1"/>
+                    </a:solidFill>
+                  </a:tcPr>
+                </a:tc>
+              </a:tr>
+              <a:tr h="685800">
+                <a:tc>
+                  <a:txBody>
+                    <a:bodyPr/>
+                    <a:lstStyle/>
+                    <a:p>
+                      <a:pPr algn="ctr"/>
+                      <a:endParaRPr lang="en-US" sz="4000" b="0">
+                        <a:solidFill>
+                          <a:srgbClr val="00B050"/>
+                        </a:solidFill>
+                      </a:endParaRPr>
+                    </a:p>
+                  </a:txBody>
+                  <a:tcPr anchor="ctr">
+                    <a:solidFill>
+                      <a:schemeClr val="bg1"/>
+                    </a:solidFill>
+                  </a:tcPr>
+                </a:tc>
+                <a:tc>
+                  <a:txBody>
+                    <a:bodyPr/>
+                    <a:lstStyle/>
+                    <a:p>
+                      <a:pPr algn="ctr"/>
+                      <a:endParaRPr lang="en-US" sz="4000" b="0">
+                        <a:solidFill>
+                          <a:srgbClr val="00B050"/>
+                        </a:solidFill>
+                      </a:endParaRPr>
+                    </a:p>
+                  </a:txBody>
+                  <a:tcPr anchor="ctr">
+                    <a:solidFill>
+                      <a:schemeClr val="bg1"/>
+                    </a:solidFill>
+                  </a:tcPr>
+                </a:tc>
+                <a:tc>
+                  <a:txBody>
+                    <a:bodyPr/>
+                    <a:lstStyle/>
+                    <a:p>
+                      <a:pPr algn="ctr"/>
+                      <a:r>
+                        <a:rPr lang="en-US" sz="4000" b="0" dirty="0" smtClean="0">
+                          <a:solidFill>
+                            <a:srgbClr val="00B050"/>
+                          </a:solidFill>
+                        </a:rPr>
+                        <a:t>♛</a:t>
+                      </a:r>
+                      <a:endParaRPr lang="en-US" sz="4000" b="0" dirty="0">
+                        <a:solidFill>
+                          <a:srgbClr val="00B050"/>
+                        </a:solidFill>
+                      </a:endParaRPr>
+                    </a:p>
+                  </a:txBody>
+                  <a:tcPr anchor="ctr">
+                    <a:solidFill>
+                      <a:schemeClr val="bg1"/>
+                    </a:solidFill>
+                  </a:tcPr>
+                </a:tc>
+                <a:tc>
+                  <a:txBody>
+                    <a:bodyPr/>
+                    <a:lstStyle/>
+                    <a:p>
+                      <a:pPr algn="ctr"/>
+                      <a:endParaRPr lang="en-US" sz="4000" b="0" dirty="0">
+                        <a:solidFill>
+                          <a:srgbClr val="00B050"/>
+                        </a:solidFill>
+                      </a:endParaRPr>
+                    </a:p>
+                  </a:txBody>
+                  <a:tcPr anchor="ctr">
+                    <a:solidFill>
+                      <a:schemeClr val="bg1"/>
+                    </a:solidFill>
+                  </a:tcPr>
+                </a:tc>
+              </a:tr>
+              <a:tr h="685800">
+                <a:tc>
+                  <a:txBody>
+                    <a:bodyPr/>
+                    <a:lstStyle/>
+                    <a:p>
+                      <a:pPr algn="ctr"/>
+                      <a:endParaRPr lang="en-US" sz="4000" b="0">
+                        <a:solidFill>
+                          <a:srgbClr val="00B050"/>
+                        </a:solidFill>
+                      </a:endParaRPr>
+                    </a:p>
+                  </a:txBody>
+                  <a:tcPr anchor="ctr">
+                    <a:solidFill>
+                      <a:schemeClr val="bg1"/>
+                    </a:solidFill>
+                  </a:tcPr>
+                </a:tc>
+                <a:tc>
+                  <a:txBody>
+                    <a:bodyPr/>
+                    <a:lstStyle/>
+                    <a:p>
+                      <a:pPr algn="ctr"/>
+                      <a:r>
+                        <a:rPr lang="en-US" sz="4000" b="0" dirty="0" smtClean="0">
+                          <a:solidFill>
+                            <a:srgbClr val="00B050"/>
+                          </a:solidFill>
+                        </a:rPr>
+                        <a:t>♛</a:t>
+                      </a:r>
+                      <a:endParaRPr lang="en-US" sz="4000" b="0" dirty="0">
+                        <a:solidFill>
+                          <a:srgbClr val="00B050"/>
+                        </a:solidFill>
+                      </a:endParaRPr>
+                    </a:p>
+                  </a:txBody>
+                  <a:tcPr anchor="ctr">
+                    <a:solidFill>
+                      <a:schemeClr val="bg1"/>
+                    </a:solidFill>
+                  </a:tcPr>
+                </a:tc>
+                <a:tc>
+                  <a:txBody>
+                    <a:bodyPr/>
+                    <a:lstStyle/>
+                    <a:p>
+                      <a:pPr algn="ctr"/>
+                      <a:endParaRPr lang="en-US" sz="4000" b="0" dirty="0">
+                        <a:solidFill>
+                          <a:srgbClr val="00B050"/>
+                        </a:solidFill>
+                      </a:endParaRPr>
+                    </a:p>
+                  </a:txBody>
+                  <a:tcPr anchor="ctr">
+                    <a:solidFill>
+                      <a:schemeClr val="bg1"/>
+                    </a:solidFill>
+                  </a:tcPr>
+                </a:tc>
+                <a:tc>
+                  <a:txBody>
+                    <a:bodyPr/>
+                    <a:lstStyle/>
+                    <a:p>
+                      <a:pPr algn="ctr"/>
+                      <a:endParaRPr lang="en-US" sz="4000" b="0" dirty="0">
+                        <a:solidFill>
+                          <a:srgbClr val="00B050"/>
+                        </a:solidFill>
+                      </a:endParaRPr>
+                    </a:p>
+                  </a:txBody>
+                  <a:tcPr anchor="ctr">
+                    <a:solidFill>
+                      <a:schemeClr val="bg1"/>
+                    </a:solidFill>
+                  </a:tcPr>
+                </a:tc>
+              </a:tr>
+            </a:tbl>
+          </a:graphicData>
+        </a:graphic>
+      </p:graphicFrame>
+      <p:graphicFrame>
+        <p:nvGraphicFramePr>
+          <p:cNvPr id="3" name="Table 2"/>
+          <p:cNvGraphicFramePr>
+            <a:graphicFrameLocks noGrp="1"/>
+          </p:cNvGraphicFramePr>
+          <p:nvPr>
+            <p:extLst>
+              <p:ext uri="{D42A27DB-BD31-4B8C-83A1-F6EECF244321}">
+                <p14:modId xmlns:p14="http://schemas.microsoft.com/office/powerpoint/2010/main" val="940121354"/>
+              </p:ext>
+            </p:extLst>
+          </p:nvPr>
+        </p:nvGraphicFramePr>
+        <p:xfrm>
+          <a:off x="485588" y="3648734"/>
+          <a:ext cx="2743200" cy="2804160"/>
+        </p:xfrm>
+        <a:graphic>
+          <a:graphicData uri="http://schemas.openxmlformats.org/drawingml/2006/table">
+            <a:tbl>
+              <a:tblPr firstRow="1" bandRow="1">
+                <a:tableStyleId>{16D9F66E-5EB9-4882-86FB-DCBF35E3C3E4}</a:tableStyleId>
+              </a:tblPr>
+              <a:tblGrid>
+                <a:gridCol w="685800"/>
+                <a:gridCol w="685800"/>
+                <a:gridCol w="685800"/>
+                <a:gridCol w="685800"/>
+              </a:tblGrid>
+              <a:tr h="685800">
+                <a:tc>
+                  <a:txBody>
+                    <a:bodyPr/>
+                    <a:lstStyle/>
+                    <a:p>
+                      <a:pPr marL="0" marR="0" indent="0" algn="ctr" defTabSz="914400" rtl="0" eaLnBrk="1" fontAlgn="auto" latinLnBrk="0" hangingPunct="1">
+                        <a:lnSpc>
+                          <a:spcPct val="100000"/>
+                        </a:lnSpc>
+                        <a:spcBef>
+                          <a:spcPts val="0"/>
+                        </a:spcBef>
+                        <a:spcAft>
+                          <a:spcPts val="0"/>
+                        </a:spcAft>
+                        <a:buClrTx/>
+                        <a:buSzTx/>
+                        <a:buFontTx/>
+                        <a:buNone/>
+                        <a:tabLst/>
+                        <a:defRPr/>
+                      </a:pPr>
+                      <a:endParaRPr lang="en-US" sz="4000" b="0" dirty="0" smtClean="0">
+                        <a:solidFill>
+                          <a:srgbClr val="C00000"/>
+                        </a:solidFill>
+                      </a:endParaRPr>
+                    </a:p>
+                  </a:txBody>
+                  <a:tcPr anchor="ctr">
+                    <a:solidFill>
+                      <a:schemeClr val="bg1"/>
+                    </a:solidFill>
+                  </a:tcPr>
+                </a:tc>
+                <a:tc>
+                  <a:txBody>
+                    <a:bodyPr/>
+                    <a:lstStyle/>
+                    <a:p>
+                      <a:pPr algn="ctr"/>
+                      <a:endParaRPr lang="en-US" sz="4000" b="0">
+                        <a:solidFill>
+                          <a:srgbClr val="C00000"/>
+                        </a:solidFill>
+                      </a:endParaRPr>
+                    </a:p>
+                  </a:txBody>
+                  <a:tcPr anchor="ctr">
+                    <a:solidFill>
+                      <a:schemeClr val="bg1"/>
+                    </a:solidFill>
+                  </a:tcPr>
+                </a:tc>
+                <a:tc>
+                  <a:txBody>
+                    <a:bodyPr/>
+                    <a:lstStyle/>
+                    <a:p>
+                      <a:pPr algn="ctr"/>
+                      <a:endParaRPr lang="en-US" sz="4000" b="0">
+                        <a:solidFill>
+                          <a:srgbClr val="C00000"/>
+                        </a:solidFill>
+                      </a:endParaRPr>
+                    </a:p>
+                  </a:txBody>
+                  <a:tcPr anchor="ctr">
+                    <a:solidFill>
+                      <a:schemeClr val="bg1"/>
+                    </a:solidFill>
+                  </a:tcPr>
+                </a:tc>
+                <a:tc>
+                  <a:txBody>
+                    <a:bodyPr/>
+                    <a:lstStyle/>
+                    <a:p>
+                      <a:pPr marL="0" marR="0" indent="0" algn="ctr" defTabSz="914400" rtl="0" eaLnBrk="1" fontAlgn="auto" latinLnBrk="0" hangingPunct="1">
+                        <a:lnSpc>
+                          <a:spcPct val="100000"/>
+                        </a:lnSpc>
+                        <a:spcBef>
+                          <a:spcPts val="0"/>
+                        </a:spcBef>
+                        <a:spcAft>
+                          <a:spcPts val="0"/>
+                        </a:spcAft>
+                        <a:buClrTx/>
+                        <a:buSzTx/>
+                        <a:buFontTx/>
+                        <a:buNone/>
+                        <a:tabLst/>
+                        <a:defRPr/>
+                      </a:pPr>
+                      <a:r>
+                        <a:rPr lang="en-US" sz="4000" b="0" dirty="0" smtClean="0">
+                          <a:solidFill>
+                            <a:srgbClr val="C00000"/>
+                          </a:solidFill>
+                        </a:rPr>
+                        <a:t>♛</a:t>
+                      </a:r>
+                    </a:p>
+                  </a:txBody>
+                  <a:tcPr anchor="ctr">
+                    <a:solidFill>
+                      <a:schemeClr val="bg1"/>
+                    </a:solidFill>
+                  </a:tcPr>
+                </a:tc>
+              </a:tr>
+              <a:tr h="685800">
+                <a:tc>
+                  <a:txBody>
+                    <a:bodyPr/>
+                    <a:lstStyle/>
+                    <a:p>
+                      <a:pPr marL="0" marR="0" indent="0" algn="ctr" defTabSz="914400" rtl="0" eaLnBrk="1" fontAlgn="auto" latinLnBrk="0" hangingPunct="1">
+                        <a:lnSpc>
+                          <a:spcPct val="100000"/>
+                        </a:lnSpc>
+                        <a:spcBef>
+                          <a:spcPts val="0"/>
+                        </a:spcBef>
+                        <a:spcAft>
+                          <a:spcPts val="0"/>
+                        </a:spcAft>
+                        <a:buClrTx/>
+                        <a:buSzTx/>
+                        <a:buFontTx/>
+                        <a:buNone/>
+                        <a:tabLst/>
+                        <a:defRPr/>
+                      </a:pPr>
+                      <a:r>
+                        <a:rPr lang="en-US" sz="4000" b="0" dirty="0" smtClean="0">
+                          <a:solidFill>
+                            <a:srgbClr val="C00000"/>
+                          </a:solidFill>
+                        </a:rPr>
+                        <a:t>♛</a:t>
+                      </a:r>
+                    </a:p>
+                  </a:txBody>
+                  <a:tcPr anchor="ctr">
+                    <a:solidFill>
+                      <a:schemeClr val="bg1"/>
+                    </a:solidFill>
+                  </a:tcPr>
+                </a:tc>
+                <a:tc>
+                  <a:txBody>
+                    <a:bodyPr/>
+                    <a:lstStyle/>
+                    <a:p>
+                      <a:pPr algn="ctr"/>
+                      <a:endParaRPr lang="en-US" sz="4000" b="0">
+                        <a:solidFill>
+                          <a:srgbClr val="C00000"/>
+                        </a:solidFill>
+                      </a:endParaRPr>
+                    </a:p>
+                  </a:txBody>
+                  <a:tcPr anchor="ctr">
+                    <a:solidFill>
+                      <a:schemeClr val="bg1"/>
+                    </a:solidFill>
+                  </a:tcPr>
+                </a:tc>
+                <a:tc>
+                  <a:txBody>
+                    <a:bodyPr/>
+                    <a:lstStyle/>
+                    <a:p>
+                      <a:pPr algn="ctr"/>
+                      <a:endParaRPr lang="en-US" sz="4000" b="0" dirty="0">
+                        <a:solidFill>
+                          <a:srgbClr val="C00000"/>
+                        </a:solidFill>
+                      </a:endParaRPr>
+                    </a:p>
+                  </a:txBody>
+                  <a:tcPr anchor="ctr">
+                    <a:solidFill>
+                      <a:schemeClr val="bg1"/>
+                    </a:solidFill>
+                  </a:tcPr>
+                </a:tc>
+                <a:tc>
+                  <a:txBody>
+                    <a:bodyPr/>
+                    <a:lstStyle/>
+                    <a:p>
+                      <a:pPr algn="ctr"/>
+                      <a:endParaRPr lang="en-US" sz="4000" b="0" dirty="0">
+                        <a:solidFill>
+                          <a:srgbClr val="C00000"/>
+                        </a:solidFill>
+                      </a:endParaRPr>
+                    </a:p>
+                  </a:txBody>
+                  <a:tcPr anchor="ctr">
+                    <a:solidFill>
+                      <a:schemeClr val="bg1"/>
+                    </a:solidFill>
+                  </a:tcPr>
+                </a:tc>
+              </a:tr>
+              <a:tr h="685800">
+                <a:tc>
+                  <a:txBody>
+                    <a:bodyPr/>
+                    <a:lstStyle/>
+                    <a:p>
+                      <a:pPr algn="ctr"/>
+                      <a:endParaRPr lang="en-US" sz="4000" b="0">
+                        <a:solidFill>
+                          <a:srgbClr val="C00000"/>
+                        </a:solidFill>
+                      </a:endParaRPr>
+                    </a:p>
+                  </a:txBody>
+                  <a:tcPr anchor="ctr">
+                    <a:solidFill>
+                      <a:schemeClr val="bg1"/>
+                    </a:solidFill>
+                  </a:tcPr>
+                </a:tc>
+                <a:tc>
+                  <a:txBody>
+                    <a:bodyPr/>
+                    <a:lstStyle/>
+                    <a:p>
+                      <a:pPr algn="ctr"/>
+                      <a:endParaRPr lang="en-US" sz="4000" b="0">
+                        <a:solidFill>
+                          <a:srgbClr val="C00000"/>
+                        </a:solidFill>
+                      </a:endParaRPr>
+                    </a:p>
+                  </a:txBody>
+                  <a:tcPr anchor="ctr">
+                    <a:solidFill>
+                      <a:schemeClr val="bg1"/>
+                    </a:solidFill>
+                  </a:tcPr>
+                </a:tc>
+                <a:tc>
+                  <a:txBody>
+                    <a:bodyPr/>
+                    <a:lstStyle/>
+                    <a:p>
+                      <a:pPr algn="ctr"/>
+                      <a:r>
+                        <a:rPr lang="en-US" sz="4000" b="0" dirty="0" smtClean="0">
+                          <a:solidFill>
+                            <a:srgbClr val="C00000"/>
+                          </a:solidFill>
+                        </a:rPr>
+                        <a:t>♛</a:t>
+                      </a:r>
+                      <a:endParaRPr lang="en-US" sz="4000" b="0" dirty="0">
+                        <a:solidFill>
+                          <a:srgbClr val="C00000"/>
+                        </a:solidFill>
+                      </a:endParaRPr>
+                    </a:p>
+                  </a:txBody>
+                  <a:tcPr anchor="ctr">
+                    <a:solidFill>
+                      <a:schemeClr val="bg1"/>
+                    </a:solidFill>
+                  </a:tcPr>
+                </a:tc>
+                <a:tc>
+                  <a:txBody>
+                    <a:bodyPr/>
+                    <a:lstStyle/>
+                    <a:p>
+                      <a:pPr algn="ctr"/>
+                      <a:endParaRPr lang="en-US" sz="4000" b="0">
+                        <a:solidFill>
+                          <a:srgbClr val="C00000"/>
+                        </a:solidFill>
+                      </a:endParaRPr>
+                    </a:p>
+                  </a:txBody>
+                  <a:tcPr anchor="ctr">
+                    <a:solidFill>
+                      <a:schemeClr val="bg1"/>
+                    </a:solidFill>
+                  </a:tcPr>
+                </a:tc>
+              </a:tr>
+              <a:tr h="685800">
+                <a:tc>
+                  <a:txBody>
+                    <a:bodyPr/>
+                    <a:lstStyle/>
+                    <a:p>
+                      <a:pPr algn="ctr"/>
+                      <a:endParaRPr lang="en-US" sz="4000" b="0">
+                        <a:solidFill>
+                          <a:srgbClr val="C00000"/>
+                        </a:solidFill>
+                      </a:endParaRPr>
+                    </a:p>
+                  </a:txBody>
+                  <a:tcPr anchor="ctr">
+                    <a:solidFill>
+                      <a:schemeClr val="bg1"/>
+                    </a:solidFill>
+                  </a:tcPr>
+                </a:tc>
+                <a:tc>
+                  <a:txBody>
+                    <a:bodyPr/>
+                    <a:lstStyle/>
+                    <a:p>
+                      <a:pPr algn="ctr"/>
+                      <a:r>
+                        <a:rPr lang="en-US" sz="4000" b="0" dirty="0" smtClean="0">
+                          <a:solidFill>
+                            <a:srgbClr val="C00000"/>
+                          </a:solidFill>
+                        </a:rPr>
+                        <a:t>♛</a:t>
+                      </a:r>
+                      <a:endParaRPr lang="en-US" sz="4000" b="0" dirty="0">
+                        <a:solidFill>
+                          <a:srgbClr val="C00000"/>
+                        </a:solidFill>
+                      </a:endParaRPr>
+                    </a:p>
+                  </a:txBody>
+                  <a:tcPr anchor="ctr">
+                    <a:solidFill>
+                      <a:schemeClr val="bg1"/>
+                    </a:solidFill>
+                  </a:tcPr>
+                </a:tc>
+                <a:tc>
+                  <a:txBody>
+                    <a:bodyPr/>
+                    <a:lstStyle/>
+                    <a:p>
+                      <a:pPr algn="ctr"/>
+                      <a:endParaRPr lang="en-US" sz="4000" b="0" dirty="0">
+                        <a:solidFill>
+                          <a:srgbClr val="C00000"/>
+                        </a:solidFill>
+                      </a:endParaRPr>
+                    </a:p>
+                  </a:txBody>
+                  <a:tcPr anchor="ctr">
+                    <a:solidFill>
+                      <a:schemeClr val="bg1"/>
+                    </a:solidFill>
+                  </a:tcPr>
+                </a:tc>
+                <a:tc>
+                  <a:txBody>
+                    <a:bodyPr/>
+                    <a:lstStyle/>
+                    <a:p>
+                      <a:pPr algn="ctr"/>
+                      <a:endParaRPr lang="en-US" sz="4000" b="0" dirty="0">
+                        <a:solidFill>
+                          <a:srgbClr val="C00000"/>
+                        </a:solidFill>
+                      </a:endParaRPr>
+                    </a:p>
+                  </a:txBody>
+                  <a:tcPr anchor="ctr">
+                    <a:solidFill>
+                      <a:schemeClr val="bg1"/>
+                    </a:solidFill>
+                  </a:tcPr>
+                </a:tc>
+              </a:tr>
+            </a:tbl>
+          </a:graphicData>
+        </a:graphic>
+      </p:graphicFrame>
       <p:sp>
         <p:nvSpPr>
-          <p:cNvPr id="2" name="Title 1"/>
-          <p:cNvSpPr>
-            <a:spLocks noGrp="1"/>
-          </p:cNvSpPr>
-          <p:nvPr>
-            <p:ph type="title"/>
-          </p:nvPr>
+          <p:cNvPr id="5" name="Right Arrow 4"/>
+          <p:cNvSpPr/>
+          <p:nvPr/>
         </p:nvSpPr>
-        <p:spPr/>
+        <p:spPr>
+          <a:xfrm>
+            <a:off x="4679577" y="2743200"/>
+            <a:ext cx="2850524" cy="1411942"/>
+          </a:xfrm>
+          <a:prstGeom prst="rightArrow">
+            <a:avLst/>
+          </a:prstGeom>
+          <a:solidFill>
+            <a:schemeClr val="bg1">
+              <a:lumMod val="65000"/>
+            </a:schemeClr>
+          </a:solidFill>
+          <a:ln>
+            <a:noFill/>
+          </a:ln>
+        </p:spPr>
+        <p:style>
+          <a:lnRef idx="2">
+            <a:schemeClr val="dk1">
+              <a:shade val="50000"/>
+            </a:schemeClr>
+          </a:lnRef>
+          <a:fillRef idx="1">
+            <a:schemeClr val="dk1"/>
+          </a:fillRef>
+          <a:effectRef idx="0">
+            <a:schemeClr val="dk1"/>
+          </a:effectRef>
+          <a:fontRef idx="minor">
+            <a:schemeClr val="lt1"/>
+          </a:fontRef>
+        </p:style>
         <p:txBody>
-          <a:bodyPr/>
+          <a:bodyPr rtlCol="0" anchor="ctr"/>
           <a:lstStyle/>
           <a:p>
-            <a:r>
-              <a:rPr lang="en-US" dirty="0" smtClean="0"/>
-              <a:t>The Algorithm</a:t>
-            </a:r>
-            <a:endParaRPr lang="en-US" dirty="0"/>
+            <a:pPr algn="ctr"/>
+            <a:endParaRPr lang="en-US"/>
           </a:p>
         </p:txBody>
       </p:sp>
-      <p:sp>
-        <p:nvSpPr>
-          <p:cNvPr id="3" name="Content Placeholder 2"/>
-          <p:cNvSpPr>
-            <a:spLocks noGrp="1"/>
-          </p:cNvSpPr>
-          <p:nvPr>
-            <p:ph idx="1"/>
-          </p:nvPr>
-        </p:nvSpPr>
-        <p:spPr/>
-        <p:txBody>
-          <a:bodyPr>
-            <a:normAutofit fontScale="77500" lnSpcReduction="20000"/>
-          </a:bodyPr>
-          <a:lstStyle/>
-          <a:p>
-            <a:pPr marL="0" indent="0">
-              <a:buNone/>
-            </a:pPr>
-            <a:r>
-              <a:rPr lang="en-US" sz="3000" dirty="0">
-                <a:latin typeface="Consolas" charset="0"/>
-                <a:ea typeface="Consolas" charset="0"/>
-                <a:cs typeface="Consolas" charset="0"/>
-              </a:rPr>
-              <a:t>p</a:t>
-            </a:r>
-            <a:r>
-              <a:rPr lang="en-US" sz="3000" dirty="0" smtClean="0">
-                <a:latin typeface="Consolas" charset="0"/>
-                <a:ea typeface="Consolas" charset="0"/>
-                <a:cs typeface="Consolas" charset="0"/>
-              </a:rPr>
-              <a:t>opulation = randomize population</a:t>
-            </a:r>
-          </a:p>
-          <a:p>
-            <a:pPr marL="0" indent="0">
-              <a:buNone/>
-            </a:pPr>
-            <a:endParaRPr lang="en-US" sz="3000" dirty="0" smtClean="0">
-              <a:latin typeface="Consolas" charset="0"/>
-              <a:ea typeface="Consolas" charset="0"/>
-              <a:cs typeface="Consolas" charset="0"/>
-            </a:endParaRPr>
-          </a:p>
-          <a:p>
-            <a:pPr marL="0" indent="0">
-              <a:buNone/>
-            </a:pPr>
-            <a:r>
-              <a:rPr lang="en-US" sz="3000" dirty="0" smtClean="0">
-                <a:latin typeface="Consolas" charset="0"/>
-                <a:ea typeface="Consolas" charset="0"/>
-                <a:cs typeface="Consolas" charset="0"/>
-              </a:rPr>
-              <a:t>while !termination condition</a:t>
-            </a:r>
-          </a:p>
-          <a:p>
-            <a:pPr marL="0" indent="0">
-              <a:buNone/>
-            </a:pPr>
-            <a:r>
-              <a:rPr lang="en-US" sz="3000" dirty="0">
-                <a:latin typeface="Consolas" charset="0"/>
-                <a:ea typeface="Consolas" charset="0"/>
-                <a:cs typeface="Consolas" charset="0"/>
-              </a:rPr>
-              <a:t>	</a:t>
-            </a:r>
-            <a:r>
-              <a:rPr lang="en-US" sz="2600" dirty="0" smtClean="0">
-                <a:latin typeface="Consolas" charset="0"/>
-                <a:ea typeface="Consolas" charset="0"/>
-                <a:cs typeface="Consolas" charset="0"/>
-              </a:rPr>
-              <a:t>Create new empty population</a:t>
-            </a:r>
-          </a:p>
-          <a:p>
-            <a:pPr marL="0" indent="0">
-              <a:buNone/>
-            </a:pPr>
-            <a:r>
-              <a:rPr lang="en-US" sz="2600" dirty="0">
-                <a:latin typeface="Consolas" charset="0"/>
-                <a:ea typeface="Consolas" charset="0"/>
-                <a:cs typeface="Consolas" charset="0"/>
-              </a:rPr>
-              <a:t>	</a:t>
-            </a:r>
-            <a:r>
-              <a:rPr lang="en-US" sz="2600" dirty="0" smtClean="0">
-                <a:latin typeface="Consolas" charset="0"/>
-                <a:ea typeface="Consolas" charset="0"/>
-                <a:cs typeface="Consolas" charset="0"/>
-              </a:rPr>
-              <a:t>Carry over elite clones from old population</a:t>
-            </a:r>
-          </a:p>
-          <a:p>
-            <a:pPr marL="0" indent="0">
-              <a:buNone/>
-            </a:pPr>
-            <a:r>
-              <a:rPr lang="en-US" sz="2600" dirty="0">
-                <a:latin typeface="Consolas" charset="0"/>
-                <a:ea typeface="Consolas" charset="0"/>
-                <a:cs typeface="Consolas" charset="0"/>
-              </a:rPr>
-              <a:t>	</a:t>
-            </a:r>
-            <a:r>
-              <a:rPr lang="en-US" sz="2600" dirty="0" smtClean="0">
-                <a:latin typeface="Consolas" charset="0"/>
-                <a:ea typeface="Consolas" charset="0"/>
-                <a:cs typeface="Consolas" charset="0"/>
-              </a:rPr>
-              <a:t>Breed the remainder of the population</a:t>
-            </a:r>
-          </a:p>
-          <a:p>
-            <a:pPr marL="0" indent="0">
-              <a:buNone/>
-            </a:pPr>
-            <a:r>
-              <a:rPr lang="en-US" sz="2600" dirty="0">
-                <a:latin typeface="Consolas" charset="0"/>
-                <a:ea typeface="Consolas" charset="0"/>
-                <a:cs typeface="Consolas" charset="0"/>
-              </a:rPr>
-              <a:t>	</a:t>
-            </a:r>
-            <a:r>
-              <a:rPr lang="en-US" sz="2600" dirty="0" smtClean="0">
-                <a:latin typeface="Consolas" charset="0"/>
-                <a:ea typeface="Consolas" charset="0"/>
-                <a:cs typeface="Consolas" charset="0"/>
-              </a:rPr>
-              <a:t>Mutate random members of the population</a:t>
-            </a:r>
-          </a:p>
-          <a:p>
-            <a:pPr marL="0" indent="0">
-              <a:buNone/>
-            </a:pPr>
-            <a:r>
-              <a:rPr lang="en-US" sz="2600" dirty="0">
-                <a:latin typeface="Consolas" charset="0"/>
-                <a:ea typeface="Consolas" charset="0"/>
-                <a:cs typeface="Consolas" charset="0"/>
-              </a:rPr>
-              <a:t>	</a:t>
-            </a:r>
-            <a:r>
-              <a:rPr lang="en-US" sz="2600" dirty="0" smtClean="0">
-                <a:latin typeface="Consolas" charset="0"/>
-                <a:ea typeface="Consolas" charset="0"/>
-                <a:cs typeface="Consolas" charset="0"/>
-              </a:rPr>
-              <a:t>Get best chromosome</a:t>
-            </a:r>
-            <a:endParaRPr lang="en-US" dirty="0" smtClean="0">
-              <a:latin typeface="Consolas" charset="0"/>
-              <a:ea typeface="Consolas" charset="0"/>
-              <a:cs typeface="Consolas" charset="0"/>
-            </a:endParaRPr>
-          </a:p>
-        </p:txBody>
-      </p:sp>
+      <p:graphicFrame>
+        <p:nvGraphicFramePr>
+          <p:cNvPr id="6" name="Table 5"/>
+          <p:cNvGraphicFramePr>
+            <a:graphicFrameLocks noGrp="1"/>
+          </p:cNvGraphicFramePr>
+          <p:nvPr>
+            <p:extLst>
+              <p:ext uri="{D42A27DB-BD31-4B8C-83A1-F6EECF244321}">
+                <p14:modId xmlns:p14="http://schemas.microsoft.com/office/powerpoint/2010/main" val="75288097"/>
+              </p:ext>
+            </p:extLst>
+          </p:nvPr>
+        </p:nvGraphicFramePr>
+        <p:xfrm>
+          <a:off x="8940549" y="443852"/>
+          <a:ext cx="2743200" cy="2804160"/>
+        </p:xfrm>
+        <a:graphic>
+          <a:graphicData uri="http://schemas.openxmlformats.org/drawingml/2006/table">
+            <a:tbl>
+              <a:tblPr firstRow="1" bandRow="1">
+                <a:tableStyleId>{16D9F66E-5EB9-4882-86FB-DCBF35E3C3E4}</a:tableStyleId>
+              </a:tblPr>
+              <a:tblGrid>
+                <a:gridCol w="685800"/>
+                <a:gridCol w="685800"/>
+                <a:gridCol w="685800"/>
+                <a:gridCol w="685800"/>
+              </a:tblGrid>
+              <a:tr h="685800">
+                <a:tc>
+                  <a:txBody>
+                    <a:bodyPr/>
+                    <a:lstStyle/>
+                    <a:p>
+                      <a:pPr marL="0" marR="0" indent="0" algn="ctr" defTabSz="914400" rtl="0" eaLnBrk="1" fontAlgn="auto" latinLnBrk="0" hangingPunct="1">
+                        <a:lnSpc>
+                          <a:spcPct val="100000"/>
+                        </a:lnSpc>
+                        <a:spcBef>
+                          <a:spcPts val="0"/>
+                        </a:spcBef>
+                        <a:spcAft>
+                          <a:spcPts val="0"/>
+                        </a:spcAft>
+                        <a:buClrTx/>
+                        <a:buSzTx/>
+                        <a:buFontTx/>
+                        <a:buNone/>
+                        <a:tabLst/>
+                        <a:defRPr/>
+                      </a:pPr>
+                      <a:r>
+                        <a:rPr lang="en-US" sz="4000" b="0" dirty="0" smtClean="0">
+                          <a:solidFill>
+                            <a:srgbClr val="00B050"/>
+                          </a:solidFill>
+                        </a:rPr>
+                        <a:t>♛</a:t>
+                      </a:r>
+                    </a:p>
+                  </a:txBody>
+                  <a:tcPr anchor="ctr">
+                    <a:solidFill>
+                      <a:schemeClr val="bg1"/>
+                    </a:solidFill>
+                  </a:tcPr>
+                </a:tc>
+                <a:tc>
+                  <a:txBody>
+                    <a:bodyPr/>
+                    <a:lstStyle/>
+                    <a:p>
+                      <a:pPr algn="ctr"/>
+                      <a:endParaRPr lang="en-US" sz="4000" b="0">
+                        <a:solidFill>
+                          <a:srgbClr val="00B050"/>
+                        </a:solidFill>
+                      </a:endParaRPr>
+                    </a:p>
+                  </a:txBody>
+                  <a:tcPr anchor="ctr">
+                    <a:solidFill>
+                      <a:schemeClr val="bg1"/>
+                    </a:solidFill>
+                  </a:tcPr>
+                </a:tc>
+                <a:tc>
+                  <a:txBody>
+                    <a:bodyPr/>
+                    <a:lstStyle/>
+                    <a:p>
+                      <a:pPr algn="ctr"/>
+                      <a:endParaRPr lang="en-US" sz="4000" b="0" dirty="0">
+                        <a:solidFill>
+                          <a:srgbClr val="C00000"/>
+                        </a:solidFill>
+                      </a:endParaRPr>
+                    </a:p>
+                  </a:txBody>
+                  <a:tcPr anchor="ctr">
+                    <a:solidFill>
+                      <a:schemeClr val="bg1"/>
+                    </a:solidFill>
+                  </a:tcPr>
+                </a:tc>
+                <a:tc>
+                  <a:txBody>
+                    <a:bodyPr/>
+                    <a:lstStyle/>
+                    <a:p>
+                      <a:pPr marL="0" marR="0" indent="0" algn="ctr" defTabSz="914400" rtl="0" eaLnBrk="1" fontAlgn="auto" latinLnBrk="0" hangingPunct="1">
+                        <a:lnSpc>
+                          <a:spcPct val="100000"/>
+                        </a:lnSpc>
+                        <a:spcBef>
+                          <a:spcPts val="0"/>
+                        </a:spcBef>
+                        <a:spcAft>
+                          <a:spcPts val="0"/>
+                        </a:spcAft>
+                        <a:buClrTx/>
+                        <a:buSzTx/>
+                        <a:buFontTx/>
+                        <a:buNone/>
+                        <a:tabLst/>
+                        <a:defRPr/>
+                      </a:pPr>
+                      <a:r>
+                        <a:rPr lang="en-US" sz="4000" b="0" dirty="0" smtClean="0">
+                          <a:solidFill>
+                            <a:srgbClr val="C00000"/>
+                          </a:solidFill>
+                        </a:rPr>
+                        <a:t>♛</a:t>
+                      </a:r>
+                    </a:p>
+                  </a:txBody>
+                  <a:tcPr anchor="ctr">
+                    <a:solidFill>
+                      <a:schemeClr val="bg1"/>
+                    </a:solidFill>
+                  </a:tcPr>
+                </a:tc>
+              </a:tr>
+              <a:tr h="685800">
+                <a:tc>
+                  <a:txBody>
+                    <a:bodyPr/>
+                    <a:lstStyle/>
+                    <a:p>
+                      <a:pPr algn="ctr"/>
+                      <a:endParaRPr lang="en-US" sz="4000" b="0" dirty="0">
+                        <a:solidFill>
+                          <a:srgbClr val="00B050"/>
+                        </a:solidFill>
+                      </a:endParaRPr>
+                    </a:p>
+                  </a:txBody>
+                  <a:tcPr anchor="ctr">
+                    <a:solidFill>
+                      <a:schemeClr val="bg1"/>
+                    </a:solidFill>
+                  </a:tcPr>
+                </a:tc>
+                <a:tc>
+                  <a:txBody>
+                    <a:bodyPr/>
+                    <a:lstStyle/>
+                    <a:p>
+                      <a:pPr algn="ctr"/>
+                      <a:endParaRPr lang="en-US" sz="4000" b="0">
+                        <a:solidFill>
+                          <a:srgbClr val="00B050"/>
+                        </a:solidFill>
+                      </a:endParaRPr>
+                    </a:p>
+                  </a:txBody>
+                  <a:tcPr anchor="ctr">
+                    <a:solidFill>
+                      <a:schemeClr val="bg1"/>
+                    </a:solidFill>
+                  </a:tcPr>
+                </a:tc>
+                <a:tc>
+                  <a:txBody>
+                    <a:bodyPr/>
+                    <a:lstStyle/>
+                    <a:p>
+                      <a:pPr algn="ctr"/>
+                      <a:endParaRPr lang="en-US" sz="4000" b="0" dirty="0">
+                        <a:solidFill>
+                          <a:srgbClr val="C00000"/>
+                        </a:solidFill>
+                      </a:endParaRPr>
+                    </a:p>
+                  </a:txBody>
+                  <a:tcPr anchor="ctr">
+                    <a:solidFill>
+                      <a:schemeClr val="bg1"/>
+                    </a:solidFill>
+                  </a:tcPr>
+                </a:tc>
+                <a:tc>
+                  <a:txBody>
+                    <a:bodyPr/>
+                    <a:lstStyle/>
+                    <a:p>
+                      <a:pPr algn="ctr"/>
+                      <a:endParaRPr lang="en-US" sz="4000" b="0" dirty="0">
+                        <a:solidFill>
+                          <a:srgbClr val="C00000"/>
+                        </a:solidFill>
+                      </a:endParaRPr>
+                    </a:p>
+                  </a:txBody>
+                  <a:tcPr anchor="ctr">
+                    <a:solidFill>
+                      <a:schemeClr val="bg1"/>
+                    </a:solidFill>
+                  </a:tcPr>
+                </a:tc>
+              </a:tr>
+              <a:tr h="685800">
+                <a:tc>
+                  <a:txBody>
+                    <a:bodyPr/>
+                    <a:lstStyle/>
+                    <a:p>
+                      <a:pPr algn="ctr"/>
+                      <a:endParaRPr lang="en-US" sz="4000" b="0">
+                        <a:solidFill>
+                          <a:srgbClr val="00B050"/>
+                        </a:solidFill>
+                      </a:endParaRPr>
+                    </a:p>
+                  </a:txBody>
+                  <a:tcPr anchor="ctr">
+                    <a:solidFill>
+                      <a:schemeClr val="bg1"/>
+                    </a:solidFill>
+                  </a:tcPr>
+                </a:tc>
+                <a:tc>
+                  <a:txBody>
+                    <a:bodyPr/>
+                    <a:lstStyle/>
+                    <a:p>
+                      <a:pPr algn="ctr"/>
+                      <a:endParaRPr lang="en-US" sz="4000" b="0">
+                        <a:solidFill>
+                          <a:srgbClr val="00B050"/>
+                        </a:solidFill>
+                      </a:endParaRPr>
+                    </a:p>
+                  </a:txBody>
+                  <a:tcPr anchor="ctr">
+                    <a:solidFill>
+                      <a:schemeClr val="bg1"/>
+                    </a:solidFill>
+                  </a:tcPr>
+                </a:tc>
+                <a:tc>
+                  <a:txBody>
+                    <a:bodyPr/>
+                    <a:lstStyle/>
+                    <a:p>
+                      <a:pPr algn="ctr"/>
+                      <a:r>
+                        <a:rPr lang="en-US" sz="4000" b="0" dirty="0" smtClean="0">
+                          <a:solidFill>
+                            <a:srgbClr val="C00000"/>
+                          </a:solidFill>
+                        </a:rPr>
+                        <a:t>♛</a:t>
+                      </a:r>
+                      <a:endParaRPr lang="en-US" sz="4000" b="0" dirty="0">
+                        <a:solidFill>
+                          <a:srgbClr val="C00000"/>
+                        </a:solidFill>
+                      </a:endParaRPr>
+                    </a:p>
+                  </a:txBody>
+                  <a:tcPr anchor="ctr">
+                    <a:solidFill>
+                      <a:schemeClr val="bg1"/>
+                    </a:solidFill>
+                  </a:tcPr>
+                </a:tc>
+                <a:tc>
+                  <a:txBody>
+                    <a:bodyPr/>
+                    <a:lstStyle/>
+                    <a:p>
+                      <a:pPr algn="ctr"/>
+                      <a:endParaRPr lang="en-US" sz="4000" b="0" dirty="0">
+                        <a:solidFill>
+                          <a:srgbClr val="C00000"/>
+                        </a:solidFill>
+                      </a:endParaRPr>
+                    </a:p>
+                  </a:txBody>
+                  <a:tcPr anchor="ctr">
+                    <a:solidFill>
+                      <a:schemeClr val="bg1"/>
+                    </a:solidFill>
+                  </a:tcPr>
+                </a:tc>
+              </a:tr>
+              <a:tr h="685800">
+                <a:tc>
+                  <a:txBody>
+                    <a:bodyPr/>
+                    <a:lstStyle/>
+                    <a:p>
+                      <a:pPr algn="ctr"/>
+                      <a:endParaRPr lang="en-US" sz="4000" b="0" dirty="0">
+                        <a:solidFill>
+                          <a:srgbClr val="00B050"/>
+                        </a:solidFill>
+                      </a:endParaRPr>
+                    </a:p>
+                  </a:txBody>
+                  <a:tcPr anchor="ctr">
+                    <a:solidFill>
+                      <a:schemeClr val="bg1"/>
+                    </a:solidFill>
+                  </a:tcPr>
+                </a:tc>
+                <a:tc>
+                  <a:txBody>
+                    <a:bodyPr/>
+                    <a:lstStyle/>
+                    <a:p>
+                      <a:pPr algn="ctr"/>
+                      <a:r>
+                        <a:rPr lang="en-US" sz="4000" b="0" dirty="0" smtClean="0">
+                          <a:solidFill>
+                            <a:srgbClr val="00B050"/>
+                          </a:solidFill>
+                        </a:rPr>
+                        <a:t>♛</a:t>
+                      </a:r>
+                      <a:endParaRPr lang="en-US" sz="4000" b="0" dirty="0">
+                        <a:solidFill>
+                          <a:srgbClr val="00B050"/>
+                        </a:solidFill>
+                      </a:endParaRPr>
+                    </a:p>
+                  </a:txBody>
+                  <a:tcPr anchor="ctr">
+                    <a:solidFill>
+                      <a:schemeClr val="bg1"/>
+                    </a:solidFill>
+                  </a:tcPr>
+                </a:tc>
+                <a:tc>
+                  <a:txBody>
+                    <a:bodyPr/>
+                    <a:lstStyle/>
+                    <a:p>
+                      <a:pPr algn="ctr"/>
+                      <a:endParaRPr lang="en-US" sz="4000" b="0" dirty="0">
+                        <a:solidFill>
+                          <a:srgbClr val="00B050"/>
+                        </a:solidFill>
+                      </a:endParaRPr>
+                    </a:p>
+                  </a:txBody>
+                  <a:tcPr anchor="ctr">
+                    <a:solidFill>
+                      <a:schemeClr val="bg1"/>
+                    </a:solidFill>
+                  </a:tcPr>
+                </a:tc>
+                <a:tc>
+                  <a:txBody>
+                    <a:bodyPr/>
+                    <a:lstStyle/>
+                    <a:p>
+                      <a:pPr algn="ctr"/>
+                      <a:endParaRPr lang="en-US" sz="4000" b="0" dirty="0">
+                        <a:solidFill>
+                          <a:srgbClr val="00B050"/>
+                        </a:solidFill>
+                      </a:endParaRPr>
+                    </a:p>
+                  </a:txBody>
+                  <a:tcPr anchor="ctr">
+                    <a:solidFill>
+                      <a:schemeClr val="bg1"/>
+                    </a:solidFill>
+                  </a:tcPr>
+                </a:tc>
+              </a:tr>
+            </a:tbl>
+          </a:graphicData>
+        </a:graphic>
+      </p:graphicFrame>
+      <p:graphicFrame>
+        <p:nvGraphicFramePr>
+          <p:cNvPr id="7" name="Table 6"/>
+          <p:cNvGraphicFramePr>
+            <a:graphicFrameLocks noGrp="1"/>
+          </p:cNvGraphicFramePr>
+          <p:nvPr>
+            <p:extLst>
+              <p:ext uri="{D42A27DB-BD31-4B8C-83A1-F6EECF244321}">
+                <p14:modId xmlns:p14="http://schemas.microsoft.com/office/powerpoint/2010/main" val="499178196"/>
+              </p:ext>
+            </p:extLst>
+          </p:nvPr>
+        </p:nvGraphicFramePr>
+        <p:xfrm>
+          <a:off x="8940549" y="3648734"/>
+          <a:ext cx="2743200" cy="2804160"/>
+        </p:xfrm>
+        <a:graphic>
+          <a:graphicData uri="http://schemas.openxmlformats.org/drawingml/2006/table">
+            <a:tbl>
+              <a:tblPr firstRow="1" bandRow="1">
+                <a:tableStyleId>{16D9F66E-5EB9-4882-86FB-DCBF35E3C3E4}</a:tableStyleId>
+              </a:tblPr>
+              <a:tblGrid>
+                <a:gridCol w="685800"/>
+                <a:gridCol w="685800"/>
+                <a:gridCol w="685800"/>
+                <a:gridCol w="685800"/>
+              </a:tblGrid>
+              <a:tr h="685800">
+                <a:tc>
+                  <a:txBody>
+                    <a:bodyPr/>
+                    <a:lstStyle/>
+                    <a:p>
+                      <a:pPr marL="0" marR="0" indent="0" algn="ctr" defTabSz="914400" rtl="0" eaLnBrk="1" fontAlgn="auto" latinLnBrk="0" hangingPunct="1">
+                        <a:lnSpc>
+                          <a:spcPct val="100000"/>
+                        </a:lnSpc>
+                        <a:spcBef>
+                          <a:spcPts val="0"/>
+                        </a:spcBef>
+                        <a:spcAft>
+                          <a:spcPts val="0"/>
+                        </a:spcAft>
+                        <a:buClrTx/>
+                        <a:buSzTx/>
+                        <a:buFontTx/>
+                        <a:buNone/>
+                        <a:tabLst/>
+                        <a:defRPr/>
+                      </a:pPr>
+                      <a:endParaRPr lang="en-US" sz="4000" b="0" dirty="0" smtClean="0">
+                        <a:solidFill>
+                          <a:srgbClr val="C00000"/>
+                        </a:solidFill>
+                      </a:endParaRPr>
+                    </a:p>
+                  </a:txBody>
+                  <a:tcPr anchor="ctr">
+                    <a:solidFill>
+                      <a:schemeClr val="bg1"/>
+                    </a:solidFill>
+                  </a:tcPr>
+                </a:tc>
+                <a:tc>
+                  <a:txBody>
+                    <a:bodyPr/>
+                    <a:lstStyle/>
+                    <a:p>
+                      <a:pPr algn="ctr"/>
+                      <a:endParaRPr lang="en-US" sz="4000" b="0">
+                        <a:solidFill>
+                          <a:srgbClr val="C00000"/>
+                        </a:solidFill>
+                      </a:endParaRPr>
+                    </a:p>
+                  </a:txBody>
+                  <a:tcPr anchor="ctr">
+                    <a:solidFill>
+                      <a:schemeClr val="bg1"/>
+                    </a:solidFill>
+                  </a:tcPr>
+                </a:tc>
+                <a:tc>
+                  <a:txBody>
+                    <a:bodyPr/>
+                    <a:lstStyle/>
+                    <a:p>
+                      <a:pPr algn="ctr"/>
+                      <a:endParaRPr lang="en-US" sz="4000" b="0" dirty="0">
+                        <a:solidFill>
+                          <a:srgbClr val="00B050"/>
+                        </a:solidFill>
+                      </a:endParaRPr>
+                    </a:p>
+                  </a:txBody>
+                  <a:tcPr anchor="ctr">
+                    <a:solidFill>
+                      <a:schemeClr val="bg1"/>
+                    </a:solidFill>
+                  </a:tcPr>
+                </a:tc>
+                <a:tc>
+                  <a:txBody>
+                    <a:bodyPr/>
+                    <a:lstStyle/>
+                    <a:p>
+                      <a:pPr algn="ctr"/>
+                      <a:endParaRPr lang="en-US" sz="4000" b="0">
+                        <a:solidFill>
+                          <a:srgbClr val="00B050"/>
+                        </a:solidFill>
+                      </a:endParaRPr>
+                    </a:p>
+                  </a:txBody>
+                  <a:tcPr anchor="ctr">
+                    <a:solidFill>
+                      <a:schemeClr val="bg1"/>
+                    </a:solidFill>
+                  </a:tcPr>
+                </a:tc>
+              </a:tr>
+              <a:tr h="685800">
+                <a:tc>
+                  <a:txBody>
+                    <a:bodyPr/>
+                    <a:lstStyle/>
+                    <a:p>
+                      <a:pPr marL="0" marR="0" indent="0" algn="ctr" defTabSz="914400" rtl="0" eaLnBrk="1" fontAlgn="auto" latinLnBrk="0" hangingPunct="1">
+                        <a:lnSpc>
+                          <a:spcPct val="100000"/>
+                        </a:lnSpc>
+                        <a:spcBef>
+                          <a:spcPts val="0"/>
+                        </a:spcBef>
+                        <a:spcAft>
+                          <a:spcPts val="0"/>
+                        </a:spcAft>
+                        <a:buClrTx/>
+                        <a:buSzTx/>
+                        <a:buFontTx/>
+                        <a:buNone/>
+                        <a:tabLst/>
+                        <a:defRPr/>
+                      </a:pPr>
+                      <a:r>
+                        <a:rPr lang="en-US" sz="4000" b="0" dirty="0" smtClean="0">
+                          <a:solidFill>
+                            <a:srgbClr val="C00000"/>
+                          </a:solidFill>
+                        </a:rPr>
+                        <a:t>♛</a:t>
+                      </a:r>
+                    </a:p>
+                  </a:txBody>
+                  <a:tcPr anchor="ctr">
+                    <a:solidFill>
+                      <a:schemeClr val="bg1"/>
+                    </a:solidFill>
+                  </a:tcPr>
+                </a:tc>
+                <a:tc>
+                  <a:txBody>
+                    <a:bodyPr/>
+                    <a:lstStyle/>
+                    <a:p>
+                      <a:pPr algn="ctr"/>
+                      <a:endParaRPr lang="en-US" sz="4000" b="0">
+                        <a:solidFill>
+                          <a:srgbClr val="C00000"/>
+                        </a:solidFill>
+                      </a:endParaRPr>
+                    </a:p>
+                  </a:txBody>
+                  <a:tcPr anchor="ctr">
+                    <a:solidFill>
+                      <a:schemeClr val="bg1"/>
+                    </a:solidFill>
+                  </a:tcPr>
+                </a:tc>
+                <a:tc>
+                  <a:txBody>
+                    <a:bodyPr/>
+                    <a:lstStyle/>
+                    <a:p>
+                      <a:pPr algn="ctr"/>
+                      <a:endParaRPr lang="en-US" sz="4000" b="0" dirty="0">
+                        <a:solidFill>
+                          <a:srgbClr val="00B050"/>
+                        </a:solidFill>
+                      </a:endParaRPr>
+                    </a:p>
+                  </a:txBody>
+                  <a:tcPr anchor="ctr">
+                    <a:solidFill>
+                      <a:schemeClr val="bg1"/>
+                    </a:solidFill>
+                  </a:tcPr>
+                </a:tc>
+                <a:tc>
+                  <a:txBody>
+                    <a:bodyPr/>
+                    <a:lstStyle/>
+                    <a:p>
+                      <a:pPr algn="ctr"/>
+                      <a:r>
+                        <a:rPr lang="en-US" sz="4000" b="0" dirty="0" smtClean="0">
+                          <a:solidFill>
+                            <a:srgbClr val="00B050"/>
+                          </a:solidFill>
+                        </a:rPr>
+                        <a:t>♛</a:t>
+                      </a:r>
+                      <a:endParaRPr lang="en-US" sz="4000" b="0" dirty="0">
+                        <a:solidFill>
+                          <a:srgbClr val="00B050"/>
+                        </a:solidFill>
+                      </a:endParaRPr>
+                    </a:p>
+                  </a:txBody>
+                  <a:tcPr anchor="ctr">
+                    <a:solidFill>
+                      <a:schemeClr val="bg1"/>
+                    </a:solidFill>
+                  </a:tcPr>
+                </a:tc>
+              </a:tr>
+              <a:tr h="685800">
+                <a:tc>
+                  <a:txBody>
+                    <a:bodyPr/>
+                    <a:lstStyle/>
+                    <a:p>
+                      <a:pPr algn="ctr"/>
+                      <a:endParaRPr lang="en-US" sz="4000" b="0">
+                        <a:solidFill>
+                          <a:srgbClr val="C00000"/>
+                        </a:solidFill>
+                      </a:endParaRPr>
+                    </a:p>
+                  </a:txBody>
+                  <a:tcPr anchor="ctr">
+                    <a:solidFill>
+                      <a:schemeClr val="bg1"/>
+                    </a:solidFill>
+                  </a:tcPr>
+                </a:tc>
+                <a:tc>
+                  <a:txBody>
+                    <a:bodyPr/>
+                    <a:lstStyle/>
+                    <a:p>
+                      <a:pPr algn="ctr"/>
+                      <a:endParaRPr lang="en-US" sz="4000" b="0">
+                        <a:solidFill>
+                          <a:srgbClr val="C00000"/>
+                        </a:solidFill>
+                      </a:endParaRPr>
+                    </a:p>
+                  </a:txBody>
+                  <a:tcPr anchor="ctr">
+                    <a:solidFill>
+                      <a:schemeClr val="bg1"/>
+                    </a:solidFill>
+                  </a:tcPr>
+                </a:tc>
+                <a:tc>
+                  <a:txBody>
+                    <a:bodyPr/>
+                    <a:lstStyle/>
+                    <a:p>
+                      <a:pPr algn="ctr"/>
+                      <a:r>
+                        <a:rPr lang="en-US" sz="4000" b="0" dirty="0" smtClean="0">
+                          <a:solidFill>
+                            <a:srgbClr val="00B050"/>
+                          </a:solidFill>
+                        </a:rPr>
+                        <a:t>♛</a:t>
+                      </a:r>
+                      <a:endParaRPr lang="en-US" sz="4000" b="0" dirty="0">
+                        <a:solidFill>
+                          <a:srgbClr val="00B050"/>
+                        </a:solidFill>
+                      </a:endParaRPr>
+                    </a:p>
+                  </a:txBody>
+                  <a:tcPr anchor="ctr">
+                    <a:solidFill>
+                      <a:schemeClr val="bg1"/>
+                    </a:solidFill>
+                  </a:tcPr>
+                </a:tc>
+                <a:tc>
+                  <a:txBody>
+                    <a:bodyPr/>
+                    <a:lstStyle/>
+                    <a:p>
+                      <a:pPr algn="ctr"/>
+                      <a:endParaRPr lang="en-US" sz="4000" b="0" dirty="0">
+                        <a:solidFill>
+                          <a:srgbClr val="00B050"/>
+                        </a:solidFill>
+                      </a:endParaRPr>
+                    </a:p>
+                  </a:txBody>
+                  <a:tcPr anchor="ctr">
+                    <a:solidFill>
+                      <a:schemeClr val="bg1"/>
+                    </a:solidFill>
+                  </a:tcPr>
+                </a:tc>
+              </a:tr>
+              <a:tr h="685800">
+                <a:tc>
+                  <a:txBody>
+                    <a:bodyPr/>
+                    <a:lstStyle/>
+                    <a:p>
+                      <a:pPr algn="ctr"/>
+                      <a:endParaRPr lang="en-US" sz="4000" b="0">
+                        <a:solidFill>
+                          <a:srgbClr val="C00000"/>
+                        </a:solidFill>
+                      </a:endParaRPr>
+                    </a:p>
+                  </a:txBody>
+                  <a:tcPr anchor="ctr">
+                    <a:solidFill>
+                      <a:schemeClr val="bg1"/>
+                    </a:solidFill>
+                  </a:tcPr>
+                </a:tc>
+                <a:tc>
+                  <a:txBody>
+                    <a:bodyPr/>
+                    <a:lstStyle/>
+                    <a:p>
+                      <a:pPr algn="ctr"/>
+                      <a:r>
+                        <a:rPr lang="en-US" sz="4000" b="0" dirty="0" smtClean="0">
+                          <a:solidFill>
+                            <a:srgbClr val="C00000"/>
+                          </a:solidFill>
+                        </a:rPr>
+                        <a:t>♛</a:t>
+                      </a:r>
+                      <a:endParaRPr lang="en-US" sz="4000" b="0" dirty="0">
+                        <a:solidFill>
+                          <a:srgbClr val="C00000"/>
+                        </a:solidFill>
+                      </a:endParaRPr>
+                    </a:p>
+                  </a:txBody>
+                  <a:tcPr anchor="ctr">
+                    <a:solidFill>
+                      <a:schemeClr val="bg1"/>
+                    </a:solidFill>
+                  </a:tcPr>
+                </a:tc>
+                <a:tc>
+                  <a:txBody>
+                    <a:bodyPr/>
+                    <a:lstStyle/>
+                    <a:p>
+                      <a:pPr algn="ctr"/>
+                      <a:endParaRPr lang="en-US" sz="4000" b="0" dirty="0">
+                        <a:solidFill>
+                          <a:srgbClr val="00B050"/>
+                        </a:solidFill>
+                      </a:endParaRPr>
+                    </a:p>
+                  </a:txBody>
+                  <a:tcPr anchor="ctr">
+                    <a:solidFill>
+                      <a:schemeClr val="bg1"/>
+                    </a:solidFill>
+                  </a:tcPr>
+                </a:tc>
+                <a:tc>
+                  <a:txBody>
+                    <a:bodyPr/>
+                    <a:lstStyle/>
+                    <a:p>
+                      <a:pPr algn="ctr"/>
+                      <a:endParaRPr lang="en-US" sz="4000" b="0" dirty="0">
+                        <a:solidFill>
+                          <a:srgbClr val="00B050"/>
+                        </a:solidFill>
+                      </a:endParaRPr>
+                    </a:p>
+                  </a:txBody>
+                  <a:tcPr anchor="ctr">
+                    <a:solidFill>
+                      <a:schemeClr val="bg1"/>
+                    </a:solidFill>
+                  </a:tcPr>
+                </a:tc>
+              </a:tr>
+            </a:tbl>
+          </a:graphicData>
+        </a:graphic>
+      </p:graphicFrame>
+      <p:cxnSp>
+        <p:nvCxnSpPr>
+          <p:cNvPr id="9" name="Straight Connector 8"/>
+          <p:cNvCxnSpPr>
+            <a:endCxn id="6" idx="2"/>
+          </p:cNvCxnSpPr>
+          <p:nvPr/>
+        </p:nvCxnSpPr>
+        <p:spPr>
+          <a:xfrm flipH="1">
+            <a:off x="10312149" y="443852"/>
+            <a:ext cx="15192" cy="2804160"/>
+          </a:xfrm>
+          <a:prstGeom prst="line">
+            <a:avLst/>
+          </a:prstGeom>
+          <a:ln w="57150"/>
+        </p:spPr>
+        <p:style>
+          <a:lnRef idx="1">
+            <a:schemeClr val="dk1"/>
+          </a:lnRef>
+          <a:fillRef idx="0">
+            <a:schemeClr val="dk1"/>
+          </a:fillRef>
+          <a:effectRef idx="0">
+            <a:schemeClr val="dk1"/>
+          </a:effectRef>
+          <a:fontRef idx="minor">
+            <a:schemeClr val="tx1"/>
+          </a:fontRef>
+        </p:style>
+      </p:cxnSp>
+      <p:cxnSp>
+        <p:nvCxnSpPr>
+          <p:cNvPr id="10" name="Straight Connector 9"/>
+          <p:cNvCxnSpPr/>
+          <p:nvPr/>
+        </p:nvCxnSpPr>
+        <p:spPr>
+          <a:xfrm flipH="1">
+            <a:off x="10296957" y="3648734"/>
+            <a:ext cx="15192" cy="2804160"/>
+          </a:xfrm>
+          <a:prstGeom prst="line">
+            <a:avLst/>
+          </a:prstGeom>
+          <a:ln w="57150"/>
+        </p:spPr>
+        <p:style>
+          <a:lnRef idx="1">
+            <a:schemeClr val="dk1"/>
+          </a:lnRef>
+          <a:fillRef idx="0">
+            <a:schemeClr val="dk1"/>
+          </a:fillRef>
+          <a:effectRef idx="0">
+            <a:schemeClr val="dk1"/>
+          </a:effectRef>
+          <a:fontRef idx="minor">
+            <a:schemeClr val="tx1"/>
+          </a:fontRef>
+        </p:style>
+      </p:cxnSp>
     </p:spTree>
     <p:extLst>
       <p:ext uri="{BB962C8B-B14F-4D97-AF65-F5344CB8AC3E}">
-        <p14:creationId xmlns:p14="http://schemas.microsoft.com/office/powerpoint/2010/main" val="2269735942"/>
+        <p14:creationId xmlns:p14="http://schemas.microsoft.com/office/powerpoint/2010/main" val="1802154084"/>
       </p:ext>
     </p:extLst>
   </p:cSld>
@@ -4040,6 +6310,1113 @@
           <a:p>
             <a:r>
               <a:rPr lang="en-US" dirty="0" smtClean="0"/>
+              <a:t>Chromosome</a:t>
+            </a:r>
+            <a:endParaRPr lang="en-US" dirty="0"/>
+          </a:p>
+        </p:txBody>
+      </p:sp>
+      <p:sp>
+        <p:nvSpPr>
+          <p:cNvPr id="3" name="Content Placeholder 2"/>
+          <p:cNvSpPr>
+            <a:spLocks noGrp="1"/>
+          </p:cNvSpPr>
+          <p:nvPr>
+            <p:ph idx="1"/>
+          </p:nvPr>
+        </p:nvSpPr>
+        <p:spPr/>
+        <p:txBody>
+          <a:bodyPr/>
+          <a:lstStyle/>
+          <a:p>
+            <a:pPr marL="0" indent="0">
+              <a:buNone/>
+            </a:pPr>
+            <a:r>
+              <a:rPr lang="en-US" sz="3200" b="1" dirty="0" smtClean="0"/>
+              <a:t>Mutation: </a:t>
+            </a:r>
+            <a:r>
+              <a:rPr lang="en-US" sz="3200" dirty="0" smtClean="0"/>
+              <a:t>introducing randomness to a solution</a:t>
+            </a:r>
+          </a:p>
+          <a:p>
+            <a:pPr marL="0" indent="0">
+              <a:buNone/>
+            </a:pPr>
+            <a:endParaRPr lang="en-US" dirty="0"/>
+          </a:p>
+          <a:p>
+            <a:pPr marL="0" indent="0">
+              <a:buNone/>
+            </a:pPr>
+            <a:r>
+              <a:rPr lang="en-US" sz="2400" b="1" dirty="0"/>
+              <a:t>e</a:t>
+            </a:r>
+            <a:r>
+              <a:rPr lang="en-US" sz="2400" b="1" dirty="0" smtClean="0"/>
+              <a:t>.g. n-queens problem</a:t>
+            </a:r>
+          </a:p>
+          <a:p>
+            <a:pPr marL="0" indent="0">
+              <a:buNone/>
+            </a:pPr>
+            <a:r>
+              <a:rPr lang="en-US" sz="2400" dirty="0" smtClean="0"/>
+              <a:t>mutate n-queens solution by randomly swapping two queens</a:t>
+            </a:r>
+            <a:endParaRPr lang="en-US" sz="2400" dirty="0"/>
+          </a:p>
+          <a:p>
+            <a:pPr marL="0" indent="0">
+              <a:buNone/>
+            </a:pPr>
+            <a:r>
+              <a:rPr lang="en-US" sz="2400" dirty="0" smtClean="0"/>
+              <a:t>4 1 3 2 can mutate to 4 2 3 1</a:t>
+            </a:r>
+            <a:endParaRPr lang="en-US" sz="2400" dirty="0" smtClean="0">
+              <a:solidFill>
+                <a:srgbClr val="00B050"/>
+              </a:solidFill>
+            </a:endParaRPr>
+          </a:p>
+        </p:txBody>
+      </p:sp>
+    </p:spTree>
+    <p:extLst>
+      <p:ext uri="{BB962C8B-B14F-4D97-AF65-F5344CB8AC3E}">
+        <p14:creationId xmlns:p14="http://schemas.microsoft.com/office/powerpoint/2010/main" val="1022979540"/>
+      </p:ext>
+    </p:extLst>
+  </p:cSld>
+  <p:clrMapOvr>
+    <a:masterClrMapping/>
+  </p:clrMapOvr>
+</p:sld>
+</file>
+
+<file path=ppt/slides/slide15.xml><?xml version="1.0" encoding="utf-8"?>
+<p:sld xmlns:a="http://schemas.openxmlformats.org/drawingml/2006/main" xmlns:r="http://schemas.openxmlformats.org/officeDocument/2006/relationships" xmlns:p="http://schemas.openxmlformats.org/presentationml/2006/main">
+  <p:cSld>
+    <p:spTree>
+      <p:nvGrpSpPr>
+        <p:cNvPr id="1" name=""/>
+        <p:cNvGrpSpPr/>
+        <p:nvPr/>
+      </p:nvGrpSpPr>
+      <p:grpSpPr>
+        <a:xfrm>
+          <a:off x="0" y="0"/>
+          <a:ext cx="0" cy="0"/>
+          <a:chOff x="0" y="0"/>
+          <a:chExt cx="0" cy="0"/>
+        </a:xfrm>
+      </p:grpSpPr>
+      <p:graphicFrame>
+        <p:nvGraphicFramePr>
+          <p:cNvPr id="4" name="Table 3"/>
+          <p:cNvGraphicFramePr>
+            <a:graphicFrameLocks noGrp="1"/>
+          </p:cNvGraphicFramePr>
+          <p:nvPr>
+            <p:extLst>
+              <p:ext uri="{D42A27DB-BD31-4B8C-83A1-F6EECF244321}">
+                <p14:modId xmlns:p14="http://schemas.microsoft.com/office/powerpoint/2010/main" val="1787398071"/>
+              </p:ext>
+            </p:extLst>
+          </p:nvPr>
+        </p:nvGraphicFramePr>
+        <p:xfrm>
+          <a:off x="889000" y="1398593"/>
+          <a:ext cx="4023360" cy="4023360"/>
+        </p:xfrm>
+        <a:graphic>
+          <a:graphicData uri="http://schemas.openxmlformats.org/drawingml/2006/table">
+            <a:tbl>
+              <a:tblPr firstRow="1" bandRow="1">
+                <a:tableStyleId>{16D9F66E-5EB9-4882-86FB-DCBF35E3C3E4}</a:tableStyleId>
+              </a:tblPr>
+              <a:tblGrid>
+                <a:gridCol w="1005840"/>
+                <a:gridCol w="1005840"/>
+                <a:gridCol w="1005840"/>
+                <a:gridCol w="1005840"/>
+              </a:tblGrid>
+              <a:tr h="914400">
+                <a:tc>
+                  <a:txBody>
+                    <a:bodyPr/>
+                    <a:lstStyle/>
+                    <a:p>
+                      <a:pPr marL="0" marR="0" indent="0" algn="ctr" defTabSz="914400" rtl="0" eaLnBrk="1" fontAlgn="auto" latinLnBrk="0" hangingPunct="1">
+                        <a:lnSpc>
+                          <a:spcPct val="100000"/>
+                        </a:lnSpc>
+                        <a:spcBef>
+                          <a:spcPts val="0"/>
+                        </a:spcBef>
+                        <a:spcAft>
+                          <a:spcPts val="0"/>
+                        </a:spcAft>
+                        <a:buClrTx/>
+                        <a:buSzTx/>
+                        <a:buFontTx/>
+                        <a:buNone/>
+                        <a:tabLst/>
+                        <a:defRPr/>
+                      </a:pPr>
+                      <a:endParaRPr lang="en-US" sz="6000" b="0" dirty="0" smtClean="0"/>
+                    </a:p>
+                  </a:txBody>
+                  <a:tcPr anchor="ctr">
+                    <a:solidFill>
+                      <a:schemeClr val="bg1"/>
+                    </a:solidFill>
+                  </a:tcPr>
+                </a:tc>
+                <a:tc>
+                  <a:txBody>
+                    <a:bodyPr/>
+                    <a:lstStyle/>
+                    <a:p>
+                      <a:pPr marL="0" marR="0" indent="0" algn="ctr" defTabSz="914400" rtl="0" eaLnBrk="1" fontAlgn="auto" latinLnBrk="0" hangingPunct="1">
+                        <a:lnSpc>
+                          <a:spcPct val="100000"/>
+                        </a:lnSpc>
+                        <a:spcBef>
+                          <a:spcPts val="0"/>
+                        </a:spcBef>
+                        <a:spcAft>
+                          <a:spcPts val="0"/>
+                        </a:spcAft>
+                        <a:buClrTx/>
+                        <a:buSzTx/>
+                        <a:buFontTx/>
+                        <a:buNone/>
+                        <a:tabLst/>
+                        <a:defRPr/>
+                      </a:pPr>
+                      <a:r>
+                        <a:rPr lang="en-US" sz="6000" b="0" dirty="0" smtClean="0">
+                          <a:solidFill>
+                            <a:srgbClr val="C00000"/>
+                          </a:solidFill>
+                        </a:rPr>
+                        <a:t>♛</a:t>
+                      </a:r>
+                    </a:p>
+                  </a:txBody>
+                  <a:tcPr anchor="ctr">
+                    <a:solidFill>
+                      <a:schemeClr val="bg1"/>
+                    </a:solidFill>
+                  </a:tcPr>
+                </a:tc>
+                <a:tc>
+                  <a:txBody>
+                    <a:bodyPr/>
+                    <a:lstStyle/>
+                    <a:p>
+                      <a:pPr algn="ctr"/>
+                      <a:endParaRPr lang="en-US" sz="6000" b="0"/>
+                    </a:p>
+                  </a:txBody>
+                  <a:tcPr anchor="ctr">
+                    <a:solidFill>
+                      <a:schemeClr val="bg1"/>
+                    </a:solidFill>
+                  </a:tcPr>
+                </a:tc>
+                <a:tc>
+                  <a:txBody>
+                    <a:bodyPr/>
+                    <a:lstStyle/>
+                    <a:p>
+                      <a:pPr algn="ctr"/>
+                      <a:endParaRPr lang="en-US" sz="6000" b="0"/>
+                    </a:p>
+                  </a:txBody>
+                  <a:tcPr anchor="ctr">
+                    <a:solidFill>
+                      <a:schemeClr val="bg1"/>
+                    </a:solidFill>
+                  </a:tcPr>
+                </a:tc>
+              </a:tr>
+              <a:tr h="914400">
+                <a:tc>
+                  <a:txBody>
+                    <a:bodyPr/>
+                    <a:lstStyle/>
+                    <a:p>
+                      <a:pPr algn="ctr"/>
+                      <a:endParaRPr lang="en-US" sz="6000" b="0" dirty="0"/>
+                    </a:p>
+                  </a:txBody>
+                  <a:tcPr anchor="ctr">
+                    <a:solidFill>
+                      <a:schemeClr val="bg1"/>
+                    </a:solidFill>
+                  </a:tcPr>
+                </a:tc>
+                <a:tc>
+                  <a:txBody>
+                    <a:bodyPr/>
+                    <a:lstStyle/>
+                    <a:p>
+                      <a:pPr algn="ctr"/>
+                      <a:endParaRPr lang="en-US" sz="6000" b="0"/>
+                    </a:p>
+                  </a:txBody>
+                  <a:tcPr anchor="ctr">
+                    <a:solidFill>
+                      <a:schemeClr val="bg1"/>
+                    </a:solidFill>
+                  </a:tcPr>
+                </a:tc>
+                <a:tc>
+                  <a:txBody>
+                    <a:bodyPr/>
+                    <a:lstStyle/>
+                    <a:p>
+                      <a:pPr algn="ctr"/>
+                      <a:endParaRPr lang="en-US" sz="6000" b="0" dirty="0"/>
+                    </a:p>
+                  </a:txBody>
+                  <a:tcPr anchor="ctr">
+                    <a:solidFill>
+                      <a:schemeClr val="bg1"/>
+                    </a:solidFill>
+                  </a:tcPr>
+                </a:tc>
+                <a:tc>
+                  <a:txBody>
+                    <a:bodyPr/>
+                    <a:lstStyle/>
+                    <a:p>
+                      <a:pPr algn="ctr"/>
+                      <a:r>
+                        <a:rPr lang="en-US" sz="6000" b="0" dirty="0" smtClean="0">
+                          <a:solidFill>
+                            <a:srgbClr val="00B050"/>
+                          </a:solidFill>
+                        </a:rPr>
+                        <a:t>♛</a:t>
+                      </a:r>
+                      <a:endParaRPr lang="en-US" sz="6000" b="0" dirty="0">
+                        <a:solidFill>
+                          <a:srgbClr val="00B050"/>
+                        </a:solidFill>
+                      </a:endParaRPr>
+                    </a:p>
+                  </a:txBody>
+                  <a:tcPr anchor="ctr">
+                    <a:solidFill>
+                      <a:schemeClr val="bg1"/>
+                    </a:solidFill>
+                  </a:tcPr>
+                </a:tc>
+              </a:tr>
+              <a:tr h="914400">
+                <a:tc>
+                  <a:txBody>
+                    <a:bodyPr/>
+                    <a:lstStyle/>
+                    <a:p>
+                      <a:pPr algn="ctr"/>
+                      <a:endParaRPr lang="en-US" sz="6000" b="0" dirty="0"/>
+                    </a:p>
+                  </a:txBody>
+                  <a:tcPr anchor="ctr">
+                    <a:solidFill>
+                      <a:schemeClr val="bg1"/>
+                    </a:solidFill>
+                  </a:tcPr>
+                </a:tc>
+                <a:tc>
+                  <a:txBody>
+                    <a:bodyPr/>
+                    <a:lstStyle/>
+                    <a:p>
+                      <a:pPr algn="ctr"/>
+                      <a:endParaRPr lang="en-US" sz="6000" b="0"/>
+                    </a:p>
+                  </a:txBody>
+                  <a:tcPr anchor="ctr">
+                    <a:solidFill>
+                      <a:schemeClr val="bg1"/>
+                    </a:solidFill>
+                  </a:tcPr>
+                </a:tc>
+                <a:tc>
+                  <a:txBody>
+                    <a:bodyPr/>
+                    <a:lstStyle/>
+                    <a:p>
+                      <a:pPr algn="ctr"/>
+                      <a:r>
+                        <a:rPr lang="en-US" sz="6000" b="0" dirty="0" smtClean="0"/>
+                        <a:t>♛</a:t>
+                      </a:r>
+                      <a:endParaRPr lang="en-US" sz="6000" b="0" dirty="0"/>
+                    </a:p>
+                  </a:txBody>
+                  <a:tcPr anchor="ctr">
+                    <a:solidFill>
+                      <a:schemeClr val="bg1"/>
+                    </a:solidFill>
+                  </a:tcPr>
+                </a:tc>
+                <a:tc>
+                  <a:txBody>
+                    <a:bodyPr/>
+                    <a:lstStyle/>
+                    <a:p>
+                      <a:pPr algn="ctr"/>
+                      <a:endParaRPr lang="en-US" sz="6000" b="0"/>
+                    </a:p>
+                  </a:txBody>
+                  <a:tcPr anchor="ctr">
+                    <a:solidFill>
+                      <a:schemeClr val="bg1"/>
+                    </a:solidFill>
+                  </a:tcPr>
+                </a:tc>
+              </a:tr>
+              <a:tr h="914400">
+                <a:tc>
+                  <a:txBody>
+                    <a:bodyPr/>
+                    <a:lstStyle/>
+                    <a:p>
+                      <a:pPr marL="0" marR="0" indent="0" algn="ctr" defTabSz="914400" rtl="0" eaLnBrk="1" fontAlgn="auto" latinLnBrk="0" hangingPunct="1">
+                        <a:lnSpc>
+                          <a:spcPct val="100000"/>
+                        </a:lnSpc>
+                        <a:spcBef>
+                          <a:spcPts val="0"/>
+                        </a:spcBef>
+                        <a:spcAft>
+                          <a:spcPts val="0"/>
+                        </a:spcAft>
+                        <a:buClrTx/>
+                        <a:buSzTx/>
+                        <a:buFontTx/>
+                        <a:buNone/>
+                        <a:tabLst/>
+                        <a:defRPr/>
+                      </a:pPr>
+                      <a:r>
+                        <a:rPr lang="en-US" sz="6000" b="0" dirty="0" smtClean="0"/>
+                        <a:t>♛</a:t>
+                      </a:r>
+                    </a:p>
+                  </a:txBody>
+                  <a:tcPr anchor="ctr">
+                    <a:solidFill>
+                      <a:schemeClr val="bg1"/>
+                    </a:solidFill>
+                  </a:tcPr>
+                </a:tc>
+                <a:tc>
+                  <a:txBody>
+                    <a:bodyPr/>
+                    <a:lstStyle/>
+                    <a:p>
+                      <a:pPr algn="ctr"/>
+                      <a:endParaRPr lang="en-US" sz="6000" b="0" dirty="0">
+                        <a:solidFill>
+                          <a:srgbClr val="C00000"/>
+                        </a:solidFill>
+                      </a:endParaRPr>
+                    </a:p>
+                  </a:txBody>
+                  <a:tcPr anchor="ctr">
+                    <a:solidFill>
+                      <a:schemeClr val="bg1"/>
+                    </a:solidFill>
+                  </a:tcPr>
+                </a:tc>
+                <a:tc>
+                  <a:txBody>
+                    <a:bodyPr/>
+                    <a:lstStyle/>
+                    <a:p>
+                      <a:pPr algn="ctr"/>
+                      <a:endParaRPr lang="en-US" sz="6000" b="0" dirty="0"/>
+                    </a:p>
+                  </a:txBody>
+                  <a:tcPr anchor="ctr">
+                    <a:solidFill>
+                      <a:schemeClr val="bg1"/>
+                    </a:solidFill>
+                  </a:tcPr>
+                </a:tc>
+                <a:tc>
+                  <a:txBody>
+                    <a:bodyPr/>
+                    <a:lstStyle/>
+                    <a:p>
+                      <a:pPr algn="ctr"/>
+                      <a:endParaRPr lang="en-US" sz="6000" b="0" dirty="0"/>
+                    </a:p>
+                  </a:txBody>
+                  <a:tcPr anchor="ctr">
+                    <a:solidFill>
+                      <a:schemeClr val="bg1"/>
+                    </a:solidFill>
+                  </a:tcPr>
+                </a:tc>
+              </a:tr>
+            </a:tbl>
+          </a:graphicData>
+        </a:graphic>
+      </p:graphicFrame>
+      <p:graphicFrame>
+        <p:nvGraphicFramePr>
+          <p:cNvPr id="3" name="Table 2"/>
+          <p:cNvGraphicFramePr>
+            <a:graphicFrameLocks noGrp="1"/>
+          </p:cNvGraphicFramePr>
+          <p:nvPr>
+            <p:extLst>
+              <p:ext uri="{D42A27DB-BD31-4B8C-83A1-F6EECF244321}">
+                <p14:modId xmlns:p14="http://schemas.microsoft.com/office/powerpoint/2010/main" val="581019443"/>
+              </p:ext>
+            </p:extLst>
+          </p:nvPr>
+        </p:nvGraphicFramePr>
+        <p:xfrm>
+          <a:off x="7253940" y="1398593"/>
+          <a:ext cx="4023360" cy="4023360"/>
+        </p:xfrm>
+        <a:graphic>
+          <a:graphicData uri="http://schemas.openxmlformats.org/drawingml/2006/table">
+            <a:tbl>
+              <a:tblPr firstRow="1" bandRow="1">
+                <a:tableStyleId>{16D9F66E-5EB9-4882-86FB-DCBF35E3C3E4}</a:tableStyleId>
+              </a:tblPr>
+              <a:tblGrid>
+                <a:gridCol w="1005840"/>
+                <a:gridCol w="1005840"/>
+                <a:gridCol w="1005840"/>
+                <a:gridCol w="1005840"/>
+              </a:tblGrid>
+              <a:tr h="1005840">
+                <a:tc>
+                  <a:txBody>
+                    <a:bodyPr/>
+                    <a:lstStyle/>
+                    <a:p>
+                      <a:pPr marL="0" marR="0" indent="0" algn="ctr" defTabSz="914400" rtl="0" eaLnBrk="1" fontAlgn="auto" latinLnBrk="0" hangingPunct="1">
+                        <a:lnSpc>
+                          <a:spcPct val="100000"/>
+                        </a:lnSpc>
+                        <a:spcBef>
+                          <a:spcPts val="0"/>
+                        </a:spcBef>
+                        <a:spcAft>
+                          <a:spcPts val="0"/>
+                        </a:spcAft>
+                        <a:buClrTx/>
+                        <a:buSzTx/>
+                        <a:buFontTx/>
+                        <a:buNone/>
+                        <a:tabLst/>
+                        <a:defRPr/>
+                      </a:pPr>
+                      <a:endParaRPr lang="en-US" sz="6000" b="0" dirty="0" smtClean="0"/>
+                    </a:p>
+                  </a:txBody>
+                  <a:tcPr anchor="ctr">
+                    <a:solidFill>
+                      <a:schemeClr val="bg1"/>
+                    </a:solidFill>
+                  </a:tcPr>
+                </a:tc>
+                <a:tc>
+                  <a:txBody>
+                    <a:bodyPr/>
+                    <a:lstStyle/>
+                    <a:p>
+                      <a:pPr algn="ctr"/>
+                      <a:endParaRPr lang="en-US" sz="6000" b="0" dirty="0"/>
+                    </a:p>
+                  </a:txBody>
+                  <a:tcPr anchor="ctr">
+                    <a:solidFill>
+                      <a:schemeClr val="bg1"/>
+                    </a:solidFill>
+                  </a:tcPr>
+                </a:tc>
+                <a:tc>
+                  <a:txBody>
+                    <a:bodyPr/>
+                    <a:lstStyle/>
+                    <a:p>
+                      <a:pPr algn="ctr"/>
+                      <a:endParaRPr lang="en-US" sz="6000" b="0" dirty="0"/>
+                    </a:p>
+                  </a:txBody>
+                  <a:tcPr anchor="ctr">
+                    <a:solidFill>
+                      <a:schemeClr val="bg1"/>
+                    </a:solidFill>
+                  </a:tcPr>
+                </a:tc>
+                <a:tc>
+                  <a:txBody>
+                    <a:bodyPr/>
+                    <a:lstStyle/>
+                    <a:p>
+                      <a:pPr marL="0" marR="0" indent="0" algn="ctr" defTabSz="914400" rtl="0" eaLnBrk="1" fontAlgn="auto" latinLnBrk="0" hangingPunct="1">
+                        <a:lnSpc>
+                          <a:spcPct val="100000"/>
+                        </a:lnSpc>
+                        <a:spcBef>
+                          <a:spcPts val="0"/>
+                        </a:spcBef>
+                        <a:spcAft>
+                          <a:spcPts val="0"/>
+                        </a:spcAft>
+                        <a:buClrTx/>
+                        <a:buSzTx/>
+                        <a:buFontTx/>
+                        <a:buNone/>
+                        <a:tabLst/>
+                        <a:defRPr/>
+                      </a:pPr>
+                      <a:r>
+                        <a:rPr lang="en-US" sz="6000" b="0" dirty="0" smtClean="0">
+                          <a:solidFill>
+                            <a:srgbClr val="C00000"/>
+                          </a:solidFill>
+                        </a:rPr>
+                        <a:t>♛</a:t>
+                      </a:r>
+                    </a:p>
+                  </a:txBody>
+                  <a:tcPr anchor="ctr">
+                    <a:solidFill>
+                      <a:schemeClr val="bg1"/>
+                    </a:solidFill>
+                  </a:tcPr>
+                </a:tc>
+              </a:tr>
+              <a:tr h="1005840">
+                <a:tc>
+                  <a:txBody>
+                    <a:bodyPr/>
+                    <a:lstStyle/>
+                    <a:p>
+                      <a:pPr algn="ctr"/>
+                      <a:endParaRPr lang="en-US" sz="6000" b="0" dirty="0"/>
+                    </a:p>
+                  </a:txBody>
+                  <a:tcPr anchor="ctr">
+                    <a:solidFill>
+                      <a:schemeClr val="bg1"/>
+                    </a:solidFill>
+                  </a:tcPr>
+                </a:tc>
+                <a:tc>
+                  <a:txBody>
+                    <a:bodyPr/>
+                    <a:lstStyle/>
+                    <a:p>
+                      <a:pPr marL="0" marR="0" indent="0" algn="ctr" defTabSz="914400" rtl="0" eaLnBrk="1" fontAlgn="auto" latinLnBrk="0" hangingPunct="1">
+                        <a:lnSpc>
+                          <a:spcPct val="100000"/>
+                        </a:lnSpc>
+                        <a:spcBef>
+                          <a:spcPts val="0"/>
+                        </a:spcBef>
+                        <a:spcAft>
+                          <a:spcPts val="0"/>
+                        </a:spcAft>
+                        <a:buClrTx/>
+                        <a:buSzTx/>
+                        <a:buFontTx/>
+                        <a:buNone/>
+                        <a:tabLst/>
+                        <a:defRPr/>
+                      </a:pPr>
+                      <a:r>
+                        <a:rPr lang="en-US" sz="6000" b="0" dirty="0" smtClean="0">
+                          <a:solidFill>
+                            <a:srgbClr val="00B050"/>
+                          </a:solidFill>
+                        </a:rPr>
+                        <a:t>♛</a:t>
+                      </a:r>
+                    </a:p>
+                  </a:txBody>
+                  <a:tcPr anchor="ctr">
+                    <a:solidFill>
+                      <a:schemeClr val="bg1"/>
+                    </a:solidFill>
+                  </a:tcPr>
+                </a:tc>
+                <a:tc>
+                  <a:txBody>
+                    <a:bodyPr/>
+                    <a:lstStyle/>
+                    <a:p>
+                      <a:pPr algn="ctr"/>
+                      <a:endParaRPr lang="en-US" sz="6000" b="0" dirty="0"/>
+                    </a:p>
+                  </a:txBody>
+                  <a:tcPr anchor="ctr">
+                    <a:solidFill>
+                      <a:schemeClr val="bg1"/>
+                    </a:solidFill>
+                  </a:tcPr>
+                </a:tc>
+                <a:tc>
+                  <a:txBody>
+                    <a:bodyPr/>
+                    <a:lstStyle/>
+                    <a:p>
+                      <a:pPr algn="ctr"/>
+                      <a:endParaRPr lang="en-US" sz="6000" b="0" dirty="0"/>
+                    </a:p>
+                  </a:txBody>
+                  <a:tcPr anchor="ctr">
+                    <a:solidFill>
+                      <a:schemeClr val="bg1"/>
+                    </a:solidFill>
+                  </a:tcPr>
+                </a:tc>
+              </a:tr>
+              <a:tr h="1005840">
+                <a:tc>
+                  <a:txBody>
+                    <a:bodyPr/>
+                    <a:lstStyle/>
+                    <a:p>
+                      <a:pPr algn="ctr"/>
+                      <a:endParaRPr lang="en-US" sz="6000" b="0"/>
+                    </a:p>
+                  </a:txBody>
+                  <a:tcPr anchor="ctr">
+                    <a:solidFill>
+                      <a:schemeClr val="bg1"/>
+                    </a:solidFill>
+                  </a:tcPr>
+                </a:tc>
+                <a:tc>
+                  <a:txBody>
+                    <a:bodyPr/>
+                    <a:lstStyle/>
+                    <a:p>
+                      <a:pPr algn="ctr"/>
+                      <a:endParaRPr lang="en-US" sz="6000" b="0"/>
+                    </a:p>
+                  </a:txBody>
+                  <a:tcPr anchor="ctr">
+                    <a:solidFill>
+                      <a:schemeClr val="bg1"/>
+                    </a:solidFill>
+                  </a:tcPr>
+                </a:tc>
+                <a:tc>
+                  <a:txBody>
+                    <a:bodyPr/>
+                    <a:lstStyle/>
+                    <a:p>
+                      <a:pPr algn="ctr"/>
+                      <a:r>
+                        <a:rPr lang="en-US" sz="6000" b="0" dirty="0" smtClean="0"/>
+                        <a:t>♛</a:t>
+                      </a:r>
+                      <a:endParaRPr lang="en-US" sz="6000" b="0" dirty="0"/>
+                    </a:p>
+                  </a:txBody>
+                  <a:tcPr anchor="ctr">
+                    <a:solidFill>
+                      <a:schemeClr val="bg1"/>
+                    </a:solidFill>
+                  </a:tcPr>
+                </a:tc>
+                <a:tc>
+                  <a:txBody>
+                    <a:bodyPr/>
+                    <a:lstStyle/>
+                    <a:p>
+                      <a:pPr algn="ctr"/>
+                      <a:endParaRPr lang="en-US" sz="6000" b="0"/>
+                    </a:p>
+                  </a:txBody>
+                  <a:tcPr anchor="ctr">
+                    <a:solidFill>
+                      <a:schemeClr val="bg1"/>
+                    </a:solidFill>
+                  </a:tcPr>
+                </a:tc>
+              </a:tr>
+              <a:tr h="1005840">
+                <a:tc>
+                  <a:txBody>
+                    <a:bodyPr/>
+                    <a:lstStyle/>
+                    <a:p>
+                      <a:pPr marL="0" marR="0" indent="0" algn="ctr" defTabSz="914400" rtl="0" eaLnBrk="1" fontAlgn="auto" latinLnBrk="0" hangingPunct="1">
+                        <a:lnSpc>
+                          <a:spcPct val="100000"/>
+                        </a:lnSpc>
+                        <a:spcBef>
+                          <a:spcPts val="0"/>
+                        </a:spcBef>
+                        <a:spcAft>
+                          <a:spcPts val="0"/>
+                        </a:spcAft>
+                        <a:buClrTx/>
+                        <a:buSzTx/>
+                        <a:buFontTx/>
+                        <a:buNone/>
+                        <a:tabLst/>
+                        <a:defRPr/>
+                      </a:pPr>
+                      <a:r>
+                        <a:rPr lang="en-US" sz="6000" b="0" dirty="0" smtClean="0"/>
+                        <a:t>♛</a:t>
+                      </a:r>
+                    </a:p>
+                  </a:txBody>
+                  <a:tcPr anchor="ctr">
+                    <a:solidFill>
+                      <a:schemeClr val="bg1"/>
+                    </a:solidFill>
+                  </a:tcPr>
+                </a:tc>
+                <a:tc>
+                  <a:txBody>
+                    <a:bodyPr/>
+                    <a:lstStyle/>
+                    <a:p>
+                      <a:pPr algn="ctr"/>
+                      <a:endParaRPr lang="en-US" sz="6000" b="0" dirty="0"/>
+                    </a:p>
+                  </a:txBody>
+                  <a:tcPr anchor="ctr">
+                    <a:solidFill>
+                      <a:schemeClr val="bg1"/>
+                    </a:solidFill>
+                  </a:tcPr>
+                </a:tc>
+                <a:tc>
+                  <a:txBody>
+                    <a:bodyPr/>
+                    <a:lstStyle/>
+                    <a:p>
+                      <a:pPr algn="ctr"/>
+                      <a:endParaRPr lang="en-US" sz="6000" b="0" dirty="0"/>
+                    </a:p>
+                  </a:txBody>
+                  <a:tcPr anchor="ctr">
+                    <a:solidFill>
+                      <a:schemeClr val="bg1"/>
+                    </a:solidFill>
+                  </a:tcPr>
+                </a:tc>
+                <a:tc>
+                  <a:txBody>
+                    <a:bodyPr/>
+                    <a:lstStyle/>
+                    <a:p>
+                      <a:pPr algn="ctr"/>
+                      <a:endParaRPr lang="en-US" sz="6000" b="0" dirty="0"/>
+                    </a:p>
+                  </a:txBody>
+                  <a:tcPr anchor="ctr">
+                    <a:solidFill>
+                      <a:schemeClr val="bg1"/>
+                    </a:solidFill>
+                  </a:tcPr>
+                </a:tc>
+              </a:tr>
+            </a:tbl>
+          </a:graphicData>
+        </a:graphic>
+      </p:graphicFrame>
+    </p:spTree>
+    <p:extLst>
+      <p:ext uri="{BB962C8B-B14F-4D97-AF65-F5344CB8AC3E}">
+        <p14:creationId xmlns:p14="http://schemas.microsoft.com/office/powerpoint/2010/main" val="81878671"/>
+      </p:ext>
+    </p:extLst>
+  </p:cSld>
+  <p:clrMapOvr>
+    <a:masterClrMapping/>
+  </p:clrMapOvr>
+</p:sld>
+</file>
+
+<file path=ppt/slides/slide16.xml><?xml version="1.0" encoding="utf-8"?>
+<p:sld xmlns:a="http://schemas.openxmlformats.org/drawingml/2006/main" xmlns:r="http://schemas.openxmlformats.org/officeDocument/2006/relationships" xmlns:p="http://schemas.openxmlformats.org/presentationml/2006/main">
+  <p:cSld>
+    <p:spTree>
+      <p:nvGrpSpPr>
+        <p:cNvPr id="1" name=""/>
+        <p:cNvGrpSpPr/>
+        <p:nvPr/>
+      </p:nvGrpSpPr>
+      <p:grpSpPr>
+        <a:xfrm>
+          <a:off x="0" y="0"/>
+          <a:ext cx="0" cy="0"/>
+          <a:chOff x="0" y="0"/>
+          <a:chExt cx="0" cy="0"/>
+        </a:xfrm>
+      </p:grpSpPr>
+      <p:sp>
+        <p:nvSpPr>
+          <p:cNvPr id="2" name="Title 1"/>
+          <p:cNvSpPr>
+            <a:spLocks noGrp="1"/>
+          </p:cNvSpPr>
+          <p:nvPr>
+            <p:ph type="title"/>
+          </p:nvPr>
+        </p:nvSpPr>
+        <p:spPr/>
+        <p:txBody>
+          <a:bodyPr/>
+          <a:lstStyle/>
+          <a:p>
+            <a:r>
+              <a:rPr lang="en-US" dirty="0" smtClean="0"/>
+              <a:t>The Algorithm</a:t>
+            </a:r>
+            <a:endParaRPr lang="en-US" dirty="0"/>
+          </a:p>
+        </p:txBody>
+      </p:sp>
+      <p:sp>
+        <p:nvSpPr>
+          <p:cNvPr id="3" name="Content Placeholder 2"/>
+          <p:cNvSpPr>
+            <a:spLocks noGrp="1"/>
+          </p:cNvSpPr>
+          <p:nvPr>
+            <p:ph idx="1"/>
+          </p:nvPr>
+        </p:nvSpPr>
+        <p:spPr/>
+        <p:txBody>
+          <a:bodyPr>
+            <a:normAutofit fontScale="77500" lnSpcReduction="20000"/>
+          </a:bodyPr>
+          <a:lstStyle/>
+          <a:p>
+            <a:pPr marL="0" indent="0">
+              <a:buNone/>
+            </a:pPr>
+            <a:r>
+              <a:rPr lang="en-US" sz="3000" dirty="0">
+                <a:latin typeface="Consolas" charset="0"/>
+                <a:ea typeface="Consolas" charset="0"/>
+                <a:cs typeface="Consolas" charset="0"/>
+              </a:rPr>
+              <a:t>p</a:t>
+            </a:r>
+            <a:r>
+              <a:rPr lang="en-US" sz="3000" dirty="0" smtClean="0">
+                <a:latin typeface="Consolas" charset="0"/>
+                <a:ea typeface="Consolas" charset="0"/>
+                <a:cs typeface="Consolas" charset="0"/>
+              </a:rPr>
+              <a:t>opulation = randomize population</a:t>
+            </a:r>
+          </a:p>
+          <a:p>
+            <a:pPr marL="0" indent="0">
+              <a:buNone/>
+            </a:pPr>
+            <a:endParaRPr lang="en-US" sz="3000" dirty="0" smtClean="0">
+              <a:latin typeface="Consolas" charset="0"/>
+              <a:ea typeface="Consolas" charset="0"/>
+              <a:cs typeface="Consolas" charset="0"/>
+            </a:endParaRPr>
+          </a:p>
+          <a:p>
+            <a:pPr marL="0" indent="0">
+              <a:buNone/>
+            </a:pPr>
+            <a:r>
+              <a:rPr lang="en-US" sz="3000" dirty="0" smtClean="0">
+                <a:latin typeface="Consolas" charset="0"/>
+                <a:ea typeface="Consolas" charset="0"/>
+                <a:cs typeface="Consolas" charset="0"/>
+              </a:rPr>
+              <a:t>while !termination condition</a:t>
+            </a:r>
+          </a:p>
+          <a:p>
+            <a:pPr marL="0" indent="0">
+              <a:buNone/>
+            </a:pPr>
+            <a:r>
+              <a:rPr lang="en-US" sz="3000" dirty="0">
+                <a:latin typeface="Consolas" charset="0"/>
+                <a:ea typeface="Consolas" charset="0"/>
+                <a:cs typeface="Consolas" charset="0"/>
+              </a:rPr>
+              <a:t>	</a:t>
+            </a:r>
+            <a:r>
+              <a:rPr lang="en-US" sz="2600" dirty="0" smtClean="0">
+                <a:latin typeface="Consolas" charset="0"/>
+                <a:ea typeface="Consolas" charset="0"/>
+                <a:cs typeface="Consolas" charset="0"/>
+              </a:rPr>
+              <a:t>Create new empty population</a:t>
+            </a:r>
+          </a:p>
+          <a:p>
+            <a:pPr marL="0" indent="0">
+              <a:buNone/>
+            </a:pPr>
+            <a:r>
+              <a:rPr lang="en-US" sz="2600" dirty="0">
+                <a:latin typeface="Consolas" charset="0"/>
+                <a:ea typeface="Consolas" charset="0"/>
+                <a:cs typeface="Consolas" charset="0"/>
+              </a:rPr>
+              <a:t>	</a:t>
+            </a:r>
+            <a:r>
+              <a:rPr lang="en-US" sz="2600" dirty="0" smtClean="0">
+                <a:latin typeface="Consolas" charset="0"/>
+                <a:ea typeface="Consolas" charset="0"/>
+                <a:cs typeface="Consolas" charset="0"/>
+              </a:rPr>
+              <a:t>Carry over elite clones from old population</a:t>
+            </a:r>
+          </a:p>
+          <a:p>
+            <a:pPr marL="0" indent="0">
+              <a:buNone/>
+            </a:pPr>
+            <a:r>
+              <a:rPr lang="en-US" sz="2600" dirty="0">
+                <a:latin typeface="Consolas" charset="0"/>
+                <a:ea typeface="Consolas" charset="0"/>
+                <a:cs typeface="Consolas" charset="0"/>
+              </a:rPr>
+              <a:t>	</a:t>
+            </a:r>
+            <a:r>
+              <a:rPr lang="en-US" sz="2600" dirty="0" smtClean="0">
+                <a:latin typeface="Consolas" charset="0"/>
+                <a:ea typeface="Consolas" charset="0"/>
+                <a:cs typeface="Consolas" charset="0"/>
+              </a:rPr>
+              <a:t>Breed the remainder of the population</a:t>
+            </a:r>
+          </a:p>
+          <a:p>
+            <a:pPr marL="0" indent="0">
+              <a:buNone/>
+            </a:pPr>
+            <a:r>
+              <a:rPr lang="en-US" sz="2600" dirty="0">
+                <a:latin typeface="Consolas" charset="0"/>
+                <a:ea typeface="Consolas" charset="0"/>
+                <a:cs typeface="Consolas" charset="0"/>
+              </a:rPr>
+              <a:t>	</a:t>
+            </a:r>
+            <a:r>
+              <a:rPr lang="en-US" sz="2600" dirty="0" smtClean="0">
+                <a:latin typeface="Consolas" charset="0"/>
+                <a:ea typeface="Consolas" charset="0"/>
+                <a:cs typeface="Consolas" charset="0"/>
+              </a:rPr>
+              <a:t>Mutate random members of the population</a:t>
+            </a:r>
+          </a:p>
+          <a:p>
+            <a:pPr marL="0" indent="0">
+              <a:buNone/>
+            </a:pPr>
+            <a:r>
+              <a:rPr lang="en-US" sz="2600" dirty="0">
+                <a:latin typeface="Consolas" charset="0"/>
+                <a:ea typeface="Consolas" charset="0"/>
+                <a:cs typeface="Consolas" charset="0"/>
+              </a:rPr>
+              <a:t>	</a:t>
+            </a:r>
+            <a:r>
+              <a:rPr lang="en-US" sz="2600" dirty="0" smtClean="0">
+                <a:latin typeface="Consolas" charset="0"/>
+                <a:ea typeface="Consolas" charset="0"/>
+                <a:cs typeface="Consolas" charset="0"/>
+              </a:rPr>
+              <a:t>Get best chromosome</a:t>
+            </a:r>
+            <a:endParaRPr lang="en-US" dirty="0" smtClean="0">
+              <a:latin typeface="Consolas" charset="0"/>
+              <a:ea typeface="Consolas" charset="0"/>
+              <a:cs typeface="Consolas" charset="0"/>
+            </a:endParaRPr>
+          </a:p>
+        </p:txBody>
+      </p:sp>
+    </p:spTree>
+    <p:extLst>
+      <p:ext uri="{BB962C8B-B14F-4D97-AF65-F5344CB8AC3E}">
+        <p14:creationId xmlns:p14="http://schemas.microsoft.com/office/powerpoint/2010/main" val="2269735942"/>
+      </p:ext>
+    </p:extLst>
+  </p:cSld>
+  <p:clrMapOvr>
+    <a:masterClrMapping/>
+  </p:clrMapOvr>
+</p:sld>
+</file>
+
+<file path=ppt/slides/slide17.xml><?xml version="1.0" encoding="utf-8"?>
+<p:sld xmlns:a="http://schemas.openxmlformats.org/drawingml/2006/main" xmlns:r="http://schemas.openxmlformats.org/officeDocument/2006/relationships" xmlns:p="http://schemas.openxmlformats.org/presentationml/2006/main">
+  <p:cSld>
+    <p:spTree>
+      <p:nvGrpSpPr>
+        <p:cNvPr id="1" name=""/>
+        <p:cNvGrpSpPr/>
+        <p:nvPr/>
+      </p:nvGrpSpPr>
+      <p:grpSpPr>
+        <a:xfrm>
+          <a:off x="0" y="0"/>
+          <a:ext cx="0" cy="0"/>
+          <a:chOff x="0" y="0"/>
+          <a:chExt cx="0" cy="0"/>
+        </a:xfrm>
+      </p:grpSpPr>
+      <p:sp>
+        <p:nvSpPr>
+          <p:cNvPr id="2" name="Title 1"/>
+          <p:cNvSpPr>
+            <a:spLocks noGrp="1"/>
+          </p:cNvSpPr>
+          <p:nvPr>
+            <p:ph type="title"/>
+          </p:nvPr>
+        </p:nvSpPr>
+        <p:spPr/>
+        <p:txBody>
+          <a:bodyPr/>
+          <a:lstStyle/>
+          <a:p>
+            <a:r>
+              <a:rPr lang="en-US" dirty="0" smtClean="0"/>
               <a:t>The Algorithm</a:t>
             </a:r>
             <a:endParaRPr lang="en-US" dirty="0"/>
@@ -4104,7 +7481,7 @@
 </p:sld>
 </file>
 
-<file path=ppt/slides/slide15.xml><?xml version="1.0" encoding="utf-8"?>
+<file path=ppt/slides/slide18.xml><?xml version="1.0" encoding="utf-8"?>
 <p:sld xmlns:a="http://schemas.openxmlformats.org/drawingml/2006/main" xmlns:r="http://schemas.openxmlformats.org/officeDocument/2006/relationships" xmlns:p="http://schemas.openxmlformats.org/presentationml/2006/main">
   <p:cSld>
     <p:spTree>
@@ -4351,325 +7728,6 @@
 </p:sld>
 </file>
 
-<file path=ppt/slides/slide16.xml><?xml version="1.0" encoding="utf-8"?>
-<p:sld xmlns:a="http://schemas.openxmlformats.org/drawingml/2006/main" xmlns:r="http://schemas.openxmlformats.org/officeDocument/2006/relationships" xmlns:p="http://schemas.openxmlformats.org/presentationml/2006/main">
-  <p:cSld>
-    <p:spTree>
-      <p:nvGrpSpPr>
-        <p:cNvPr id="1" name=""/>
-        <p:cNvGrpSpPr/>
-        <p:nvPr/>
-      </p:nvGrpSpPr>
-      <p:grpSpPr>
-        <a:xfrm>
-          <a:off x="0" y="0"/>
-          <a:ext cx="0" cy="0"/>
-          <a:chOff x="0" y="0"/>
-          <a:chExt cx="0" cy="0"/>
-        </a:xfrm>
-      </p:grpSpPr>
-      <p:sp>
-        <p:nvSpPr>
-          <p:cNvPr id="2" name="Title 1"/>
-          <p:cNvSpPr>
-            <a:spLocks noGrp="1"/>
-          </p:cNvSpPr>
-          <p:nvPr>
-            <p:ph type="title"/>
-          </p:nvPr>
-        </p:nvSpPr>
-        <p:spPr/>
-        <p:txBody>
-          <a:bodyPr/>
-          <a:lstStyle/>
-          <a:p>
-            <a:r>
-              <a:rPr lang="en-US" dirty="0" smtClean="0"/>
-              <a:t>Analysis</a:t>
-            </a:r>
-            <a:endParaRPr lang="en-US" dirty="0"/>
-          </a:p>
-        </p:txBody>
-      </p:sp>
-      <p:sp>
-        <p:nvSpPr>
-          <p:cNvPr id="3" name="Content Placeholder 2"/>
-          <p:cNvSpPr>
-            <a:spLocks noGrp="1"/>
-          </p:cNvSpPr>
-          <p:nvPr>
-            <p:ph idx="1"/>
-          </p:nvPr>
-        </p:nvSpPr>
-        <p:spPr/>
-        <p:txBody>
-          <a:bodyPr>
-            <a:noAutofit/>
-          </a:bodyPr>
-          <a:lstStyle/>
-          <a:p>
-            <a:r>
-              <a:rPr lang="en-US" sz="2400" dirty="0" smtClean="0"/>
-              <a:t>Commonly used for optimization problems</a:t>
-            </a:r>
-          </a:p>
-          <a:p>
-            <a:r>
-              <a:rPr lang="en-US" sz="2400" dirty="0" smtClean="0"/>
-              <a:t>Usually used for complex problems e.g. NP-class of problems</a:t>
-            </a:r>
-          </a:p>
-          <a:p>
-            <a:r>
-              <a:rPr lang="en-US" sz="2400" dirty="0" smtClean="0"/>
-              <a:t>GA’s prefer certain schemata</a:t>
-            </a:r>
-          </a:p>
-          <a:p>
-            <a:pPr lvl="1"/>
-            <a:r>
-              <a:rPr lang="en-US" sz="2000" dirty="0" smtClean="0"/>
-              <a:t>E.g. n-queens solution that follow the 1 2 * * schemata are better than those with a 4 * 4 * schemata</a:t>
-            </a:r>
-          </a:p>
-          <a:p>
-            <a:r>
-              <a:rPr lang="en-US" sz="2400" dirty="0" smtClean="0"/>
-              <a:t>Crowding</a:t>
-            </a:r>
-          </a:p>
-        </p:txBody>
-      </p:sp>
-    </p:spTree>
-    <p:extLst>
-      <p:ext uri="{BB962C8B-B14F-4D97-AF65-F5344CB8AC3E}">
-        <p14:creationId xmlns:p14="http://schemas.microsoft.com/office/powerpoint/2010/main" val="1392218456"/>
-      </p:ext>
-    </p:extLst>
-  </p:cSld>
-  <p:clrMapOvr>
-    <a:masterClrMapping/>
-  </p:clrMapOvr>
-</p:sld>
-</file>
-
-<file path=ppt/slides/slide17.xml><?xml version="1.0" encoding="utf-8"?>
-<p:sld xmlns:a="http://schemas.openxmlformats.org/drawingml/2006/main" xmlns:r="http://schemas.openxmlformats.org/officeDocument/2006/relationships" xmlns:p="http://schemas.openxmlformats.org/presentationml/2006/main">
-  <p:cSld>
-    <p:spTree>
-      <p:nvGrpSpPr>
-        <p:cNvPr id="1" name=""/>
-        <p:cNvGrpSpPr/>
-        <p:nvPr/>
-      </p:nvGrpSpPr>
-      <p:grpSpPr>
-        <a:xfrm>
-          <a:off x="0" y="0"/>
-          <a:ext cx="0" cy="0"/>
-          <a:chOff x="0" y="0"/>
-          <a:chExt cx="0" cy="0"/>
-        </a:xfrm>
-      </p:grpSpPr>
-      <p:sp>
-        <p:nvSpPr>
-          <p:cNvPr id="2" name="Title 1"/>
-          <p:cNvSpPr>
-            <a:spLocks noGrp="1"/>
-          </p:cNvSpPr>
-          <p:nvPr>
-            <p:ph type="title"/>
-          </p:nvPr>
-        </p:nvSpPr>
-        <p:spPr/>
-        <p:txBody>
-          <a:bodyPr/>
-          <a:lstStyle/>
-          <a:p>
-            <a:r>
-              <a:rPr lang="en-US" dirty="0" smtClean="0"/>
-              <a:t>Vs. Neural Networks</a:t>
-            </a:r>
-            <a:endParaRPr lang="en-US" dirty="0"/>
-          </a:p>
-        </p:txBody>
-      </p:sp>
-      <p:sp>
-        <p:nvSpPr>
-          <p:cNvPr id="3" name="Content Placeholder 2"/>
-          <p:cNvSpPr>
-            <a:spLocks noGrp="1"/>
-          </p:cNvSpPr>
-          <p:nvPr>
-            <p:ph idx="1"/>
-          </p:nvPr>
-        </p:nvSpPr>
-        <p:spPr/>
-        <p:txBody>
-          <a:bodyPr>
-            <a:normAutofit/>
-          </a:bodyPr>
-          <a:lstStyle/>
-          <a:p>
-            <a:r>
-              <a:rPr lang="en-US" sz="2800" dirty="0" smtClean="0"/>
-              <a:t>Neural Networks move from one hypothesis to another slowly</a:t>
-            </a:r>
-          </a:p>
-          <a:p>
-            <a:r>
-              <a:rPr lang="en-US" sz="2800" dirty="0" smtClean="0"/>
-              <a:t>GA may move quickly from one hypothesis to another</a:t>
-            </a:r>
-            <a:endParaRPr lang="en-US" sz="2800" dirty="0"/>
-          </a:p>
-        </p:txBody>
-      </p:sp>
-    </p:spTree>
-    <p:extLst>
-      <p:ext uri="{BB962C8B-B14F-4D97-AF65-F5344CB8AC3E}">
-        <p14:creationId xmlns:p14="http://schemas.microsoft.com/office/powerpoint/2010/main" val="3566025223"/>
-      </p:ext>
-    </p:extLst>
-  </p:cSld>
-  <p:clrMapOvr>
-    <a:masterClrMapping/>
-  </p:clrMapOvr>
-</p:sld>
-</file>
-
-<file path=ppt/slides/slide18.xml><?xml version="1.0" encoding="utf-8"?>
-<p:sld xmlns:a="http://schemas.openxmlformats.org/drawingml/2006/main" xmlns:r="http://schemas.openxmlformats.org/officeDocument/2006/relationships" xmlns:p="http://schemas.openxmlformats.org/presentationml/2006/main">
-  <p:cSld>
-    <p:spTree>
-      <p:nvGrpSpPr>
-        <p:cNvPr id="1" name=""/>
-        <p:cNvGrpSpPr/>
-        <p:nvPr/>
-      </p:nvGrpSpPr>
-      <p:grpSpPr>
-        <a:xfrm>
-          <a:off x="0" y="0"/>
-          <a:ext cx="0" cy="0"/>
-          <a:chOff x="0" y="0"/>
-          <a:chExt cx="0" cy="0"/>
-        </a:xfrm>
-      </p:grpSpPr>
-      <p:sp>
-        <p:nvSpPr>
-          <p:cNvPr id="2" name="Title 1"/>
-          <p:cNvSpPr>
-            <a:spLocks noGrp="1"/>
-          </p:cNvSpPr>
-          <p:nvPr>
-            <p:ph type="title"/>
-          </p:nvPr>
-        </p:nvSpPr>
-        <p:spPr/>
-        <p:txBody>
-          <a:bodyPr/>
-          <a:lstStyle/>
-          <a:p>
-            <a:r>
-              <a:rPr lang="en-US" dirty="0" smtClean="0"/>
-              <a:t>Application (Activity Scheduling)</a:t>
-            </a:r>
-            <a:endParaRPr lang="en-US" dirty="0"/>
-          </a:p>
-        </p:txBody>
-      </p:sp>
-      <p:sp>
-        <p:nvSpPr>
-          <p:cNvPr id="3" name="Content Placeholder 2"/>
-          <p:cNvSpPr>
-            <a:spLocks noGrp="1"/>
-          </p:cNvSpPr>
-          <p:nvPr>
-            <p:ph idx="1"/>
-          </p:nvPr>
-        </p:nvSpPr>
-        <p:spPr/>
-        <p:txBody>
-          <a:bodyPr>
-            <a:noAutofit/>
-          </a:bodyPr>
-          <a:lstStyle/>
-          <a:p>
-            <a:r>
-              <a:rPr lang="en-US" b="1" dirty="0" smtClean="0"/>
-              <a:t>Fitness</a:t>
-            </a:r>
-            <a:r>
-              <a:rPr lang="en-US" dirty="0" smtClean="0"/>
-              <a:t> = 1 / (punishment + 1)</a:t>
-            </a:r>
-          </a:p>
-          <a:p>
-            <a:r>
-              <a:rPr lang="en-US" b="1" dirty="0" smtClean="0"/>
-              <a:t>Punishment</a:t>
-            </a:r>
-            <a:r>
-              <a:rPr lang="en-US" dirty="0" smtClean="0"/>
-              <a:t> = sum of all conflicts</a:t>
-            </a:r>
-          </a:p>
-          <a:p>
-            <a:pPr lvl="1"/>
-            <a:r>
-              <a:rPr lang="en-US" dirty="0"/>
-              <a:t>For each date and time conflict regardless of target group, add 2 punishment points.</a:t>
-            </a:r>
-          </a:p>
-          <a:p>
-            <a:pPr lvl="1"/>
-            <a:r>
-              <a:rPr lang="en-US" dirty="0"/>
-              <a:t>For each date and time conflict with intersecting target groups, add 7 punishment points.</a:t>
-            </a:r>
-          </a:p>
-          <a:p>
-            <a:pPr lvl="1"/>
-            <a:r>
-              <a:rPr lang="en-US" dirty="0"/>
-              <a:t>For each date and time conflict with same venue, add 10 punishment points.</a:t>
-            </a:r>
-          </a:p>
-          <a:p>
-            <a:pPr lvl="1"/>
-            <a:r>
-              <a:rPr lang="en-US" dirty="0"/>
-              <a:t>For each pair of activities where one activity takes place after the other on the same day, add 3 punishment points</a:t>
-            </a:r>
-            <a:r>
-              <a:rPr lang="en-US" dirty="0" smtClean="0"/>
-              <a:t>.</a:t>
-            </a:r>
-          </a:p>
-          <a:p>
-            <a:r>
-              <a:rPr lang="en-US" dirty="0" smtClean="0"/>
-              <a:t>Punishment stacks up</a:t>
-            </a:r>
-            <a:endParaRPr lang="en-US" dirty="0"/>
-          </a:p>
-          <a:p>
-            <a:endParaRPr lang="en-US" dirty="0"/>
-          </a:p>
-        </p:txBody>
-      </p:sp>
-    </p:spTree>
-    <p:extLst>
-      <p:ext uri="{BB962C8B-B14F-4D97-AF65-F5344CB8AC3E}">
-        <p14:creationId xmlns:p14="http://schemas.microsoft.com/office/powerpoint/2010/main" val="3577914318"/>
-      </p:ext>
-    </p:extLst>
-  </p:cSld>
-  <p:clrMapOvr>
-    <a:masterClrMapping/>
-  </p:clrMapOvr>
-</p:sld>
-</file>
-
 <file path=ppt/slides/slide19.xml><?xml version="1.0" encoding="utf-8"?>
 <p:sld xmlns:a="http://schemas.openxmlformats.org/drawingml/2006/main" xmlns:r="http://schemas.openxmlformats.org/officeDocument/2006/relationships" xmlns:p="http://schemas.openxmlformats.org/presentationml/2006/main">
   <p:cSld>
@@ -4704,7 +7762,7 @@
           <a:p>
             <a:r>
               <a:rPr lang="en-US" dirty="0" smtClean="0"/>
-              <a:t>Chromosome Design</a:t>
+              <a:t>Analysis</a:t>
             </a:r>
             <a:endParaRPr lang="en-US" dirty="0"/>
           </a:p>
@@ -4722,501 +7780,55 @@
         </p:nvSpPr>
         <p:spPr/>
         <p:txBody>
-          <a:bodyPr/>
+          <a:bodyPr>
+            <a:noAutofit/>
+          </a:bodyPr>
           <a:lstStyle/>
           <a:p>
             <a:r>
-              <a:rPr lang="en-US" dirty="0" smtClean="0"/>
-              <a:t>Units – assigned times</a:t>
-            </a:r>
-          </a:p>
-          <a:p>
-            <a:endParaRPr lang="en-US" dirty="0"/>
+              <a:rPr lang="en-US" sz="2400" dirty="0" smtClean="0"/>
+              <a:t>Commonly used for optimization problems</a:t>
+            </a:r>
+          </a:p>
+          <a:p>
+            <a:r>
+              <a:rPr lang="en-US" sz="2400" dirty="0" smtClean="0"/>
+              <a:t>Usually used for complex problems e.g. NP-class of problems</a:t>
+            </a:r>
+          </a:p>
+          <a:p>
+            <a:r>
+              <a:rPr lang="en-US" sz="2400" dirty="0" smtClean="0"/>
+              <a:t>GA’s prefer certain schemata</a:t>
+            </a:r>
+          </a:p>
+          <a:p>
+            <a:pPr lvl="1"/>
+            <a:r>
+              <a:rPr lang="en-US" sz="2000" dirty="0" smtClean="0"/>
+              <a:t>E.g. n-queens solution that follow the 1 </a:t>
+            </a:r>
+            <a:r>
+              <a:rPr lang="en-US" sz="2000" dirty="0" smtClean="0"/>
+              <a:t>4 </a:t>
+            </a:r>
+            <a:r>
+              <a:rPr lang="en-US" sz="2000" dirty="0" smtClean="0"/>
+              <a:t>* * schemata are better than those with a 4 * 4 * schemata</a:t>
+            </a:r>
+          </a:p>
+          <a:p>
+            <a:r>
+              <a:rPr lang="en-US" sz="2400" dirty="0" smtClean="0"/>
+              <a:t>Crowding</a:t>
+            </a:r>
           </a:p>
         </p:txBody>
       </p:sp>
-      <p:graphicFrame>
-        <p:nvGraphicFramePr>
-          <p:cNvPr id="4" name="Table 3"/>
-          <p:cNvGraphicFramePr>
-            <a:graphicFrameLocks noGrp="1"/>
-          </p:cNvGraphicFramePr>
-          <p:nvPr>
-            <p:extLst>
-              <p:ext uri="{D42A27DB-BD31-4B8C-83A1-F6EECF244321}">
-                <p14:modId xmlns:p14="http://schemas.microsoft.com/office/powerpoint/2010/main" val="1544345965"/>
-              </p:ext>
-            </p:extLst>
-          </p:nvPr>
-        </p:nvGraphicFramePr>
-        <p:xfrm>
-          <a:off x="2231135" y="2433745"/>
-          <a:ext cx="7729729" cy="3469515"/>
-        </p:xfrm>
-        <a:graphic>
-          <a:graphicData uri="http://schemas.openxmlformats.org/drawingml/2006/table">
-            <a:tbl>
-              <a:tblPr firstRow="1" firstCol="1" bandRow="1">
-                <a:tableStyleId>{21E4AEA4-8DFA-4A89-87EB-49C32662AFE0}</a:tableStyleId>
-              </a:tblPr>
-              <a:tblGrid>
-                <a:gridCol w="1096923"/>
-                <a:gridCol w="3328236"/>
-                <a:gridCol w="3304570"/>
-              </a:tblGrid>
-              <a:tr h="693903">
-                <a:tc>
-                  <a:txBody>
-                    <a:bodyPr/>
-                    <a:lstStyle/>
-                    <a:p>
-                      <a:pPr marL="0" marR="0" algn="just">
-                        <a:spcBef>
-                          <a:spcPts val="600"/>
-                        </a:spcBef>
-                        <a:spcAft>
-                          <a:spcPts val="0"/>
-                        </a:spcAft>
-                      </a:pPr>
-                      <a:r>
-                        <a:rPr lang="en-US" sz="2400" spc="10" dirty="0">
-                          <a:effectLst/>
-                          <a:latin typeface="+mn-lt"/>
-                        </a:rPr>
-                        <a:t> </a:t>
-                      </a:r>
-                      <a:endParaRPr lang="en-US" sz="2400" dirty="0">
-                        <a:effectLst/>
-                        <a:latin typeface="+mn-lt"/>
-                        <a:ea typeface="Times New Roman" panose="02020603050405020304" pitchFamily="18" charset="0"/>
-                      </a:endParaRPr>
-                    </a:p>
-                  </a:txBody>
-                  <a:tcPr marL="137160" marR="137160" marT="137160" marB="137160"/>
-                </a:tc>
-                <a:tc>
-                  <a:txBody>
-                    <a:bodyPr/>
-                    <a:lstStyle/>
-                    <a:p>
-                      <a:pPr marL="0" marR="0" algn="just">
-                        <a:spcBef>
-                          <a:spcPts val="600"/>
-                        </a:spcBef>
-                        <a:spcAft>
-                          <a:spcPts val="0"/>
-                        </a:spcAft>
-                      </a:pPr>
-                      <a:r>
-                        <a:rPr lang="en-US" sz="2400" spc="10">
-                          <a:effectLst/>
-                          <a:latin typeface="+mn-lt"/>
-                        </a:rPr>
-                        <a:t>Chromosome 1</a:t>
-                      </a:r>
-                      <a:endParaRPr lang="en-US" sz="2400">
-                        <a:effectLst/>
-                        <a:latin typeface="+mn-lt"/>
-                        <a:ea typeface="Times New Roman" panose="02020603050405020304" pitchFamily="18" charset="0"/>
-                      </a:endParaRPr>
-                    </a:p>
-                  </a:txBody>
-                  <a:tcPr marL="137160" marR="137160" marT="137160" marB="137160"/>
-                </a:tc>
-                <a:tc>
-                  <a:txBody>
-                    <a:bodyPr/>
-                    <a:lstStyle/>
-                    <a:p>
-                      <a:pPr marL="0" marR="0" algn="just">
-                        <a:spcBef>
-                          <a:spcPts val="600"/>
-                        </a:spcBef>
-                        <a:spcAft>
-                          <a:spcPts val="0"/>
-                        </a:spcAft>
-                      </a:pPr>
-                      <a:r>
-                        <a:rPr lang="en-US" sz="2400" spc="10" dirty="0">
-                          <a:effectLst/>
-                          <a:latin typeface="+mn-lt"/>
-                        </a:rPr>
-                        <a:t>Chromosome 2</a:t>
-                      </a:r>
-                      <a:endParaRPr lang="en-US" sz="2400" dirty="0">
-                        <a:effectLst/>
-                        <a:latin typeface="+mn-lt"/>
-                        <a:ea typeface="Times New Roman" panose="02020603050405020304" pitchFamily="18" charset="0"/>
-                      </a:endParaRPr>
-                    </a:p>
-                  </a:txBody>
-                  <a:tcPr marL="137160" marR="137160" marT="137160" marB="137160"/>
-                </a:tc>
-              </a:tr>
-              <a:tr h="693903">
-                <a:tc>
-                  <a:txBody>
-                    <a:bodyPr/>
-                    <a:lstStyle/>
-                    <a:p>
-                      <a:pPr marL="0" marR="0" algn="just">
-                        <a:spcBef>
-                          <a:spcPts val="600"/>
-                        </a:spcBef>
-                        <a:spcAft>
-                          <a:spcPts val="0"/>
-                        </a:spcAft>
-                      </a:pPr>
-                      <a:r>
-                        <a:rPr lang="en-US" sz="2400" spc="10">
-                          <a:effectLst/>
-                          <a:latin typeface="+mn-lt"/>
-                        </a:rPr>
-                        <a:t>Act 1</a:t>
-                      </a:r>
-                      <a:endParaRPr lang="en-US" sz="2400">
-                        <a:effectLst/>
-                        <a:latin typeface="+mn-lt"/>
-                        <a:ea typeface="Times New Roman" panose="02020603050405020304" pitchFamily="18" charset="0"/>
-                      </a:endParaRPr>
-                    </a:p>
-                  </a:txBody>
-                  <a:tcPr marL="137160" marR="137160" marT="137160" marB="137160"/>
-                </a:tc>
-                <a:tc>
-                  <a:txBody>
-                    <a:bodyPr/>
-                    <a:lstStyle/>
-                    <a:p>
-                      <a:pPr marL="0" marR="0" algn="just">
-                        <a:spcBef>
-                          <a:spcPts val="600"/>
-                        </a:spcBef>
-                        <a:spcAft>
-                          <a:spcPts val="0"/>
-                        </a:spcAft>
-                      </a:pPr>
-                      <a:r>
-                        <a:rPr lang="en-US" sz="2400" spc="10" dirty="0">
-                          <a:effectLst/>
-                          <a:latin typeface="+mn-lt"/>
-                        </a:rPr>
-                        <a:t>08/12/16 14:00:00</a:t>
-                      </a:r>
-                      <a:endParaRPr lang="en-US" sz="2400" dirty="0">
-                        <a:effectLst/>
-                        <a:latin typeface="+mn-lt"/>
-                        <a:ea typeface="Times New Roman" panose="02020603050405020304" pitchFamily="18" charset="0"/>
-                      </a:endParaRPr>
-                    </a:p>
-                  </a:txBody>
-                  <a:tcPr marL="137160" marR="137160" marT="137160" marB="137160"/>
-                </a:tc>
-                <a:tc>
-                  <a:txBody>
-                    <a:bodyPr/>
-                    <a:lstStyle/>
-                    <a:p>
-                      <a:pPr marL="0" marR="0" algn="just">
-                        <a:spcBef>
-                          <a:spcPts val="600"/>
-                        </a:spcBef>
-                        <a:spcAft>
-                          <a:spcPts val="0"/>
-                        </a:spcAft>
-                      </a:pPr>
-                      <a:r>
-                        <a:rPr lang="en-US" sz="2400" spc="10">
-                          <a:effectLst/>
-                          <a:latin typeface="+mn-lt"/>
-                        </a:rPr>
-                        <a:t>08/19/16 13:00:00</a:t>
-                      </a:r>
-                      <a:endParaRPr lang="en-US" sz="2400">
-                        <a:effectLst/>
-                        <a:latin typeface="+mn-lt"/>
-                        <a:ea typeface="Times New Roman" panose="02020603050405020304" pitchFamily="18" charset="0"/>
-                      </a:endParaRPr>
-                    </a:p>
-                  </a:txBody>
-                  <a:tcPr marL="137160" marR="137160" marT="137160" marB="137160"/>
-                </a:tc>
-              </a:tr>
-              <a:tr h="693903">
-                <a:tc>
-                  <a:txBody>
-                    <a:bodyPr/>
-                    <a:lstStyle/>
-                    <a:p>
-                      <a:pPr marL="0" marR="0" algn="just">
-                        <a:spcBef>
-                          <a:spcPts val="600"/>
-                        </a:spcBef>
-                        <a:spcAft>
-                          <a:spcPts val="0"/>
-                        </a:spcAft>
-                      </a:pPr>
-                      <a:r>
-                        <a:rPr lang="en-US" sz="2400" spc="10">
-                          <a:effectLst/>
-                          <a:latin typeface="+mn-lt"/>
-                        </a:rPr>
-                        <a:t>Act 2</a:t>
-                      </a:r>
-                      <a:endParaRPr lang="en-US" sz="2400">
-                        <a:effectLst/>
-                        <a:latin typeface="+mn-lt"/>
-                        <a:ea typeface="Times New Roman" panose="02020603050405020304" pitchFamily="18" charset="0"/>
-                      </a:endParaRPr>
-                    </a:p>
-                  </a:txBody>
-                  <a:tcPr marL="137160" marR="137160" marT="137160" marB="137160"/>
-                </a:tc>
-                <a:tc>
-                  <a:txBody>
-                    <a:bodyPr/>
-                    <a:lstStyle/>
-                    <a:p>
-                      <a:pPr marL="0" marR="0" algn="just">
-                        <a:spcBef>
-                          <a:spcPts val="600"/>
-                        </a:spcBef>
-                        <a:spcAft>
-                          <a:spcPts val="0"/>
-                        </a:spcAft>
-                      </a:pPr>
-                      <a:r>
-                        <a:rPr lang="en-US" sz="2400" spc="10" dirty="0">
-                          <a:effectLst/>
-                          <a:latin typeface="+mn-lt"/>
-                        </a:rPr>
-                        <a:t>09/01/16 12:30:00</a:t>
-                      </a:r>
-                      <a:endParaRPr lang="en-US" sz="2400" dirty="0">
-                        <a:effectLst/>
-                        <a:latin typeface="+mn-lt"/>
-                        <a:ea typeface="Times New Roman" panose="02020603050405020304" pitchFamily="18" charset="0"/>
-                      </a:endParaRPr>
-                    </a:p>
-                  </a:txBody>
-                  <a:tcPr marL="137160" marR="137160" marT="137160" marB="137160"/>
-                </a:tc>
-                <a:tc>
-                  <a:txBody>
-                    <a:bodyPr/>
-                    <a:lstStyle/>
-                    <a:p>
-                      <a:pPr marL="0" marR="0" algn="just">
-                        <a:spcBef>
-                          <a:spcPts val="600"/>
-                        </a:spcBef>
-                        <a:spcAft>
-                          <a:spcPts val="0"/>
-                        </a:spcAft>
-                      </a:pPr>
-                      <a:r>
-                        <a:rPr lang="en-US" sz="2400" spc="10">
-                          <a:effectLst/>
-                          <a:latin typeface="+mn-lt"/>
-                        </a:rPr>
-                        <a:t>09/08/16 12:45:00</a:t>
-                      </a:r>
-                      <a:endParaRPr lang="en-US" sz="2400">
-                        <a:effectLst/>
-                        <a:latin typeface="+mn-lt"/>
-                        <a:ea typeface="Times New Roman" panose="02020603050405020304" pitchFamily="18" charset="0"/>
-                      </a:endParaRPr>
-                    </a:p>
-                  </a:txBody>
-                  <a:tcPr marL="137160" marR="137160" marT="137160" marB="137160"/>
-                </a:tc>
-              </a:tr>
-              <a:tr h="693903">
-                <a:tc>
-                  <a:txBody>
-                    <a:bodyPr/>
-                    <a:lstStyle/>
-                    <a:p>
-                      <a:pPr marL="0" marR="0" algn="just">
-                        <a:spcBef>
-                          <a:spcPts val="600"/>
-                        </a:spcBef>
-                        <a:spcAft>
-                          <a:spcPts val="0"/>
-                        </a:spcAft>
-                      </a:pPr>
-                      <a:r>
-                        <a:rPr lang="en-US" sz="2400" spc="10">
-                          <a:effectLst/>
-                          <a:latin typeface="+mn-lt"/>
-                        </a:rPr>
-                        <a:t>Act 3</a:t>
-                      </a:r>
-                      <a:endParaRPr lang="en-US" sz="2400">
-                        <a:effectLst/>
-                        <a:latin typeface="+mn-lt"/>
-                        <a:ea typeface="Times New Roman" panose="02020603050405020304" pitchFamily="18" charset="0"/>
-                      </a:endParaRPr>
-                    </a:p>
-                  </a:txBody>
-                  <a:tcPr marL="137160" marR="137160" marT="137160" marB="137160"/>
-                </a:tc>
-                <a:tc>
-                  <a:txBody>
-                    <a:bodyPr/>
-                    <a:lstStyle/>
-                    <a:p>
-                      <a:pPr marL="0" marR="0" algn="just">
-                        <a:spcBef>
-                          <a:spcPts val="600"/>
-                        </a:spcBef>
-                        <a:spcAft>
-                          <a:spcPts val="0"/>
-                        </a:spcAft>
-                      </a:pPr>
-                      <a:r>
-                        <a:rPr lang="en-US" sz="2400" spc="10">
-                          <a:effectLst/>
-                          <a:latin typeface="+mn-lt"/>
-                        </a:rPr>
-                        <a:t>08/15/16 08:00:00</a:t>
-                      </a:r>
-                      <a:endParaRPr lang="en-US" sz="2400">
-                        <a:effectLst/>
-                        <a:latin typeface="+mn-lt"/>
-                        <a:ea typeface="Times New Roman" panose="02020603050405020304" pitchFamily="18" charset="0"/>
-                      </a:endParaRPr>
-                    </a:p>
-                  </a:txBody>
-                  <a:tcPr marL="137160" marR="137160" marT="137160" marB="137160"/>
-                </a:tc>
-                <a:tc>
-                  <a:txBody>
-                    <a:bodyPr/>
-                    <a:lstStyle/>
-                    <a:p>
-                      <a:pPr marL="0" marR="0" algn="just">
-                        <a:spcBef>
-                          <a:spcPts val="600"/>
-                        </a:spcBef>
-                        <a:spcAft>
-                          <a:spcPts val="0"/>
-                        </a:spcAft>
-                      </a:pPr>
-                      <a:r>
-                        <a:rPr lang="en-US" sz="2400" spc="10">
-                          <a:effectLst/>
-                          <a:latin typeface="+mn-lt"/>
-                        </a:rPr>
-                        <a:t>09/01/16 10:45:00</a:t>
-                      </a:r>
-                      <a:endParaRPr lang="en-US" sz="2400">
-                        <a:effectLst/>
-                        <a:latin typeface="+mn-lt"/>
-                        <a:ea typeface="Times New Roman" panose="02020603050405020304" pitchFamily="18" charset="0"/>
-                      </a:endParaRPr>
-                    </a:p>
-                  </a:txBody>
-                  <a:tcPr marL="137160" marR="137160" marT="137160" marB="137160"/>
-                </a:tc>
-              </a:tr>
-              <a:tr h="693903">
-                <a:tc>
-                  <a:txBody>
-                    <a:bodyPr/>
-                    <a:lstStyle/>
-                    <a:p>
-                      <a:pPr marL="0" marR="0" algn="just">
-                        <a:spcBef>
-                          <a:spcPts val="600"/>
-                        </a:spcBef>
-                        <a:spcAft>
-                          <a:spcPts val="0"/>
-                        </a:spcAft>
-                      </a:pPr>
-                      <a:r>
-                        <a:rPr lang="en-US" sz="2400" spc="10">
-                          <a:effectLst/>
-                          <a:latin typeface="+mn-lt"/>
-                        </a:rPr>
-                        <a:t>Act 4</a:t>
-                      </a:r>
-                      <a:endParaRPr lang="en-US" sz="2400">
-                        <a:effectLst/>
-                        <a:latin typeface="+mn-lt"/>
-                        <a:ea typeface="Times New Roman" panose="02020603050405020304" pitchFamily="18" charset="0"/>
-                      </a:endParaRPr>
-                    </a:p>
-                  </a:txBody>
-                  <a:tcPr marL="137160" marR="137160" marT="137160" marB="137160"/>
-                </a:tc>
-                <a:tc>
-                  <a:txBody>
-                    <a:bodyPr/>
-                    <a:lstStyle/>
-                    <a:p>
-                      <a:pPr marL="0" marR="0" algn="just">
-                        <a:spcBef>
-                          <a:spcPts val="600"/>
-                        </a:spcBef>
-                        <a:spcAft>
-                          <a:spcPts val="0"/>
-                        </a:spcAft>
-                      </a:pPr>
-                      <a:r>
-                        <a:rPr lang="en-US" sz="2400" spc="10">
-                          <a:effectLst/>
-                          <a:latin typeface="+mn-lt"/>
-                        </a:rPr>
-                        <a:t>09/03/16 11:30:00</a:t>
-                      </a:r>
-                      <a:endParaRPr lang="en-US" sz="2400">
-                        <a:effectLst/>
-                        <a:latin typeface="+mn-lt"/>
-                        <a:ea typeface="Times New Roman" panose="02020603050405020304" pitchFamily="18" charset="0"/>
-                      </a:endParaRPr>
-                    </a:p>
-                  </a:txBody>
-                  <a:tcPr marL="137160" marR="137160" marT="137160" marB="137160"/>
-                </a:tc>
-                <a:tc>
-                  <a:txBody>
-                    <a:bodyPr/>
-                    <a:lstStyle/>
-                    <a:p>
-                      <a:pPr marL="0" marR="0" algn="just">
-                        <a:spcBef>
-                          <a:spcPts val="600"/>
-                        </a:spcBef>
-                        <a:spcAft>
-                          <a:spcPts val="0"/>
-                        </a:spcAft>
-                      </a:pPr>
-                      <a:r>
-                        <a:rPr lang="en-US" sz="2400" spc="10" dirty="0">
-                          <a:effectLst/>
-                          <a:latin typeface="+mn-lt"/>
-                        </a:rPr>
-                        <a:t>09/05/16 12:00:00</a:t>
-                      </a:r>
-                      <a:endParaRPr lang="en-US" sz="2400" dirty="0">
-                        <a:effectLst/>
-                        <a:latin typeface="+mn-lt"/>
-                        <a:ea typeface="Times New Roman" panose="02020603050405020304" pitchFamily="18" charset="0"/>
-                      </a:endParaRPr>
-                    </a:p>
-                  </a:txBody>
-                  <a:tcPr marL="137160" marR="137160" marT="137160" marB="137160"/>
-                </a:tc>
-              </a:tr>
-            </a:tbl>
-          </a:graphicData>
-        </a:graphic>
-      </p:graphicFrame>
     </p:spTree>
     <p:extLst>
       <p:ext uri="{BB962C8B-B14F-4D97-AF65-F5344CB8AC3E}">
-        <p14:creationId xmlns:p14="http://schemas.microsoft.com/office/powerpoint/2010/main" val="1642783834"/>
+        <p14:creationId xmlns:p14="http://schemas.microsoft.com/office/powerpoint/2010/main" val="1392218456"/>
       </p:ext>
     </p:extLst>
   </p:cSld>
@@ -5382,6 +7994,779 @@
           <a:p>
             <a:r>
               <a:rPr lang="en-US" dirty="0" smtClean="0"/>
+              <a:t>Vs. Neural Networks</a:t>
+            </a:r>
+            <a:endParaRPr lang="en-US" dirty="0"/>
+          </a:p>
+        </p:txBody>
+      </p:sp>
+      <p:sp>
+        <p:nvSpPr>
+          <p:cNvPr id="3" name="Content Placeholder 2"/>
+          <p:cNvSpPr>
+            <a:spLocks noGrp="1"/>
+          </p:cNvSpPr>
+          <p:nvPr>
+            <p:ph idx="1"/>
+          </p:nvPr>
+        </p:nvSpPr>
+        <p:spPr/>
+        <p:txBody>
+          <a:bodyPr>
+            <a:normAutofit/>
+          </a:bodyPr>
+          <a:lstStyle/>
+          <a:p>
+            <a:r>
+              <a:rPr lang="en-US" sz="2800" dirty="0" smtClean="0"/>
+              <a:t>Neural Networks move from one hypothesis to another slowly</a:t>
+            </a:r>
+          </a:p>
+          <a:p>
+            <a:r>
+              <a:rPr lang="en-US" sz="2800" dirty="0" smtClean="0"/>
+              <a:t>GA may move quickly from one hypothesis to another</a:t>
+            </a:r>
+            <a:endParaRPr lang="en-US" sz="2800" dirty="0"/>
+          </a:p>
+        </p:txBody>
+      </p:sp>
+    </p:spTree>
+    <p:extLst>
+      <p:ext uri="{BB962C8B-B14F-4D97-AF65-F5344CB8AC3E}">
+        <p14:creationId xmlns:p14="http://schemas.microsoft.com/office/powerpoint/2010/main" val="3566025223"/>
+      </p:ext>
+    </p:extLst>
+  </p:cSld>
+  <p:clrMapOvr>
+    <a:masterClrMapping/>
+  </p:clrMapOvr>
+</p:sld>
+</file>
+
+<file path=ppt/slides/slide21.xml><?xml version="1.0" encoding="utf-8"?>
+<p:sld xmlns:a="http://schemas.openxmlformats.org/drawingml/2006/main" xmlns:r="http://schemas.openxmlformats.org/officeDocument/2006/relationships" xmlns:p="http://schemas.openxmlformats.org/presentationml/2006/main">
+  <p:cSld>
+    <p:spTree>
+      <p:nvGrpSpPr>
+        <p:cNvPr id="1" name=""/>
+        <p:cNvGrpSpPr/>
+        <p:nvPr/>
+      </p:nvGrpSpPr>
+      <p:grpSpPr>
+        <a:xfrm>
+          <a:off x="0" y="0"/>
+          <a:ext cx="0" cy="0"/>
+          <a:chOff x="0" y="0"/>
+          <a:chExt cx="0" cy="0"/>
+        </a:xfrm>
+      </p:grpSpPr>
+      <p:sp>
+        <p:nvSpPr>
+          <p:cNvPr id="2" name="Title 1"/>
+          <p:cNvSpPr>
+            <a:spLocks noGrp="1"/>
+          </p:cNvSpPr>
+          <p:nvPr>
+            <p:ph type="title"/>
+          </p:nvPr>
+        </p:nvSpPr>
+        <p:spPr/>
+        <p:txBody>
+          <a:bodyPr/>
+          <a:lstStyle/>
+          <a:p>
+            <a:r>
+              <a:rPr lang="en-US" dirty="0" smtClean="0"/>
+              <a:t>Application (Activity Scheduling)</a:t>
+            </a:r>
+            <a:endParaRPr lang="en-US" dirty="0"/>
+          </a:p>
+        </p:txBody>
+      </p:sp>
+      <p:sp>
+        <p:nvSpPr>
+          <p:cNvPr id="3" name="Content Placeholder 2"/>
+          <p:cNvSpPr>
+            <a:spLocks noGrp="1"/>
+          </p:cNvSpPr>
+          <p:nvPr>
+            <p:ph idx="1"/>
+          </p:nvPr>
+        </p:nvSpPr>
+        <p:spPr/>
+        <p:txBody>
+          <a:bodyPr>
+            <a:noAutofit/>
+          </a:bodyPr>
+          <a:lstStyle/>
+          <a:p>
+            <a:r>
+              <a:rPr lang="en-US" b="1" dirty="0" smtClean="0"/>
+              <a:t>Fitness</a:t>
+            </a:r>
+            <a:r>
+              <a:rPr lang="en-US" dirty="0" smtClean="0"/>
+              <a:t> = 1 / (punishment + 1)</a:t>
+            </a:r>
+          </a:p>
+          <a:p>
+            <a:r>
+              <a:rPr lang="en-US" b="1" dirty="0" smtClean="0"/>
+              <a:t>Punishment</a:t>
+            </a:r>
+            <a:r>
+              <a:rPr lang="en-US" dirty="0" smtClean="0"/>
+              <a:t> = sum of all conflicts</a:t>
+            </a:r>
+          </a:p>
+          <a:p>
+            <a:pPr lvl="1"/>
+            <a:r>
+              <a:rPr lang="en-US" dirty="0"/>
+              <a:t>For each date and time conflict regardless of target group, add 2 punishment points.</a:t>
+            </a:r>
+          </a:p>
+          <a:p>
+            <a:pPr lvl="1"/>
+            <a:r>
+              <a:rPr lang="en-US" dirty="0"/>
+              <a:t>For each date and time conflict with intersecting target groups, add 7 punishment points.</a:t>
+            </a:r>
+          </a:p>
+          <a:p>
+            <a:pPr lvl="1"/>
+            <a:r>
+              <a:rPr lang="en-US" dirty="0"/>
+              <a:t>For each date and time conflict with same venue, add 10 punishment points.</a:t>
+            </a:r>
+          </a:p>
+          <a:p>
+            <a:pPr lvl="1"/>
+            <a:r>
+              <a:rPr lang="en-US" dirty="0"/>
+              <a:t>For each pair of activities where one activity takes place after the other on the same day, add 3 punishment points</a:t>
+            </a:r>
+            <a:r>
+              <a:rPr lang="en-US" dirty="0" smtClean="0"/>
+              <a:t>.</a:t>
+            </a:r>
+          </a:p>
+          <a:p>
+            <a:r>
+              <a:rPr lang="en-US" dirty="0" smtClean="0"/>
+              <a:t>Punishment stacks up</a:t>
+            </a:r>
+            <a:endParaRPr lang="en-US" dirty="0"/>
+          </a:p>
+          <a:p>
+            <a:endParaRPr lang="en-US" dirty="0"/>
+          </a:p>
+        </p:txBody>
+      </p:sp>
+    </p:spTree>
+    <p:extLst>
+      <p:ext uri="{BB962C8B-B14F-4D97-AF65-F5344CB8AC3E}">
+        <p14:creationId xmlns:p14="http://schemas.microsoft.com/office/powerpoint/2010/main" val="3577914318"/>
+      </p:ext>
+    </p:extLst>
+  </p:cSld>
+  <p:clrMapOvr>
+    <a:masterClrMapping/>
+  </p:clrMapOvr>
+</p:sld>
+</file>
+
+<file path=ppt/slides/slide22.xml><?xml version="1.0" encoding="utf-8"?>
+<p:sld xmlns:a="http://schemas.openxmlformats.org/drawingml/2006/main" xmlns:r="http://schemas.openxmlformats.org/officeDocument/2006/relationships" xmlns:p="http://schemas.openxmlformats.org/presentationml/2006/main">
+  <p:cSld>
+    <p:spTree>
+      <p:nvGrpSpPr>
+        <p:cNvPr id="1" name=""/>
+        <p:cNvGrpSpPr/>
+        <p:nvPr/>
+      </p:nvGrpSpPr>
+      <p:grpSpPr>
+        <a:xfrm>
+          <a:off x="0" y="0"/>
+          <a:ext cx="0" cy="0"/>
+          <a:chOff x="0" y="0"/>
+          <a:chExt cx="0" cy="0"/>
+        </a:xfrm>
+      </p:grpSpPr>
+      <p:sp>
+        <p:nvSpPr>
+          <p:cNvPr id="2" name="Title 1"/>
+          <p:cNvSpPr>
+            <a:spLocks noGrp="1"/>
+          </p:cNvSpPr>
+          <p:nvPr>
+            <p:ph type="title"/>
+          </p:nvPr>
+        </p:nvSpPr>
+        <p:spPr/>
+        <p:txBody>
+          <a:bodyPr/>
+          <a:lstStyle/>
+          <a:p>
+            <a:r>
+              <a:rPr lang="en-US" dirty="0" smtClean="0"/>
+              <a:t>Chromosome Design</a:t>
+            </a:r>
+            <a:endParaRPr lang="en-US" dirty="0"/>
+          </a:p>
+        </p:txBody>
+      </p:sp>
+      <p:sp>
+        <p:nvSpPr>
+          <p:cNvPr id="3" name="Content Placeholder 2"/>
+          <p:cNvSpPr>
+            <a:spLocks noGrp="1"/>
+          </p:cNvSpPr>
+          <p:nvPr>
+            <p:ph idx="1"/>
+          </p:nvPr>
+        </p:nvSpPr>
+        <p:spPr/>
+        <p:txBody>
+          <a:bodyPr/>
+          <a:lstStyle/>
+          <a:p>
+            <a:r>
+              <a:rPr lang="en-US" dirty="0" smtClean="0"/>
+              <a:t>Units – assigned times</a:t>
+            </a:r>
+          </a:p>
+          <a:p>
+            <a:endParaRPr lang="en-US" dirty="0"/>
+          </a:p>
+        </p:txBody>
+      </p:sp>
+      <p:graphicFrame>
+        <p:nvGraphicFramePr>
+          <p:cNvPr id="4" name="Table 3"/>
+          <p:cNvGraphicFramePr>
+            <a:graphicFrameLocks noGrp="1"/>
+          </p:cNvGraphicFramePr>
+          <p:nvPr>
+            <p:extLst>
+              <p:ext uri="{D42A27DB-BD31-4B8C-83A1-F6EECF244321}">
+                <p14:modId xmlns:p14="http://schemas.microsoft.com/office/powerpoint/2010/main" val="1544345965"/>
+              </p:ext>
+            </p:extLst>
+          </p:nvPr>
+        </p:nvGraphicFramePr>
+        <p:xfrm>
+          <a:off x="2231135" y="2433745"/>
+          <a:ext cx="7729729" cy="3469515"/>
+        </p:xfrm>
+        <a:graphic>
+          <a:graphicData uri="http://schemas.openxmlformats.org/drawingml/2006/table">
+            <a:tbl>
+              <a:tblPr firstRow="1" firstCol="1" bandRow="1">
+                <a:tableStyleId>{21E4AEA4-8DFA-4A89-87EB-49C32662AFE0}</a:tableStyleId>
+              </a:tblPr>
+              <a:tblGrid>
+                <a:gridCol w="1096923"/>
+                <a:gridCol w="3328236"/>
+                <a:gridCol w="3304570"/>
+              </a:tblGrid>
+              <a:tr h="693903">
+                <a:tc>
+                  <a:txBody>
+                    <a:bodyPr/>
+                    <a:lstStyle/>
+                    <a:p>
+                      <a:pPr marL="0" marR="0" algn="just">
+                        <a:spcBef>
+                          <a:spcPts val="600"/>
+                        </a:spcBef>
+                        <a:spcAft>
+                          <a:spcPts val="0"/>
+                        </a:spcAft>
+                      </a:pPr>
+                      <a:r>
+                        <a:rPr lang="en-US" sz="2400" spc="10" dirty="0">
+                          <a:effectLst/>
+                          <a:latin typeface="+mn-lt"/>
+                        </a:rPr>
+                        <a:t> </a:t>
+                      </a:r>
+                      <a:endParaRPr lang="en-US" sz="2400" dirty="0">
+                        <a:effectLst/>
+                        <a:latin typeface="+mn-lt"/>
+                        <a:ea typeface="Times New Roman" panose="02020603050405020304" pitchFamily="18" charset="0"/>
+                      </a:endParaRPr>
+                    </a:p>
+                  </a:txBody>
+                  <a:tcPr marL="137160" marR="137160" marT="137160" marB="137160"/>
+                </a:tc>
+                <a:tc>
+                  <a:txBody>
+                    <a:bodyPr/>
+                    <a:lstStyle/>
+                    <a:p>
+                      <a:pPr marL="0" marR="0" algn="just">
+                        <a:spcBef>
+                          <a:spcPts val="600"/>
+                        </a:spcBef>
+                        <a:spcAft>
+                          <a:spcPts val="0"/>
+                        </a:spcAft>
+                      </a:pPr>
+                      <a:r>
+                        <a:rPr lang="en-US" sz="2400" spc="10">
+                          <a:effectLst/>
+                          <a:latin typeface="+mn-lt"/>
+                        </a:rPr>
+                        <a:t>Chromosome 1</a:t>
+                      </a:r>
+                      <a:endParaRPr lang="en-US" sz="2400">
+                        <a:effectLst/>
+                        <a:latin typeface="+mn-lt"/>
+                        <a:ea typeface="Times New Roman" panose="02020603050405020304" pitchFamily="18" charset="0"/>
+                      </a:endParaRPr>
+                    </a:p>
+                  </a:txBody>
+                  <a:tcPr marL="137160" marR="137160" marT="137160" marB="137160"/>
+                </a:tc>
+                <a:tc>
+                  <a:txBody>
+                    <a:bodyPr/>
+                    <a:lstStyle/>
+                    <a:p>
+                      <a:pPr marL="0" marR="0" algn="just">
+                        <a:spcBef>
+                          <a:spcPts val="600"/>
+                        </a:spcBef>
+                        <a:spcAft>
+                          <a:spcPts val="0"/>
+                        </a:spcAft>
+                      </a:pPr>
+                      <a:r>
+                        <a:rPr lang="en-US" sz="2400" spc="10" dirty="0">
+                          <a:effectLst/>
+                          <a:latin typeface="+mn-lt"/>
+                        </a:rPr>
+                        <a:t>Chromosome 2</a:t>
+                      </a:r>
+                      <a:endParaRPr lang="en-US" sz="2400" dirty="0">
+                        <a:effectLst/>
+                        <a:latin typeface="+mn-lt"/>
+                        <a:ea typeface="Times New Roman" panose="02020603050405020304" pitchFamily="18" charset="0"/>
+                      </a:endParaRPr>
+                    </a:p>
+                  </a:txBody>
+                  <a:tcPr marL="137160" marR="137160" marT="137160" marB="137160"/>
+                </a:tc>
+              </a:tr>
+              <a:tr h="693903">
+                <a:tc>
+                  <a:txBody>
+                    <a:bodyPr/>
+                    <a:lstStyle/>
+                    <a:p>
+                      <a:pPr marL="0" marR="0" algn="just">
+                        <a:spcBef>
+                          <a:spcPts val="600"/>
+                        </a:spcBef>
+                        <a:spcAft>
+                          <a:spcPts val="0"/>
+                        </a:spcAft>
+                      </a:pPr>
+                      <a:r>
+                        <a:rPr lang="en-US" sz="2400" spc="10">
+                          <a:effectLst/>
+                          <a:latin typeface="+mn-lt"/>
+                        </a:rPr>
+                        <a:t>Act 1</a:t>
+                      </a:r>
+                      <a:endParaRPr lang="en-US" sz="2400">
+                        <a:effectLst/>
+                        <a:latin typeface="+mn-lt"/>
+                        <a:ea typeface="Times New Roman" panose="02020603050405020304" pitchFamily="18" charset="0"/>
+                      </a:endParaRPr>
+                    </a:p>
+                  </a:txBody>
+                  <a:tcPr marL="137160" marR="137160" marT="137160" marB="137160"/>
+                </a:tc>
+                <a:tc>
+                  <a:txBody>
+                    <a:bodyPr/>
+                    <a:lstStyle/>
+                    <a:p>
+                      <a:pPr marL="0" marR="0" algn="just">
+                        <a:spcBef>
+                          <a:spcPts val="600"/>
+                        </a:spcBef>
+                        <a:spcAft>
+                          <a:spcPts val="0"/>
+                        </a:spcAft>
+                      </a:pPr>
+                      <a:r>
+                        <a:rPr lang="en-US" sz="2400" spc="10" dirty="0">
+                          <a:effectLst/>
+                          <a:latin typeface="+mn-lt"/>
+                        </a:rPr>
+                        <a:t>08/12/16 14:00:00</a:t>
+                      </a:r>
+                      <a:endParaRPr lang="en-US" sz="2400" dirty="0">
+                        <a:effectLst/>
+                        <a:latin typeface="+mn-lt"/>
+                        <a:ea typeface="Times New Roman" panose="02020603050405020304" pitchFamily="18" charset="0"/>
+                      </a:endParaRPr>
+                    </a:p>
+                  </a:txBody>
+                  <a:tcPr marL="137160" marR="137160" marT="137160" marB="137160"/>
+                </a:tc>
+                <a:tc>
+                  <a:txBody>
+                    <a:bodyPr/>
+                    <a:lstStyle/>
+                    <a:p>
+                      <a:pPr marL="0" marR="0" algn="just">
+                        <a:spcBef>
+                          <a:spcPts val="600"/>
+                        </a:spcBef>
+                        <a:spcAft>
+                          <a:spcPts val="0"/>
+                        </a:spcAft>
+                      </a:pPr>
+                      <a:r>
+                        <a:rPr lang="en-US" sz="2400" spc="10">
+                          <a:effectLst/>
+                          <a:latin typeface="+mn-lt"/>
+                        </a:rPr>
+                        <a:t>08/19/16 13:00:00</a:t>
+                      </a:r>
+                      <a:endParaRPr lang="en-US" sz="2400">
+                        <a:effectLst/>
+                        <a:latin typeface="+mn-lt"/>
+                        <a:ea typeface="Times New Roman" panose="02020603050405020304" pitchFamily="18" charset="0"/>
+                      </a:endParaRPr>
+                    </a:p>
+                  </a:txBody>
+                  <a:tcPr marL="137160" marR="137160" marT="137160" marB="137160"/>
+                </a:tc>
+              </a:tr>
+              <a:tr h="693903">
+                <a:tc>
+                  <a:txBody>
+                    <a:bodyPr/>
+                    <a:lstStyle/>
+                    <a:p>
+                      <a:pPr marL="0" marR="0" algn="just">
+                        <a:spcBef>
+                          <a:spcPts val="600"/>
+                        </a:spcBef>
+                        <a:spcAft>
+                          <a:spcPts val="0"/>
+                        </a:spcAft>
+                      </a:pPr>
+                      <a:r>
+                        <a:rPr lang="en-US" sz="2400" spc="10">
+                          <a:effectLst/>
+                          <a:latin typeface="+mn-lt"/>
+                        </a:rPr>
+                        <a:t>Act 2</a:t>
+                      </a:r>
+                      <a:endParaRPr lang="en-US" sz="2400">
+                        <a:effectLst/>
+                        <a:latin typeface="+mn-lt"/>
+                        <a:ea typeface="Times New Roman" panose="02020603050405020304" pitchFamily="18" charset="0"/>
+                      </a:endParaRPr>
+                    </a:p>
+                  </a:txBody>
+                  <a:tcPr marL="137160" marR="137160" marT="137160" marB="137160"/>
+                </a:tc>
+                <a:tc>
+                  <a:txBody>
+                    <a:bodyPr/>
+                    <a:lstStyle/>
+                    <a:p>
+                      <a:pPr marL="0" marR="0" algn="just">
+                        <a:spcBef>
+                          <a:spcPts val="600"/>
+                        </a:spcBef>
+                        <a:spcAft>
+                          <a:spcPts val="0"/>
+                        </a:spcAft>
+                      </a:pPr>
+                      <a:r>
+                        <a:rPr lang="en-US" sz="2400" spc="10" dirty="0">
+                          <a:effectLst/>
+                          <a:latin typeface="+mn-lt"/>
+                        </a:rPr>
+                        <a:t>09/01/16 12:30:00</a:t>
+                      </a:r>
+                      <a:endParaRPr lang="en-US" sz="2400" dirty="0">
+                        <a:effectLst/>
+                        <a:latin typeface="+mn-lt"/>
+                        <a:ea typeface="Times New Roman" panose="02020603050405020304" pitchFamily="18" charset="0"/>
+                      </a:endParaRPr>
+                    </a:p>
+                  </a:txBody>
+                  <a:tcPr marL="137160" marR="137160" marT="137160" marB="137160"/>
+                </a:tc>
+                <a:tc>
+                  <a:txBody>
+                    <a:bodyPr/>
+                    <a:lstStyle/>
+                    <a:p>
+                      <a:pPr marL="0" marR="0" algn="just">
+                        <a:spcBef>
+                          <a:spcPts val="600"/>
+                        </a:spcBef>
+                        <a:spcAft>
+                          <a:spcPts val="0"/>
+                        </a:spcAft>
+                      </a:pPr>
+                      <a:r>
+                        <a:rPr lang="en-US" sz="2400" spc="10">
+                          <a:effectLst/>
+                          <a:latin typeface="+mn-lt"/>
+                        </a:rPr>
+                        <a:t>09/08/16 12:45:00</a:t>
+                      </a:r>
+                      <a:endParaRPr lang="en-US" sz="2400">
+                        <a:effectLst/>
+                        <a:latin typeface="+mn-lt"/>
+                        <a:ea typeface="Times New Roman" panose="02020603050405020304" pitchFamily="18" charset="0"/>
+                      </a:endParaRPr>
+                    </a:p>
+                  </a:txBody>
+                  <a:tcPr marL="137160" marR="137160" marT="137160" marB="137160"/>
+                </a:tc>
+              </a:tr>
+              <a:tr h="693903">
+                <a:tc>
+                  <a:txBody>
+                    <a:bodyPr/>
+                    <a:lstStyle/>
+                    <a:p>
+                      <a:pPr marL="0" marR="0" algn="just">
+                        <a:spcBef>
+                          <a:spcPts val="600"/>
+                        </a:spcBef>
+                        <a:spcAft>
+                          <a:spcPts val="0"/>
+                        </a:spcAft>
+                      </a:pPr>
+                      <a:r>
+                        <a:rPr lang="en-US" sz="2400" spc="10">
+                          <a:effectLst/>
+                          <a:latin typeface="+mn-lt"/>
+                        </a:rPr>
+                        <a:t>Act 3</a:t>
+                      </a:r>
+                      <a:endParaRPr lang="en-US" sz="2400">
+                        <a:effectLst/>
+                        <a:latin typeface="+mn-lt"/>
+                        <a:ea typeface="Times New Roman" panose="02020603050405020304" pitchFamily="18" charset="0"/>
+                      </a:endParaRPr>
+                    </a:p>
+                  </a:txBody>
+                  <a:tcPr marL="137160" marR="137160" marT="137160" marB="137160"/>
+                </a:tc>
+                <a:tc>
+                  <a:txBody>
+                    <a:bodyPr/>
+                    <a:lstStyle/>
+                    <a:p>
+                      <a:pPr marL="0" marR="0" algn="just">
+                        <a:spcBef>
+                          <a:spcPts val="600"/>
+                        </a:spcBef>
+                        <a:spcAft>
+                          <a:spcPts val="0"/>
+                        </a:spcAft>
+                      </a:pPr>
+                      <a:r>
+                        <a:rPr lang="en-US" sz="2400" spc="10">
+                          <a:effectLst/>
+                          <a:latin typeface="+mn-lt"/>
+                        </a:rPr>
+                        <a:t>08/15/16 08:00:00</a:t>
+                      </a:r>
+                      <a:endParaRPr lang="en-US" sz="2400">
+                        <a:effectLst/>
+                        <a:latin typeface="+mn-lt"/>
+                        <a:ea typeface="Times New Roman" panose="02020603050405020304" pitchFamily="18" charset="0"/>
+                      </a:endParaRPr>
+                    </a:p>
+                  </a:txBody>
+                  <a:tcPr marL="137160" marR="137160" marT="137160" marB="137160"/>
+                </a:tc>
+                <a:tc>
+                  <a:txBody>
+                    <a:bodyPr/>
+                    <a:lstStyle/>
+                    <a:p>
+                      <a:pPr marL="0" marR="0" algn="just">
+                        <a:spcBef>
+                          <a:spcPts val="600"/>
+                        </a:spcBef>
+                        <a:spcAft>
+                          <a:spcPts val="0"/>
+                        </a:spcAft>
+                      </a:pPr>
+                      <a:r>
+                        <a:rPr lang="en-US" sz="2400" spc="10">
+                          <a:effectLst/>
+                          <a:latin typeface="+mn-lt"/>
+                        </a:rPr>
+                        <a:t>09/01/16 10:45:00</a:t>
+                      </a:r>
+                      <a:endParaRPr lang="en-US" sz="2400">
+                        <a:effectLst/>
+                        <a:latin typeface="+mn-lt"/>
+                        <a:ea typeface="Times New Roman" panose="02020603050405020304" pitchFamily="18" charset="0"/>
+                      </a:endParaRPr>
+                    </a:p>
+                  </a:txBody>
+                  <a:tcPr marL="137160" marR="137160" marT="137160" marB="137160"/>
+                </a:tc>
+              </a:tr>
+              <a:tr h="693903">
+                <a:tc>
+                  <a:txBody>
+                    <a:bodyPr/>
+                    <a:lstStyle/>
+                    <a:p>
+                      <a:pPr marL="0" marR="0" algn="just">
+                        <a:spcBef>
+                          <a:spcPts val="600"/>
+                        </a:spcBef>
+                        <a:spcAft>
+                          <a:spcPts val="0"/>
+                        </a:spcAft>
+                      </a:pPr>
+                      <a:r>
+                        <a:rPr lang="en-US" sz="2400" spc="10">
+                          <a:effectLst/>
+                          <a:latin typeface="+mn-lt"/>
+                        </a:rPr>
+                        <a:t>Act 4</a:t>
+                      </a:r>
+                      <a:endParaRPr lang="en-US" sz="2400">
+                        <a:effectLst/>
+                        <a:latin typeface="+mn-lt"/>
+                        <a:ea typeface="Times New Roman" panose="02020603050405020304" pitchFamily="18" charset="0"/>
+                      </a:endParaRPr>
+                    </a:p>
+                  </a:txBody>
+                  <a:tcPr marL="137160" marR="137160" marT="137160" marB="137160"/>
+                </a:tc>
+                <a:tc>
+                  <a:txBody>
+                    <a:bodyPr/>
+                    <a:lstStyle/>
+                    <a:p>
+                      <a:pPr marL="0" marR="0" algn="just">
+                        <a:spcBef>
+                          <a:spcPts val="600"/>
+                        </a:spcBef>
+                        <a:spcAft>
+                          <a:spcPts val="0"/>
+                        </a:spcAft>
+                      </a:pPr>
+                      <a:r>
+                        <a:rPr lang="en-US" sz="2400" spc="10">
+                          <a:effectLst/>
+                          <a:latin typeface="+mn-lt"/>
+                        </a:rPr>
+                        <a:t>09/03/16 11:30:00</a:t>
+                      </a:r>
+                      <a:endParaRPr lang="en-US" sz="2400">
+                        <a:effectLst/>
+                        <a:latin typeface="+mn-lt"/>
+                        <a:ea typeface="Times New Roman" panose="02020603050405020304" pitchFamily="18" charset="0"/>
+                      </a:endParaRPr>
+                    </a:p>
+                  </a:txBody>
+                  <a:tcPr marL="137160" marR="137160" marT="137160" marB="137160"/>
+                </a:tc>
+                <a:tc>
+                  <a:txBody>
+                    <a:bodyPr/>
+                    <a:lstStyle/>
+                    <a:p>
+                      <a:pPr marL="0" marR="0" algn="just">
+                        <a:spcBef>
+                          <a:spcPts val="600"/>
+                        </a:spcBef>
+                        <a:spcAft>
+                          <a:spcPts val="0"/>
+                        </a:spcAft>
+                      </a:pPr>
+                      <a:r>
+                        <a:rPr lang="en-US" sz="2400" spc="10" dirty="0">
+                          <a:effectLst/>
+                          <a:latin typeface="+mn-lt"/>
+                        </a:rPr>
+                        <a:t>09/05/16 12:00:00</a:t>
+                      </a:r>
+                      <a:endParaRPr lang="en-US" sz="2400" dirty="0">
+                        <a:effectLst/>
+                        <a:latin typeface="+mn-lt"/>
+                        <a:ea typeface="Times New Roman" panose="02020603050405020304" pitchFamily="18" charset="0"/>
+                      </a:endParaRPr>
+                    </a:p>
+                  </a:txBody>
+                  <a:tcPr marL="137160" marR="137160" marT="137160" marB="137160"/>
+                </a:tc>
+              </a:tr>
+            </a:tbl>
+          </a:graphicData>
+        </a:graphic>
+      </p:graphicFrame>
+    </p:spTree>
+    <p:extLst>
+      <p:ext uri="{BB962C8B-B14F-4D97-AF65-F5344CB8AC3E}">
+        <p14:creationId xmlns:p14="http://schemas.microsoft.com/office/powerpoint/2010/main" val="1642783834"/>
+      </p:ext>
+    </p:extLst>
+  </p:cSld>
+  <p:clrMapOvr>
+    <a:masterClrMapping/>
+  </p:clrMapOvr>
+</p:sld>
+</file>
+
+<file path=ppt/slides/slide23.xml><?xml version="1.0" encoding="utf-8"?>
+<p:sld xmlns:a="http://schemas.openxmlformats.org/drawingml/2006/main" xmlns:r="http://schemas.openxmlformats.org/officeDocument/2006/relationships" xmlns:p="http://schemas.openxmlformats.org/presentationml/2006/main">
+  <p:cSld>
+    <p:spTree>
+      <p:nvGrpSpPr>
+        <p:cNvPr id="1" name=""/>
+        <p:cNvGrpSpPr/>
+        <p:nvPr/>
+      </p:nvGrpSpPr>
+      <p:grpSpPr>
+        <a:xfrm>
+          <a:off x="0" y="0"/>
+          <a:ext cx="0" cy="0"/>
+          <a:chOff x="0" y="0"/>
+          <a:chExt cx="0" cy="0"/>
+        </a:xfrm>
+      </p:grpSpPr>
+      <p:sp>
+        <p:nvSpPr>
+          <p:cNvPr id="2" name="Title 1"/>
+          <p:cNvSpPr>
+            <a:spLocks noGrp="1"/>
+          </p:cNvSpPr>
+          <p:nvPr>
+            <p:ph type="title"/>
+          </p:nvPr>
+        </p:nvSpPr>
+        <p:spPr/>
+        <p:txBody>
+          <a:bodyPr/>
+          <a:lstStyle/>
+          <a:p>
+            <a:r>
+              <a:rPr lang="en-US" dirty="0" smtClean="0"/>
               <a:t>Chromosome Design</a:t>
             </a:r>
             <a:endParaRPr lang="en-US" dirty="0"/>
@@ -5944,7 +9329,7 @@
 </p:sld>
 </file>
 
-<file path=ppt/slides/slide21.xml><?xml version="1.0" encoding="utf-8"?>
+<file path=ppt/slides/slide24.xml><?xml version="1.0" encoding="utf-8"?>
 <p:sld xmlns:a="http://schemas.openxmlformats.org/drawingml/2006/main" xmlns:r="http://schemas.openxmlformats.org/officeDocument/2006/relationships" xmlns:p="http://schemas.openxmlformats.org/presentationml/2006/main">
   <p:cSld>
     <p:spTree>
@@ -6576,340 +9961,6 @@
 </p:sld>
 </file>
 
-<file path=ppt/slides/slide22.xml><?xml version="1.0" encoding="utf-8"?>
-<p:sld xmlns:a="http://schemas.openxmlformats.org/drawingml/2006/main" xmlns:r="http://schemas.openxmlformats.org/officeDocument/2006/relationships" xmlns:p="http://schemas.openxmlformats.org/presentationml/2006/main">
-  <p:cSld>
-    <p:spTree>
-      <p:nvGrpSpPr>
-        <p:cNvPr id="1" name=""/>
-        <p:cNvGrpSpPr/>
-        <p:nvPr/>
-      </p:nvGrpSpPr>
-      <p:grpSpPr>
-        <a:xfrm>
-          <a:off x="0" y="0"/>
-          <a:ext cx="0" cy="0"/>
-          <a:chOff x="0" y="0"/>
-          <a:chExt cx="0" cy="0"/>
-        </a:xfrm>
-      </p:grpSpPr>
-      <p:sp>
-        <p:nvSpPr>
-          <p:cNvPr id="2" name="Title 1"/>
-          <p:cNvSpPr>
-            <a:spLocks noGrp="1"/>
-          </p:cNvSpPr>
-          <p:nvPr>
-            <p:ph type="title"/>
-          </p:nvPr>
-        </p:nvSpPr>
-        <p:spPr/>
-        <p:txBody>
-          <a:bodyPr/>
-          <a:lstStyle/>
-          <a:p>
-            <a:r>
-              <a:rPr lang="en-US" dirty="0" smtClean="0"/>
-              <a:t>Chromosome Design</a:t>
-            </a:r>
-            <a:endParaRPr lang="en-US" dirty="0"/>
-          </a:p>
-        </p:txBody>
-      </p:sp>
-      <p:sp>
-        <p:nvSpPr>
-          <p:cNvPr id="3" name="Content Placeholder 2"/>
-          <p:cNvSpPr>
-            <a:spLocks noGrp="1"/>
-          </p:cNvSpPr>
-          <p:nvPr>
-            <p:ph idx="1"/>
-          </p:nvPr>
-        </p:nvSpPr>
-        <p:spPr/>
-        <p:txBody>
-          <a:bodyPr>
-            <a:normAutofit/>
-          </a:bodyPr>
-          <a:lstStyle/>
-          <a:p>
-            <a:pPr marL="0" indent="0">
-              <a:buNone/>
-            </a:pPr>
-            <a:r>
-              <a:rPr lang="en-US" sz="2800" b="1" dirty="0" smtClean="0"/>
-              <a:t>Mutation</a:t>
-            </a:r>
-          </a:p>
-          <a:p>
-            <a:pPr lvl="1"/>
-            <a:r>
-              <a:rPr lang="en-US" sz="2800" dirty="0" smtClean="0"/>
-              <a:t>For each activity, with probability 0.7, randomize the schedule of that activity</a:t>
-            </a:r>
-          </a:p>
-          <a:p>
-            <a:pPr lvl="1"/>
-            <a:r>
-              <a:rPr lang="en-US" sz="2800" dirty="0" smtClean="0"/>
-              <a:t>Choose a random date</a:t>
-            </a:r>
-          </a:p>
-          <a:p>
-            <a:pPr lvl="1"/>
-            <a:r>
-              <a:rPr lang="en-US" sz="2800" dirty="0" smtClean="0"/>
-              <a:t>Choose a random timeslot</a:t>
-            </a:r>
-            <a:endParaRPr lang="en-US" sz="2900" dirty="0" smtClean="0"/>
-          </a:p>
-          <a:p>
-            <a:endParaRPr lang="en-US" dirty="0"/>
-          </a:p>
-        </p:txBody>
-      </p:sp>
-    </p:spTree>
-    <p:extLst>
-      <p:ext uri="{BB962C8B-B14F-4D97-AF65-F5344CB8AC3E}">
-        <p14:creationId xmlns:p14="http://schemas.microsoft.com/office/powerpoint/2010/main" val="978987809"/>
-      </p:ext>
-    </p:extLst>
-  </p:cSld>
-  <p:clrMapOvr>
-    <a:masterClrMapping/>
-  </p:clrMapOvr>
-</p:sld>
-</file>
-
-<file path=ppt/slides/slide23.xml><?xml version="1.0" encoding="utf-8"?>
-<p:sld xmlns:a="http://schemas.openxmlformats.org/drawingml/2006/main" xmlns:r="http://schemas.openxmlformats.org/officeDocument/2006/relationships" xmlns:p="http://schemas.openxmlformats.org/presentationml/2006/main">
-  <p:cSld>
-    <p:spTree>
-      <p:nvGrpSpPr>
-        <p:cNvPr id="1" name=""/>
-        <p:cNvGrpSpPr/>
-        <p:nvPr/>
-      </p:nvGrpSpPr>
-      <p:grpSpPr>
-        <a:xfrm>
-          <a:off x="0" y="0"/>
-          <a:ext cx="0" cy="0"/>
-          <a:chOff x="0" y="0"/>
-          <a:chExt cx="0" cy="0"/>
-        </a:xfrm>
-      </p:grpSpPr>
-      <p:sp>
-        <p:nvSpPr>
-          <p:cNvPr id="2" name="Title 1"/>
-          <p:cNvSpPr>
-            <a:spLocks noGrp="1"/>
-          </p:cNvSpPr>
-          <p:nvPr>
-            <p:ph type="title"/>
-          </p:nvPr>
-        </p:nvSpPr>
-        <p:spPr/>
-        <p:txBody>
-          <a:bodyPr/>
-          <a:lstStyle/>
-          <a:p>
-            <a:r>
-              <a:rPr lang="en-US" dirty="0" smtClean="0"/>
-              <a:t>Chromosome Design</a:t>
-            </a:r>
-            <a:endParaRPr lang="en-US" dirty="0"/>
-          </a:p>
-        </p:txBody>
-      </p:sp>
-      <p:sp>
-        <p:nvSpPr>
-          <p:cNvPr id="3" name="Content Placeholder 2"/>
-          <p:cNvSpPr>
-            <a:spLocks noGrp="1"/>
-          </p:cNvSpPr>
-          <p:nvPr>
-            <p:ph idx="1"/>
-          </p:nvPr>
-        </p:nvSpPr>
-        <p:spPr/>
-        <p:txBody>
-          <a:bodyPr>
-            <a:normAutofit fontScale="92500" lnSpcReduction="10000"/>
-          </a:bodyPr>
-          <a:lstStyle/>
-          <a:p>
-            <a:pPr marL="0" indent="0">
-              <a:buNone/>
-            </a:pPr>
-            <a:r>
-              <a:rPr lang="en-US" sz="2900" b="1" dirty="0" smtClean="0"/>
-              <a:t>Algorithm Parameters</a:t>
-            </a:r>
-          </a:p>
-          <a:p>
-            <a:pPr lvl="1"/>
-            <a:r>
-              <a:rPr lang="en-US" sz="2900" dirty="0" smtClean="0"/>
-              <a:t>Population Size:	50</a:t>
-            </a:r>
-          </a:p>
-          <a:p>
-            <a:pPr lvl="1"/>
-            <a:r>
-              <a:rPr lang="en-US" sz="2900" dirty="0" smtClean="0"/>
-              <a:t>Fitness Threshold: 0.14</a:t>
-            </a:r>
-          </a:p>
-          <a:p>
-            <a:pPr lvl="1"/>
-            <a:r>
-              <a:rPr lang="en-US" sz="2900" dirty="0" smtClean="0"/>
-              <a:t>Elitism Rate:</a:t>
-            </a:r>
-            <a:r>
-              <a:rPr lang="en-US" sz="2900" dirty="0"/>
-              <a:t> </a:t>
-            </a:r>
-            <a:r>
-              <a:rPr lang="en-US" sz="2900" dirty="0" smtClean="0"/>
-              <a:t>0.2</a:t>
-            </a:r>
-          </a:p>
-          <a:p>
-            <a:pPr lvl="1"/>
-            <a:r>
-              <a:rPr lang="en-US" sz="2900" dirty="0" smtClean="0"/>
-              <a:t>Mutation Rate:</a:t>
-            </a:r>
-            <a:r>
-              <a:rPr lang="en-US" sz="2900" dirty="0"/>
-              <a:t> </a:t>
-            </a:r>
-            <a:r>
-              <a:rPr lang="en-US" sz="2900" dirty="0" smtClean="0"/>
-              <a:t>0.4</a:t>
-            </a:r>
-          </a:p>
-          <a:p>
-            <a:pPr lvl="1"/>
-            <a:r>
-              <a:rPr lang="en-US" sz="2900" dirty="0" smtClean="0"/>
-              <a:t>1000 iterations</a:t>
-            </a:r>
-          </a:p>
-          <a:p>
-            <a:endParaRPr lang="en-US" dirty="0"/>
-          </a:p>
-        </p:txBody>
-      </p:sp>
-    </p:spTree>
-    <p:extLst>
-      <p:ext uri="{BB962C8B-B14F-4D97-AF65-F5344CB8AC3E}">
-        <p14:creationId xmlns:p14="http://schemas.microsoft.com/office/powerpoint/2010/main" val="210468735"/>
-      </p:ext>
-    </p:extLst>
-  </p:cSld>
-  <p:clrMapOvr>
-    <a:masterClrMapping/>
-  </p:clrMapOvr>
-</p:sld>
-</file>
-
-<file path=ppt/slides/slide24.xml><?xml version="1.0" encoding="utf-8"?>
-<p:sld xmlns:a="http://schemas.openxmlformats.org/drawingml/2006/main" xmlns:r="http://schemas.openxmlformats.org/officeDocument/2006/relationships" xmlns:p="http://schemas.openxmlformats.org/presentationml/2006/main">
-  <p:cSld>
-    <p:spTree>
-      <p:nvGrpSpPr>
-        <p:cNvPr id="1" name=""/>
-        <p:cNvGrpSpPr/>
-        <p:nvPr/>
-      </p:nvGrpSpPr>
-      <p:grpSpPr>
-        <a:xfrm>
-          <a:off x="0" y="0"/>
-          <a:ext cx="0" cy="0"/>
-          <a:chOff x="0" y="0"/>
-          <a:chExt cx="0" cy="0"/>
-        </a:xfrm>
-      </p:grpSpPr>
-      <p:sp>
-        <p:nvSpPr>
-          <p:cNvPr id="2" name="Title 1"/>
-          <p:cNvSpPr>
-            <a:spLocks noGrp="1"/>
-          </p:cNvSpPr>
-          <p:nvPr>
-            <p:ph type="title"/>
-          </p:nvPr>
-        </p:nvSpPr>
-        <p:spPr/>
-        <p:txBody>
-          <a:bodyPr/>
-          <a:lstStyle/>
-          <a:p>
-            <a:r>
-              <a:rPr lang="en-US" dirty="0" smtClean="0"/>
-              <a:t>Results and Analysis</a:t>
-            </a:r>
-            <a:endParaRPr lang="en-US" dirty="0"/>
-          </a:p>
-        </p:txBody>
-      </p:sp>
-      <p:sp>
-        <p:nvSpPr>
-          <p:cNvPr id="3" name="Content Placeholder 2"/>
-          <p:cNvSpPr>
-            <a:spLocks noGrp="1"/>
-          </p:cNvSpPr>
-          <p:nvPr>
-            <p:ph idx="1"/>
-          </p:nvPr>
-        </p:nvSpPr>
-        <p:spPr/>
-        <p:txBody>
-          <a:bodyPr>
-            <a:normAutofit/>
-          </a:bodyPr>
-          <a:lstStyle/>
-          <a:p>
-            <a:r>
-              <a:rPr lang="en-US" sz="2800" dirty="0" smtClean="0"/>
-              <a:t>Satisfactory</a:t>
-            </a:r>
-          </a:p>
-          <a:p>
-            <a:r>
-              <a:rPr lang="en-US" sz="2800" dirty="0" smtClean="0"/>
-              <a:t>Threshold allowed few acceptable</a:t>
-            </a:r>
-          </a:p>
-          <a:p>
-            <a:r>
-              <a:rPr lang="en-US" sz="2800" dirty="0" smtClean="0"/>
-              <a:t>GOSM for LSCS as test script</a:t>
-            </a:r>
-          </a:p>
-          <a:p>
-            <a:r>
-              <a:rPr lang="en-US" sz="2800" dirty="0" smtClean="0"/>
-              <a:t>Performed well with 22 activities</a:t>
-            </a:r>
-          </a:p>
-        </p:txBody>
-      </p:sp>
-    </p:spTree>
-    <p:extLst>
-      <p:ext uri="{BB962C8B-B14F-4D97-AF65-F5344CB8AC3E}">
-        <p14:creationId xmlns:p14="http://schemas.microsoft.com/office/powerpoint/2010/main" val="1288925165"/>
-      </p:ext>
-    </p:extLst>
-  </p:cSld>
-  <p:clrMapOvr>
-    <a:masterClrMapping/>
-  </p:clrMapOvr>
-</p:sld>
-</file>
-
 <file path=ppt/slides/slide25.xml><?xml version="1.0" encoding="utf-8"?>
 <p:sld xmlns:a="http://schemas.openxmlformats.org/drawingml/2006/main" xmlns:r="http://schemas.openxmlformats.org/officeDocument/2006/relationships" xmlns:p="http://schemas.openxmlformats.org/presentationml/2006/main">
   <p:cSld>
@@ -6944,6 +9995,347 @@
           <a:p>
             <a:r>
               <a:rPr lang="en-US" dirty="0" smtClean="0"/>
+              <a:t>Chromosome Design</a:t>
+            </a:r>
+            <a:endParaRPr lang="en-US" dirty="0"/>
+          </a:p>
+        </p:txBody>
+      </p:sp>
+      <p:sp>
+        <p:nvSpPr>
+          <p:cNvPr id="3" name="Content Placeholder 2"/>
+          <p:cNvSpPr>
+            <a:spLocks noGrp="1"/>
+          </p:cNvSpPr>
+          <p:nvPr>
+            <p:ph idx="1"/>
+          </p:nvPr>
+        </p:nvSpPr>
+        <p:spPr/>
+        <p:txBody>
+          <a:bodyPr>
+            <a:normAutofit/>
+          </a:bodyPr>
+          <a:lstStyle/>
+          <a:p>
+            <a:pPr marL="0" indent="0">
+              <a:buNone/>
+            </a:pPr>
+            <a:r>
+              <a:rPr lang="en-US" sz="2800" b="1" dirty="0" smtClean="0"/>
+              <a:t>Mutation</a:t>
+            </a:r>
+          </a:p>
+          <a:p>
+            <a:pPr lvl="1"/>
+            <a:r>
+              <a:rPr lang="en-US" sz="2800" dirty="0" smtClean="0"/>
+              <a:t>For each activity, with probability 0.7, randomize the schedule of that activity</a:t>
+            </a:r>
+          </a:p>
+          <a:p>
+            <a:pPr lvl="1"/>
+            <a:r>
+              <a:rPr lang="en-US" sz="2800" dirty="0" smtClean="0"/>
+              <a:t>Choose a random date</a:t>
+            </a:r>
+          </a:p>
+          <a:p>
+            <a:pPr lvl="1"/>
+            <a:r>
+              <a:rPr lang="en-US" sz="2800" dirty="0" smtClean="0"/>
+              <a:t>Choose a random timeslot</a:t>
+            </a:r>
+            <a:endParaRPr lang="en-US" sz="2900" dirty="0" smtClean="0"/>
+          </a:p>
+          <a:p>
+            <a:endParaRPr lang="en-US" dirty="0"/>
+          </a:p>
+        </p:txBody>
+      </p:sp>
+    </p:spTree>
+    <p:extLst>
+      <p:ext uri="{BB962C8B-B14F-4D97-AF65-F5344CB8AC3E}">
+        <p14:creationId xmlns:p14="http://schemas.microsoft.com/office/powerpoint/2010/main" val="978987809"/>
+      </p:ext>
+    </p:extLst>
+  </p:cSld>
+  <p:clrMapOvr>
+    <a:masterClrMapping/>
+  </p:clrMapOvr>
+</p:sld>
+</file>
+
+<file path=ppt/slides/slide26.xml><?xml version="1.0" encoding="utf-8"?>
+<p:sld xmlns:a="http://schemas.openxmlformats.org/drawingml/2006/main" xmlns:r="http://schemas.openxmlformats.org/officeDocument/2006/relationships" xmlns:p="http://schemas.openxmlformats.org/presentationml/2006/main">
+  <p:cSld>
+    <p:spTree>
+      <p:nvGrpSpPr>
+        <p:cNvPr id="1" name=""/>
+        <p:cNvGrpSpPr/>
+        <p:nvPr/>
+      </p:nvGrpSpPr>
+      <p:grpSpPr>
+        <a:xfrm>
+          <a:off x="0" y="0"/>
+          <a:ext cx="0" cy="0"/>
+          <a:chOff x="0" y="0"/>
+          <a:chExt cx="0" cy="0"/>
+        </a:xfrm>
+      </p:grpSpPr>
+      <p:sp>
+        <p:nvSpPr>
+          <p:cNvPr id="2" name="Title 1"/>
+          <p:cNvSpPr>
+            <a:spLocks noGrp="1"/>
+          </p:cNvSpPr>
+          <p:nvPr>
+            <p:ph type="title"/>
+          </p:nvPr>
+        </p:nvSpPr>
+        <p:spPr/>
+        <p:txBody>
+          <a:bodyPr/>
+          <a:lstStyle/>
+          <a:p>
+            <a:r>
+              <a:rPr lang="en-US" dirty="0" smtClean="0"/>
+              <a:t>Chromosome Design</a:t>
+            </a:r>
+            <a:endParaRPr lang="en-US" dirty="0"/>
+          </a:p>
+        </p:txBody>
+      </p:sp>
+      <p:sp>
+        <p:nvSpPr>
+          <p:cNvPr id="3" name="Content Placeholder 2"/>
+          <p:cNvSpPr>
+            <a:spLocks noGrp="1"/>
+          </p:cNvSpPr>
+          <p:nvPr>
+            <p:ph idx="1"/>
+          </p:nvPr>
+        </p:nvSpPr>
+        <p:spPr/>
+        <p:txBody>
+          <a:bodyPr>
+            <a:normAutofit fontScale="85000" lnSpcReduction="20000"/>
+          </a:bodyPr>
+          <a:lstStyle/>
+          <a:p>
+            <a:pPr marL="0" indent="0">
+              <a:buNone/>
+            </a:pPr>
+            <a:r>
+              <a:rPr lang="en-US" sz="2900" b="1" dirty="0" smtClean="0"/>
+              <a:t>Algorithm Parameters</a:t>
+            </a:r>
+          </a:p>
+          <a:p>
+            <a:pPr lvl="1"/>
+            <a:r>
+              <a:rPr lang="en-US" sz="2900" dirty="0" smtClean="0"/>
+              <a:t>Population Size:	50</a:t>
+            </a:r>
+          </a:p>
+          <a:p>
+            <a:pPr lvl="1"/>
+            <a:r>
+              <a:rPr lang="en-US" sz="2900" dirty="0" smtClean="0"/>
+              <a:t>Fitness Threshold: 0.14</a:t>
+            </a:r>
+          </a:p>
+          <a:p>
+            <a:pPr lvl="1"/>
+            <a:r>
+              <a:rPr lang="en-US" sz="2900" dirty="0" smtClean="0"/>
+              <a:t>Elitism Rate:</a:t>
+            </a:r>
+            <a:r>
+              <a:rPr lang="en-US" sz="2900" dirty="0"/>
+              <a:t> </a:t>
+            </a:r>
+            <a:r>
+              <a:rPr lang="en-US" sz="2900" dirty="0" smtClean="0"/>
+              <a:t>0.2</a:t>
+            </a:r>
+          </a:p>
+          <a:p>
+            <a:pPr lvl="1"/>
+            <a:r>
+              <a:rPr lang="en-US" sz="2900" dirty="0" smtClean="0"/>
+              <a:t>Mutation Rate:</a:t>
+            </a:r>
+            <a:r>
+              <a:rPr lang="en-US" sz="2900" dirty="0"/>
+              <a:t> </a:t>
+            </a:r>
+            <a:r>
+              <a:rPr lang="en-US" sz="2900" dirty="0" smtClean="0"/>
+              <a:t>0.4</a:t>
+            </a:r>
+          </a:p>
+          <a:p>
+            <a:pPr lvl="1"/>
+            <a:r>
+              <a:rPr lang="en-US" sz="2900" dirty="0"/>
+              <a:t>Roulette Wheel Selection</a:t>
+            </a:r>
+          </a:p>
+          <a:p>
+            <a:pPr lvl="1"/>
+            <a:r>
+              <a:rPr lang="en-US" sz="2900" dirty="0" smtClean="0"/>
+              <a:t>1000 iterations</a:t>
+            </a:r>
+          </a:p>
+          <a:p>
+            <a:endParaRPr lang="en-US" dirty="0"/>
+          </a:p>
+        </p:txBody>
+      </p:sp>
+    </p:spTree>
+    <p:extLst>
+      <p:ext uri="{BB962C8B-B14F-4D97-AF65-F5344CB8AC3E}">
+        <p14:creationId xmlns:p14="http://schemas.microsoft.com/office/powerpoint/2010/main" val="210468735"/>
+      </p:ext>
+    </p:extLst>
+  </p:cSld>
+  <p:clrMapOvr>
+    <a:masterClrMapping/>
+  </p:clrMapOvr>
+</p:sld>
+</file>
+
+<file path=ppt/slides/slide27.xml><?xml version="1.0" encoding="utf-8"?>
+<p:sld xmlns:a="http://schemas.openxmlformats.org/drawingml/2006/main" xmlns:r="http://schemas.openxmlformats.org/officeDocument/2006/relationships" xmlns:p="http://schemas.openxmlformats.org/presentationml/2006/main">
+  <p:cSld>
+    <p:spTree>
+      <p:nvGrpSpPr>
+        <p:cNvPr id="1" name=""/>
+        <p:cNvGrpSpPr/>
+        <p:nvPr/>
+      </p:nvGrpSpPr>
+      <p:grpSpPr>
+        <a:xfrm>
+          <a:off x="0" y="0"/>
+          <a:ext cx="0" cy="0"/>
+          <a:chOff x="0" y="0"/>
+          <a:chExt cx="0" cy="0"/>
+        </a:xfrm>
+      </p:grpSpPr>
+      <p:sp>
+        <p:nvSpPr>
+          <p:cNvPr id="2" name="Title 1"/>
+          <p:cNvSpPr>
+            <a:spLocks noGrp="1"/>
+          </p:cNvSpPr>
+          <p:nvPr>
+            <p:ph type="title"/>
+          </p:nvPr>
+        </p:nvSpPr>
+        <p:spPr/>
+        <p:txBody>
+          <a:bodyPr/>
+          <a:lstStyle/>
+          <a:p>
+            <a:r>
+              <a:rPr lang="en-US" dirty="0" smtClean="0"/>
+              <a:t>Results and Analysis</a:t>
+            </a:r>
+            <a:endParaRPr lang="en-US" dirty="0"/>
+          </a:p>
+        </p:txBody>
+      </p:sp>
+      <p:sp>
+        <p:nvSpPr>
+          <p:cNvPr id="3" name="Content Placeholder 2"/>
+          <p:cNvSpPr>
+            <a:spLocks noGrp="1"/>
+          </p:cNvSpPr>
+          <p:nvPr>
+            <p:ph idx="1"/>
+          </p:nvPr>
+        </p:nvSpPr>
+        <p:spPr/>
+        <p:txBody>
+          <a:bodyPr>
+            <a:normAutofit/>
+          </a:bodyPr>
+          <a:lstStyle/>
+          <a:p>
+            <a:r>
+              <a:rPr lang="en-US" sz="2800" dirty="0" smtClean="0"/>
+              <a:t>Satisfactory</a:t>
+            </a:r>
+          </a:p>
+          <a:p>
+            <a:r>
+              <a:rPr lang="en-US" sz="2800" dirty="0" smtClean="0"/>
+              <a:t>Threshold allowed few acceptable</a:t>
+            </a:r>
+          </a:p>
+          <a:p>
+            <a:r>
+              <a:rPr lang="en-US" sz="2800" dirty="0" smtClean="0"/>
+              <a:t>GOSM for LSCS as test script</a:t>
+            </a:r>
+          </a:p>
+          <a:p>
+            <a:r>
+              <a:rPr lang="en-US" sz="2800" dirty="0" smtClean="0"/>
+              <a:t>Performed well with 22 activities</a:t>
+            </a:r>
+          </a:p>
+        </p:txBody>
+      </p:sp>
+    </p:spTree>
+    <p:extLst>
+      <p:ext uri="{BB962C8B-B14F-4D97-AF65-F5344CB8AC3E}">
+        <p14:creationId xmlns:p14="http://schemas.microsoft.com/office/powerpoint/2010/main" val="1288925165"/>
+      </p:ext>
+    </p:extLst>
+  </p:cSld>
+  <p:clrMapOvr>
+    <a:masterClrMapping/>
+  </p:clrMapOvr>
+</p:sld>
+</file>
+
+<file path=ppt/slides/slide28.xml><?xml version="1.0" encoding="utf-8"?>
+<p:sld xmlns:a="http://schemas.openxmlformats.org/drawingml/2006/main" xmlns:r="http://schemas.openxmlformats.org/officeDocument/2006/relationships" xmlns:p="http://schemas.openxmlformats.org/presentationml/2006/main">
+  <p:cSld>
+    <p:spTree>
+      <p:nvGrpSpPr>
+        <p:cNvPr id="1" name=""/>
+        <p:cNvGrpSpPr/>
+        <p:nvPr/>
+      </p:nvGrpSpPr>
+      <p:grpSpPr>
+        <a:xfrm>
+          <a:off x="0" y="0"/>
+          <a:ext cx="0" cy="0"/>
+          <a:chOff x="0" y="0"/>
+          <a:chExt cx="0" cy="0"/>
+        </a:xfrm>
+      </p:grpSpPr>
+      <p:sp>
+        <p:nvSpPr>
+          <p:cNvPr id="2" name="Title 1"/>
+          <p:cNvSpPr>
+            <a:spLocks noGrp="1"/>
+          </p:cNvSpPr>
+          <p:nvPr>
+            <p:ph type="title"/>
+          </p:nvPr>
+        </p:nvSpPr>
+        <p:spPr/>
+        <p:txBody>
+          <a:bodyPr/>
+          <a:lstStyle/>
+          <a:p>
+            <a:r>
+              <a:rPr lang="en-US" dirty="0" smtClean="0"/>
               <a:t>Conclusion</a:t>
             </a:r>
             <a:endParaRPr lang="en-US" dirty="0"/>
@@ -6999,7 +10391,7 @@
 </p:sld>
 </file>
 
-<file path=ppt/slides/slide26.xml><?xml version="1.0" encoding="utf-8"?>
+<file path=ppt/slides/slide29.xml><?xml version="1.0" encoding="utf-8"?>
 <p:sld xmlns:a="http://schemas.openxmlformats.org/drawingml/2006/main" xmlns:r="http://schemas.openxmlformats.org/officeDocument/2006/relationships" xmlns:p="http://schemas.openxmlformats.org/presentationml/2006/main">
   <p:cSld>
     <p:spTree>
@@ -7800,8 +11192,53 @@
                 <a:ea typeface="Calibri" panose="020F0502020204030204" pitchFamily="34" charset="0"/>
                 <a:cs typeface="Times New Roman" panose="02020603050405020304" pitchFamily="18" charset="0"/>
               </a:rPr>
-              <a:t>, M. (2008). Making a Class Schedule Using a Genetic Algorithm. Retrieved July 4, 2016, from Code Project: http://</a:t>
-            </a:r>
+              <a:t>, M. (2008). Making a Class Schedule Using a Genetic Algorithm. Retrieved July 4, 2016, from Code Project: http://www.codeproject.com/Articles/23111/Making</a:t>
+            </a:r>
+            <a:endParaRPr kumimoji="0" lang="en-US" altLang="en-US" sz="1400" b="0" i="0" u="none" strike="noStrike" cap="none" normalizeH="0" baseline="0" dirty="0" smtClean="0">
+              <a:ln>
+                <a:noFill/>
+              </a:ln>
+              <a:solidFill>
+                <a:schemeClr val="tx1"/>
+              </a:solidFill>
+              <a:effectLst/>
+              <a:latin typeface="+mn-lt"/>
+            </a:endParaRPr>
+          </a:p>
+          <a:p>
+            <a:pPr marL="914400" marR="0" lvl="0" indent="-914400" algn="l" defTabSz="914400" rtl="0" eaLnBrk="0" fontAlgn="base" latinLnBrk="0" hangingPunct="0">
+              <a:lnSpc>
+                <a:spcPct val="100000"/>
+              </a:lnSpc>
+              <a:spcBef>
+                <a:spcPct val="0"/>
+              </a:spcBef>
+              <a:spcAft>
+                <a:spcPct val="0"/>
+              </a:spcAft>
+              <a:buClrTx/>
+              <a:buSzTx/>
+              <a:buFontTx/>
+              <a:buNone/>
+              <a:tabLst>
+                <a:tab pos="581025" algn="l"/>
+                <a:tab pos="1163638" algn="l"/>
+                <a:tab pos="1744663" algn="l"/>
+                <a:tab pos="2327275" algn="l"/>
+                <a:tab pos="2908300" algn="l"/>
+                <a:tab pos="3489325" algn="l"/>
+                <a:tab pos="4071938" algn="l"/>
+                <a:tab pos="4652963" algn="l"/>
+                <a:tab pos="5235575" algn="l"/>
+                <a:tab pos="5816600" algn="l"/>
+                <a:tab pos="6397625" algn="l"/>
+                <a:tab pos="6980238" algn="l"/>
+                <a:tab pos="7561263" algn="l"/>
+                <a:tab pos="8143875" algn="l"/>
+                <a:tab pos="8724900" algn="l"/>
+                <a:tab pos="9305925" algn="l"/>
+              </a:tabLst>
+            </a:pPr>
             <a:r>
               <a:rPr kumimoji="0" lang="en-US" altLang="en-US" sz="1400" b="0" i="0" u="none" strike="noStrike" cap="none" normalizeH="0" baseline="0" dirty="0" smtClean="0">
                 <a:ln>
@@ -7815,22 +11252,7 @@
                 <a:ea typeface="Calibri" panose="020F0502020204030204" pitchFamily="34" charset="0"/>
                 <a:cs typeface="Times New Roman" panose="02020603050405020304" pitchFamily="18" charset="0"/>
               </a:rPr>
-              <a:t>www.codeproject.com/Articles/23111/Making-a-Class- </a:t>
-            </a:r>
-            <a:r>
-              <a:rPr kumimoji="0" lang="en-US" altLang="en-US" sz="1400" b="0" i="0" u="none" strike="noStrike" cap="none" normalizeH="0" baseline="0" dirty="0" smtClean="0">
-                <a:ln>
-                  <a:noFill/>
-                </a:ln>
-                <a:solidFill>
-                  <a:schemeClr val="tx1"/>
-                </a:solidFill>
-                <a:effectLst/>
-                <a:latin typeface="+mn-lt"/>
-                <a:ea typeface="Calibri" panose="020F0502020204030204" pitchFamily="34" charset="0"/>
-                <a:cs typeface="Times New Roman" panose="02020603050405020304" pitchFamily="18" charset="0"/>
-              </a:rPr>
-              <a:t>Schedule-Using-a-Genetic-Algorithm</a:t>
+              <a:t>-a-Class- Schedule-Using-a-Genetic-Algorithm</a:t>
             </a:r>
             <a:endParaRPr kumimoji="0" lang="en-US" altLang="en-US" sz="1400" b="0" i="0" u="none" strike="noStrike" cap="none" normalizeH="0" baseline="0" dirty="0" smtClean="0">
               <a:ln>
@@ -8289,6 +11711,82 @@
     <p:extLst>
       <p:ext uri="{BB962C8B-B14F-4D97-AF65-F5344CB8AC3E}">
         <p14:creationId xmlns:p14="http://schemas.microsoft.com/office/powerpoint/2010/main" val="2664357688"/>
+      </p:ext>
+    </p:extLst>
+  </p:cSld>
+  <p:clrMapOvr>
+    <a:masterClrMapping/>
+  </p:clrMapOvr>
+</p:sld>
+</file>
+
+<file path=ppt/slides/slide30.xml><?xml version="1.0" encoding="utf-8"?>
+<p:sld xmlns:a="http://schemas.openxmlformats.org/drawingml/2006/main" xmlns:r="http://schemas.openxmlformats.org/officeDocument/2006/relationships" xmlns:p="http://schemas.openxmlformats.org/presentationml/2006/main">
+  <p:cSld>
+    <p:spTree>
+      <p:nvGrpSpPr>
+        <p:cNvPr id="1" name=""/>
+        <p:cNvGrpSpPr/>
+        <p:nvPr/>
+      </p:nvGrpSpPr>
+      <p:grpSpPr>
+        <a:xfrm>
+          <a:off x="0" y="0"/>
+          <a:ext cx="0" cy="0"/>
+          <a:chOff x="0" y="0"/>
+          <a:chExt cx="0" cy="0"/>
+        </a:xfrm>
+      </p:grpSpPr>
+      <p:sp>
+        <p:nvSpPr>
+          <p:cNvPr id="7" name="Rectangle 6"/>
+          <p:cNvSpPr/>
+          <p:nvPr/>
+        </p:nvSpPr>
+        <p:spPr>
+          <a:xfrm>
+            <a:off x="0" y="0"/>
+            <a:ext cx="12192000" cy="6858000"/>
+          </a:xfrm>
+          <a:prstGeom prst="rect">
+            <a:avLst/>
+          </a:prstGeom>
+          <a:noFill/>
+          <a:ln>
+            <a:noFill/>
+          </a:ln>
+        </p:spPr>
+        <p:style>
+          <a:lnRef idx="2">
+            <a:schemeClr val="accent6"/>
+          </a:lnRef>
+          <a:fillRef idx="1">
+            <a:schemeClr val="lt1"/>
+          </a:fillRef>
+          <a:effectRef idx="0">
+            <a:schemeClr val="accent6"/>
+          </a:effectRef>
+          <a:fontRef idx="minor">
+            <a:schemeClr val="dk1"/>
+          </a:fontRef>
+        </p:style>
+        <p:txBody>
+          <a:bodyPr rtlCol="0" anchor="ctr"/>
+          <a:lstStyle/>
+          <a:p>
+            <a:pPr algn="ctr"/>
+            <a:r>
+              <a:rPr lang="en-US" sz="8000" dirty="0" smtClean="0"/>
+              <a:t>Thank you!</a:t>
+            </a:r>
+            <a:endParaRPr lang="en-US" sz="8000" dirty="0"/>
+          </a:p>
+        </p:txBody>
+      </p:sp>
+    </p:spTree>
+    <p:extLst>
+      <p:ext uri="{BB962C8B-B14F-4D97-AF65-F5344CB8AC3E}">
+        <p14:creationId xmlns:p14="http://schemas.microsoft.com/office/powerpoint/2010/main" val="1235772302"/>
       </p:ext>
     </p:extLst>
   </p:cSld>
@@ -9088,7 +12586,7 @@
           <a:p>
             <a:r>
               <a:rPr lang="en-US" sz="2800" dirty="0" smtClean="0"/>
-              <a:t>Can be programmed in parallel</a:t>
+              <a:t>Can be programmed to run in parallel</a:t>
             </a:r>
           </a:p>
           <a:p>
@@ -9585,4 +13083,265 @@
     </a:ext>
   </a:extLst>
 </a:theme>
+</file>
+
+<file path=ppt/theme/theme2.xml><?xml version="1.0" encoding="utf-8"?>
+<a:theme xmlns:a="http://schemas.openxmlformats.org/drawingml/2006/main" name="Office Theme">
+  <a:themeElements>
+    <a:clrScheme name="Office">
+      <a:dk1>
+        <a:sysClr val="windowText" lastClr="000000"/>
+      </a:dk1>
+      <a:lt1>
+        <a:sysClr val="window" lastClr="FFFFFF"/>
+      </a:lt1>
+      <a:dk2>
+        <a:srgbClr val="44546A"/>
+      </a:dk2>
+      <a:lt2>
+        <a:srgbClr val="E7E6E6"/>
+      </a:lt2>
+      <a:accent1>
+        <a:srgbClr val="5B9BD5"/>
+      </a:accent1>
+      <a:accent2>
+        <a:srgbClr val="ED7D31"/>
+      </a:accent2>
+      <a:accent3>
+        <a:srgbClr val="A5A5A5"/>
+      </a:accent3>
+      <a:accent4>
+        <a:srgbClr val="FFC000"/>
+      </a:accent4>
+      <a:accent5>
+        <a:srgbClr val="4472C4"/>
+      </a:accent5>
+      <a:accent6>
+        <a:srgbClr val="70AD47"/>
+      </a:accent6>
+      <a:hlink>
+        <a:srgbClr val="0563C1"/>
+      </a:hlink>
+      <a:folHlink>
+        <a:srgbClr val="954F72"/>
+      </a:folHlink>
+    </a:clrScheme>
+    <a:fontScheme name="Office">
+      <a:majorFont>
+        <a:latin typeface="Calibri Light" panose="020F0302020204030204"/>
+        <a:ea typeface=""/>
+        <a:cs typeface=""/>
+        <a:font script="Jpan" typeface="Yu Gothic Light"/>
+        <a:font script="Hang" typeface="맑은 고딕"/>
+        <a:font script="Hans" typeface="DengXian Light"/>
+        <a:font script="Hant" typeface="新細明體"/>
+        <a:font script="Arab" typeface="Times New Roman"/>
+        <a:font script="Hebr" typeface="Times New Roman"/>
+        <a:font script="Thai" typeface="Angsana New"/>
+        <a:font script="Ethi" typeface="Nyala"/>
+        <a:font script="Beng" typeface="Vrinda"/>
+        <a:font script="Gujr" typeface="Shruti"/>
+        <a:font script="Khmr" typeface="MoolBoran"/>
+        <a:font script="Knda" typeface="Tunga"/>
+        <a:font script="Guru" typeface="Raavi"/>
+        <a:font script="Cans" typeface="Euphemia"/>
+        <a:font script="Cher" typeface="Plantagenet Cherokee"/>
+        <a:font script="Yiii" typeface="Microsoft Yi Baiti"/>
+        <a:font script="Tibt" typeface="Microsoft Himalaya"/>
+        <a:font script="Thaa" typeface="MV Boli"/>
+        <a:font script="Deva" typeface="Mangal"/>
+        <a:font script="Telu" typeface="Gautami"/>
+        <a:font script="Taml" typeface="Latha"/>
+        <a:font script="Syrc" typeface="Estrangelo Edessa"/>
+        <a:font script="Orya" typeface="Kalinga"/>
+        <a:font script="Mlym" typeface="Kartika"/>
+        <a:font script="Laoo" typeface="DokChampa"/>
+        <a:font script="Sinh" typeface="Iskoola Pota"/>
+        <a:font script="Mong" typeface="Mongolian Baiti"/>
+        <a:font script="Viet" typeface="Times New Roman"/>
+        <a:font script="Uigh" typeface="Microsoft Uighur"/>
+        <a:font script="Geor" typeface="Sylfaen"/>
+      </a:majorFont>
+      <a:minorFont>
+        <a:latin typeface="Calibri" panose="020F0502020204030204"/>
+        <a:ea typeface=""/>
+        <a:cs typeface=""/>
+        <a:font script="Jpan" typeface="Yu Gothic"/>
+        <a:font script="Hang" typeface="맑은 고딕"/>
+        <a:font script="Hans" typeface="DengXian"/>
+        <a:font script="Hant" typeface="新細明體"/>
+        <a:font script="Arab" typeface="Arial"/>
+        <a:font script="Hebr" typeface="Arial"/>
+        <a:font script="Thai" typeface="Cordia New"/>
+        <a:font script="Ethi" typeface="Nyala"/>
+        <a:font script="Beng" typeface="Vrinda"/>
+        <a:font script="Gujr" typeface="Shruti"/>
+        <a:font script="Khmr" typeface="DaunPenh"/>
+        <a:font script="Knda" typeface="Tunga"/>
+        <a:font script="Guru" typeface="Raavi"/>
+        <a:font script="Cans" typeface="Euphemia"/>
+        <a:font script="Cher" typeface="Plantagenet Cherokee"/>
+        <a:font script="Yiii" typeface="Microsoft Yi Baiti"/>
+        <a:font script="Tibt" typeface="Microsoft Himalaya"/>
+        <a:font script="Thaa" typeface="MV Boli"/>
+        <a:font script="Deva" typeface="Mangal"/>
+        <a:font script="Telu" typeface="Gautami"/>
+        <a:font script="Taml" typeface="Latha"/>
+        <a:font script="Syrc" typeface="Estrangelo Edessa"/>
+        <a:font script="Orya" typeface="Kalinga"/>
+        <a:font script="Mlym" typeface="Kartika"/>
+        <a:font script="Laoo" typeface="DokChampa"/>
+        <a:font script="Sinh" typeface="Iskoola Pota"/>
+        <a:font script="Mong" typeface="Mongolian Baiti"/>
+        <a:font script="Viet" typeface="Arial"/>
+        <a:font script="Uigh" typeface="Microsoft Uighur"/>
+        <a:font script="Geor" typeface="Sylfaen"/>
+      </a:minorFont>
+    </a:fontScheme>
+    <a:fmtScheme name="Office">
+      <a:fillStyleLst>
+        <a:solidFill>
+          <a:schemeClr val="phClr"/>
+        </a:solidFill>
+        <a:gradFill rotWithShape="1">
+          <a:gsLst>
+            <a:gs pos="0">
+              <a:schemeClr val="phClr">
+                <a:lumMod val="110000"/>
+                <a:satMod val="105000"/>
+                <a:tint val="67000"/>
+              </a:schemeClr>
+            </a:gs>
+            <a:gs pos="50000">
+              <a:schemeClr val="phClr">
+                <a:lumMod val="105000"/>
+                <a:satMod val="103000"/>
+                <a:tint val="73000"/>
+              </a:schemeClr>
+            </a:gs>
+            <a:gs pos="100000">
+              <a:schemeClr val="phClr">
+                <a:lumMod val="105000"/>
+                <a:satMod val="109000"/>
+                <a:tint val="81000"/>
+              </a:schemeClr>
+            </a:gs>
+          </a:gsLst>
+          <a:lin ang="5400000" scaled="0"/>
+        </a:gradFill>
+        <a:gradFill rotWithShape="1">
+          <a:gsLst>
+            <a:gs pos="0">
+              <a:schemeClr val="phClr">
+                <a:satMod val="103000"/>
+                <a:lumMod val="102000"/>
+                <a:tint val="94000"/>
+              </a:schemeClr>
+            </a:gs>
+            <a:gs pos="50000">
+              <a:schemeClr val="phClr">
+                <a:satMod val="110000"/>
+                <a:lumMod val="100000"/>
+                <a:shade val="100000"/>
+              </a:schemeClr>
+            </a:gs>
+            <a:gs pos="100000">
+              <a:schemeClr val="phClr">
+                <a:lumMod val="99000"/>
+                <a:satMod val="120000"/>
+                <a:shade val="78000"/>
+              </a:schemeClr>
+            </a:gs>
+          </a:gsLst>
+          <a:lin ang="5400000" scaled="0"/>
+        </a:gradFill>
+      </a:fillStyleLst>
+      <a:lnStyleLst>
+        <a:ln w="6350" cap="flat" cmpd="sng" algn="ctr">
+          <a:solidFill>
+            <a:schemeClr val="phClr"/>
+          </a:solidFill>
+          <a:prstDash val="solid"/>
+          <a:miter lim="800000"/>
+        </a:ln>
+        <a:ln w="12700" cap="flat" cmpd="sng" algn="ctr">
+          <a:solidFill>
+            <a:schemeClr val="phClr"/>
+          </a:solidFill>
+          <a:prstDash val="solid"/>
+          <a:miter lim="800000"/>
+        </a:ln>
+        <a:ln w="19050" cap="flat" cmpd="sng" algn="ctr">
+          <a:solidFill>
+            <a:schemeClr val="phClr"/>
+          </a:solidFill>
+          <a:prstDash val="solid"/>
+          <a:miter lim="800000"/>
+        </a:ln>
+      </a:lnStyleLst>
+      <a:effectStyleLst>
+        <a:effectStyle>
+          <a:effectLst/>
+        </a:effectStyle>
+        <a:effectStyle>
+          <a:effectLst/>
+        </a:effectStyle>
+        <a:effectStyle>
+          <a:effectLst>
+            <a:outerShdw blurRad="57150" dist="19050" dir="5400000" algn="ctr" rotWithShape="0">
+              <a:srgbClr val="000000">
+                <a:alpha val="63000"/>
+              </a:srgbClr>
+            </a:outerShdw>
+          </a:effectLst>
+        </a:effectStyle>
+      </a:effectStyleLst>
+      <a:bgFillStyleLst>
+        <a:solidFill>
+          <a:schemeClr val="phClr"/>
+        </a:solidFill>
+        <a:solidFill>
+          <a:schemeClr val="phClr">
+            <a:tint val="95000"/>
+            <a:satMod val="170000"/>
+          </a:schemeClr>
+        </a:solidFill>
+        <a:gradFill rotWithShape="1">
+          <a:gsLst>
+            <a:gs pos="0">
+              <a:schemeClr val="phClr">
+                <a:tint val="93000"/>
+                <a:satMod val="150000"/>
+                <a:shade val="98000"/>
+                <a:lumMod val="102000"/>
+              </a:schemeClr>
+            </a:gs>
+            <a:gs pos="50000">
+              <a:schemeClr val="phClr">
+                <a:tint val="98000"/>
+                <a:satMod val="130000"/>
+                <a:shade val="90000"/>
+                <a:lumMod val="103000"/>
+              </a:schemeClr>
+            </a:gs>
+            <a:gs pos="100000">
+              <a:schemeClr val="phClr">
+                <a:shade val="63000"/>
+                <a:satMod val="120000"/>
+              </a:schemeClr>
+            </a:gs>
+          </a:gsLst>
+          <a:lin ang="5400000" scaled="0"/>
+        </a:gradFill>
+      </a:bgFillStyleLst>
+    </a:fmtScheme>
+  </a:themeElements>
+  <a:objectDefaults/>
+  <a:extraClrSchemeLst/>
+  <a:extLst>
+    <a:ext uri="{05A4C25C-085E-4340-85A3-A5531E510DB2}">
+      <thm15:themeFamily xmlns:thm15="http://schemas.microsoft.com/office/thememl/2012/main" name="Office Theme" id="{62F939B6-93AF-4DB8-9C6B-D6C7DFDC589F}" vid="{4A3C46E8-61CC-4603-A589-7422A47A8E4A}"/>
+    </a:ext>
+  </a:extLst>
+</a:theme>
 </file>